--- a/Week 31/Week 31 Summary Presentation.pptx
+++ b/Week 31/Week 31 Summary Presentation.pptx
@@ -3924,36 +3924,43 @@
           <a:p>
             <a:r>
               <a:rPr lang="en-US" dirty="0"/>
-              <a:t>EDA – Key findings</a:t>
-            </a:r>
-          </a:p>
-        </p:txBody>
-      </p:sp>
-      <p:sp>
-        <p:nvSpPr>
-          <p:cNvPr id="3" name="Content Placeholder 2">
-            <a:extLst>
-              <a:ext uri="{FF2B5EF4-FFF2-40B4-BE49-F238E27FC236}">
-                <a16:creationId xmlns:a16="http://schemas.microsoft.com/office/drawing/2014/main" id="{73D2A8CE-1758-1D56-4DBA-8395010B080F}"/>
-              </a:ext>
-            </a:extLst>
-          </p:cNvPr>
-          <p:cNvSpPr>
-            <a:spLocks noGrp="1"/>
-          </p:cNvSpPr>
+              <a:t>EDA – Key findings – Sentiment distribution</a:t>
+            </a:r>
+          </a:p>
+        </p:txBody>
+      </p:sp>
+      <p:pic>
+        <p:nvPicPr>
+          <p:cNvPr id="4" name="Content Placeholder 3">
+            <a:extLst>
+              <a:ext uri="{FF2B5EF4-FFF2-40B4-BE49-F238E27FC236}">
+                <a16:creationId xmlns:a16="http://schemas.microsoft.com/office/drawing/2014/main" id="{4766DCC3-7037-F7F9-A7B3-AC64658E3015}"/>
+              </a:ext>
+            </a:extLst>
+          </p:cNvPr>
+          <p:cNvPicPr>
+            <a:picLocks noGrp="1" noChangeAspect="1"/>
+          </p:cNvPicPr>
           <p:nvPr>
             <p:ph idx="1"/>
           </p:nvPr>
-        </p:nvSpPr>
-        <p:spPr/>
-        <p:txBody>
-          <a:bodyPr/>
-          <a:lstStyle/>
-          <a:p>
-            <a:endParaRPr lang="en-US" dirty="0"/>
-          </a:p>
-        </p:txBody>
-      </p:sp>
+        </p:nvPicPr>
+        <p:blipFill>
+          <a:blip r:embed="rId2"/>
+          <a:stretch>
+            <a:fillRect/>
+          </a:stretch>
+        </p:blipFill>
+        <p:spPr>
+          <a:xfrm>
+            <a:off x="2870200" y="1994694"/>
+            <a:ext cx="6451600" cy="4013200"/>
+          </a:xfrm>
+          <a:prstGeom prst="rect">
+            <a:avLst/>
+          </a:prstGeom>
+        </p:spPr>
+      </p:pic>
     </p:spTree>
     <p:extLst>
       <p:ext uri="{BB962C8B-B14F-4D97-AF65-F5344CB8AC3E}">
@@ -4013,36 +4020,43 @@
           <a:p>
             <a:r>
               <a:rPr lang="en-US" dirty="0"/>
-              <a:t>EDA – Key findings</a:t>
-            </a:r>
-          </a:p>
-        </p:txBody>
-      </p:sp>
-      <p:sp>
-        <p:nvSpPr>
-          <p:cNvPr id="3" name="Content Placeholder 2">
-            <a:extLst>
-              <a:ext uri="{FF2B5EF4-FFF2-40B4-BE49-F238E27FC236}">
-                <a16:creationId xmlns:a16="http://schemas.microsoft.com/office/drawing/2014/main" id="{5DBA5415-060E-DF97-2CE8-CC9206E5A343}"/>
-              </a:ext>
-            </a:extLst>
-          </p:cNvPr>
-          <p:cNvSpPr>
-            <a:spLocks noGrp="1"/>
-          </p:cNvSpPr>
+              <a:t>EDA – Key findings – top 10 Positive keywords</a:t>
+            </a:r>
+          </a:p>
+        </p:txBody>
+      </p:sp>
+      <p:pic>
+        <p:nvPicPr>
+          <p:cNvPr id="4" name="Content Placeholder 3">
+            <a:extLst>
+              <a:ext uri="{FF2B5EF4-FFF2-40B4-BE49-F238E27FC236}">
+                <a16:creationId xmlns:a16="http://schemas.microsoft.com/office/drawing/2014/main" id="{821424FF-DDF6-6527-F6E3-37BEED4412EE}"/>
+              </a:ext>
+            </a:extLst>
+          </p:cNvPr>
+          <p:cNvPicPr>
+            <a:picLocks noGrp="1" noChangeAspect="1"/>
+          </p:cNvPicPr>
           <p:nvPr>
             <p:ph idx="1"/>
           </p:nvPr>
-        </p:nvSpPr>
-        <p:spPr/>
-        <p:txBody>
-          <a:bodyPr/>
-          <a:lstStyle/>
-          <a:p>
-            <a:endParaRPr lang="en-US" dirty="0"/>
-          </a:p>
-        </p:txBody>
-      </p:sp>
+        </p:nvPicPr>
+        <p:blipFill>
+          <a:blip r:embed="rId2"/>
+          <a:stretch>
+            <a:fillRect/>
+          </a:stretch>
+        </p:blipFill>
+        <p:spPr>
+          <a:xfrm>
+            <a:off x="2813050" y="1880394"/>
+            <a:ext cx="6565900" cy="4241800"/>
+          </a:xfrm>
+          <a:prstGeom prst="rect">
+            <a:avLst/>
+          </a:prstGeom>
+        </p:spPr>
+      </p:pic>
     </p:spTree>
     <p:extLst>
       <p:ext uri="{BB962C8B-B14F-4D97-AF65-F5344CB8AC3E}">
@@ -4102,36 +4116,43 @@
           <a:p>
             <a:r>
               <a:rPr lang="en-US" dirty="0"/>
-              <a:t>EDA – Key findings</a:t>
-            </a:r>
-          </a:p>
-        </p:txBody>
-      </p:sp>
-      <p:sp>
-        <p:nvSpPr>
-          <p:cNvPr id="3" name="Content Placeholder 2">
-            <a:extLst>
-              <a:ext uri="{FF2B5EF4-FFF2-40B4-BE49-F238E27FC236}">
-                <a16:creationId xmlns:a16="http://schemas.microsoft.com/office/drawing/2014/main" id="{EB454A8A-A927-4A49-7B04-7851ECAF39A3}"/>
-              </a:ext>
-            </a:extLst>
-          </p:cNvPr>
-          <p:cNvSpPr>
-            <a:spLocks noGrp="1"/>
-          </p:cNvSpPr>
+              <a:t>EDA – Key findings – top 10 Negative keywords</a:t>
+            </a:r>
+          </a:p>
+        </p:txBody>
+      </p:sp>
+      <p:pic>
+        <p:nvPicPr>
+          <p:cNvPr id="4" name="Content Placeholder 3">
+            <a:extLst>
+              <a:ext uri="{FF2B5EF4-FFF2-40B4-BE49-F238E27FC236}">
+                <a16:creationId xmlns:a16="http://schemas.microsoft.com/office/drawing/2014/main" id="{2F8872D8-931F-E572-699D-D93A9733996C}"/>
+              </a:ext>
+            </a:extLst>
+          </p:cNvPr>
+          <p:cNvPicPr>
+            <a:picLocks noGrp="1" noChangeAspect="1"/>
+          </p:cNvPicPr>
           <p:nvPr>
             <p:ph idx="1"/>
           </p:nvPr>
-        </p:nvSpPr>
-        <p:spPr/>
-        <p:txBody>
-          <a:bodyPr/>
-          <a:lstStyle/>
-          <a:p>
-            <a:endParaRPr lang="en-US" dirty="0"/>
-          </a:p>
-        </p:txBody>
-      </p:sp>
+        </p:nvPicPr>
+        <p:blipFill>
+          <a:blip r:embed="rId2"/>
+          <a:stretch>
+            <a:fillRect/>
+          </a:stretch>
+        </p:blipFill>
+        <p:spPr>
+          <a:xfrm>
+            <a:off x="2660650" y="1899444"/>
+            <a:ext cx="6870700" cy="4203700"/>
+          </a:xfrm>
+          <a:prstGeom prst="rect">
+            <a:avLst/>
+          </a:prstGeom>
+        </p:spPr>
+      </p:pic>
     </p:spTree>
     <p:extLst>
       <p:ext uri="{BB962C8B-B14F-4D97-AF65-F5344CB8AC3E}">
@@ -4191,36 +4212,73 @@
           <a:p>
             <a:r>
               <a:rPr lang="en-US" dirty="0"/>
-              <a:t>EDA – Key findings</a:t>
-            </a:r>
-          </a:p>
-        </p:txBody>
-      </p:sp>
-      <p:sp>
-        <p:nvSpPr>
-          <p:cNvPr id="3" name="Content Placeholder 2">
-            <a:extLst>
-              <a:ext uri="{FF2B5EF4-FFF2-40B4-BE49-F238E27FC236}">
-                <a16:creationId xmlns:a16="http://schemas.microsoft.com/office/drawing/2014/main" id="{35247A76-673D-E326-25EA-FBFC5C7A0321}"/>
-              </a:ext>
-            </a:extLst>
-          </p:cNvPr>
-          <p:cNvSpPr>
-            <a:spLocks noGrp="1"/>
-          </p:cNvSpPr>
+              <a:t>EDA – Key findings – word clouds</a:t>
+            </a:r>
+          </a:p>
+        </p:txBody>
+      </p:sp>
+      <p:pic>
+        <p:nvPicPr>
+          <p:cNvPr id="4" name="Content Placeholder 3">
+            <a:extLst>
+              <a:ext uri="{FF2B5EF4-FFF2-40B4-BE49-F238E27FC236}">
+                <a16:creationId xmlns:a16="http://schemas.microsoft.com/office/drawing/2014/main" id="{DD9590C6-6F41-D3D1-F2B8-18C317585A39}"/>
+              </a:ext>
+            </a:extLst>
+          </p:cNvPr>
+          <p:cNvPicPr>
+            <a:picLocks noGrp="1" noChangeAspect="1"/>
+          </p:cNvPicPr>
           <p:nvPr>
             <p:ph idx="1"/>
           </p:nvPr>
-        </p:nvSpPr>
-        <p:spPr/>
-        <p:txBody>
-          <a:bodyPr/>
-          <a:lstStyle/>
-          <a:p>
-            <a:endParaRPr lang="en-US" dirty="0"/>
-          </a:p>
-        </p:txBody>
-      </p:sp>
+        </p:nvPicPr>
+        <p:blipFill>
+          <a:blip r:embed="rId2"/>
+          <a:stretch>
+            <a:fillRect/>
+          </a:stretch>
+        </p:blipFill>
+        <p:spPr>
+          <a:xfrm>
+            <a:off x="1105692" y="2790430"/>
+            <a:ext cx="4990308" cy="2328175"/>
+          </a:xfrm>
+          <a:prstGeom prst="rect">
+            <a:avLst/>
+          </a:prstGeom>
+        </p:spPr>
+      </p:pic>
+      <p:pic>
+        <p:nvPicPr>
+          <p:cNvPr id="5" name="Picture 4">
+            <a:extLst>
+              <a:ext uri="{FF2B5EF4-FFF2-40B4-BE49-F238E27FC236}">
+                <a16:creationId xmlns:a16="http://schemas.microsoft.com/office/drawing/2014/main" id="{5F3B9AE1-F91A-FF0F-5D81-A52F74702765}"/>
+              </a:ext>
+            </a:extLst>
+          </p:cNvPr>
+          <p:cNvPicPr>
+            <a:picLocks noChangeAspect="1"/>
+          </p:cNvPicPr>
+          <p:nvPr/>
+        </p:nvPicPr>
+        <p:blipFill>
+          <a:blip r:embed="rId3"/>
+          <a:stretch>
+            <a:fillRect/>
+          </a:stretch>
+        </p:blipFill>
+        <p:spPr>
+          <a:xfrm>
+            <a:off x="6529718" y="2790430"/>
+            <a:ext cx="4562666" cy="2012431"/>
+          </a:xfrm>
+          <a:prstGeom prst="rect">
+            <a:avLst/>
+          </a:prstGeom>
+        </p:spPr>
+      </p:pic>
     </p:spTree>
     <p:extLst>
       <p:ext uri="{BB962C8B-B14F-4D97-AF65-F5344CB8AC3E}">
@@ -4295,15 +4353,84 @@
             <p:ph idx="1"/>
           </p:nvPr>
         </p:nvSpPr>
-        <p:spPr/>
-        <p:txBody>
-          <a:bodyPr/>
-          <a:lstStyle/>
-          <a:p>
-            <a:endParaRPr lang="en-US"/>
-          </a:p>
-        </p:txBody>
-      </p:sp>
+        <p:spPr>
+          <a:xfrm>
+            <a:off x="838200" y="1825625"/>
+            <a:ext cx="4478518" cy="4351338"/>
+          </a:xfrm>
+        </p:spPr>
+        <p:txBody>
+          <a:bodyPr/>
+          <a:lstStyle/>
+          <a:p>
+            <a:r>
+              <a:rPr lang="en-US"/>
+              <a:t>Layers</a:t>
+            </a:r>
+            <a:endParaRPr lang="en-US" dirty="0"/>
+          </a:p>
+        </p:txBody>
+      </p:sp>
+      <p:pic>
+        <p:nvPicPr>
+          <p:cNvPr id="5" name="Picture 4" descr="A diagram of a diagram&#10;&#10;AI-generated content may be incorrect.">
+            <a:extLst>
+              <a:ext uri="{FF2B5EF4-FFF2-40B4-BE49-F238E27FC236}">
+                <a16:creationId xmlns:a16="http://schemas.microsoft.com/office/drawing/2014/main" id="{A7E4FE33-A085-E501-D418-6A1EB0DD18D3}"/>
+              </a:ext>
+            </a:extLst>
+          </p:cNvPr>
+          <p:cNvPicPr>
+            <a:picLocks noChangeAspect="1"/>
+          </p:cNvPicPr>
+          <p:nvPr/>
+        </p:nvPicPr>
+        <p:blipFill>
+          <a:blip r:embed="rId2"/>
+          <a:stretch>
+            <a:fillRect/>
+          </a:stretch>
+        </p:blipFill>
+        <p:spPr>
+          <a:xfrm>
+            <a:off x="9680655" y="762126"/>
+            <a:ext cx="1963145" cy="5503431"/>
+          </a:xfrm>
+          <a:prstGeom prst="rect">
+            <a:avLst/>
+          </a:prstGeom>
+        </p:spPr>
+      </p:pic>
+      <p:pic>
+        <p:nvPicPr>
+          <p:cNvPr id="6" name="Picture 5">
+            <a:extLst>
+              <a:ext uri="{FF2B5EF4-FFF2-40B4-BE49-F238E27FC236}">
+                <a16:creationId xmlns:a16="http://schemas.microsoft.com/office/drawing/2014/main" id="{BB6885D1-F740-562E-DA1B-8ACF3FB031A5}"/>
+              </a:ext>
+            </a:extLst>
+          </p:cNvPr>
+          <p:cNvPicPr>
+            <a:picLocks noChangeAspect="1"/>
+          </p:cNvPicPr>
+          <p:nvPr/>
+        </p:nvPicPr>
+        <p:blipFill>
+          <a:blip r:embed="rId3"/>
+          <a:stretch>
+            <a:fillRect/>
+          </a:stretch>
+        </p:blipFill>
+        <p:spPr>
+          <a:xfrm>
+            <a:off x="5476530" y="2235253"/>
+            <a:ext cx="4303305" cy="2557175"/>
+          </a:xfrm>
+          <a:prstGeom prst="rect">
+            <a:avLst/>
+          </a:prstGeom>
+        </p:spPr>
+      </p:pic>
     </p:spTree>
     <p:extLst>
       <p:ext uri="{BB962C8B-B14F-4D97-AF65-F5344CB8AC3E}">

--- a/Week 31/Week 31 Summary Presentation.pptx
+++ b/Week 31/Week 31 Summary Presentation.pptx
@@ -2,7 +2,7 @@
 <file path=ppt/presentation.xml><?xml version="1.0" encoding="utf-8"?>
 <p:presentation xmlns:a="http://schemas.openxmlformats.org/drawingml/2006/main" xmlns:r="http://schemas.openxmlformats.org/officeDocument/2006/relationships" xmlns:p="http://schemas.openxmlformats.org/presentationml/2006/main" saveSubsetFonts="1" autoCompressPictures="0">
   <p:sldMasterIdLst>
-    <p:sldMasterId id="2147483714" r:id="rId1"/>
+    <p:sldMasterId id="2147483870" r:id="rId1"/>
   </p:sldMasterIdLst>
   <p:sldIdLst>
     <p:sldId id="256" r:id="rId2"/>
@@ -16,6 +16,7 @@
     <p:sldId id="260" r:id="rId10"/>
     <p:sldId id="261" r:id="rId11"/>
     <p:sldId id="262" r:id="rId12"/>
+    <p:sldId id="267" r:id="rId13"/>
   </p:sldIdLst>
   <p:sldSz cx="12192000" cy="6858000"/>
   <p:notesSz cx="6858000" cy="9144000"/>
@@ -23,7 +24,7 @@
     <a:defPPr>
       <a:defRPr lang="en-US"/>
     </a:defPPr>
-    <a:lvl1pPr marL="0" algn="l" defTabSz="914400" rtl="0" eaLnBrk="1" latinLnBrk="0" hangingPunct="1">
+    <a:lvl1pPr marL="0" algn="l" defTabSz="457200" rtl="0" eaLnBrk="1" latinLnBrk="0" hangingPunct="1">
       <a:defRPr sz="1800" kern="1200">
         <a:solidFill>
           <a:schemeClr val="tx1"/>
@@ -33,7 +34,7 @@
         <a:cs typeface="+mn-cs"/>
       </a:defRPr>
     </a:lvl1pPr>
-    <a:lvl2pPr marL="457200" algn="l" defTabSz="914400" rtl="0" eaLnBrk="1" latinLnBrk="0" hangingPunct="1">
+    <a:lvl2pPr marL="457200" algn="l" defTabSz="457200" rtl="0" eaLnBrk="1" latinLnBrk="0" hangingPunct="1">
       <a:defRPr sz="1800" kern="1200">
         <a:solidFill>
           <a:schemeClr val="tx1"/>
@@ -43,7 +44,7 @@
         <a:cs typeface="+mn-cs"/>
       </a:defRPr>
     </a:lvl2pPr>
-    <a:lvl3pPr marL="914400" algn="l" defTabSz="914400" rtl="0" eaLnBrk="1" latinLnBrk="0" hangingPunct="1">
+    <a:lvl3pPr marL="914400" algn="l" defTabSz="457200" rtl="0" eaLnBrk="1" latinLnBrk="0" hangingPunct="1">
       <a:defRPr sz="1800" kern="1200">
         <a:solidFill>
           <a:schemeClr val="tx1"/>
@@ -53,7 +54,7 @@
         <a:cs typeface="+mn-cs"/>
       </a:defRPr>
     </a:lvl3pPr>
-    <a:lvl4pPr marL="1371600" algn="l" defTabSz="914400" rtl="0" eaLnBrk="1" latinLnBrk="0" hangingPunct="1">
+    <a:lvl4pPr marL="1371600" algn="l" defTabSz="457200" rtl="0" eaLnBrk="1" latinLnBrk="0" hangingPunct="1">
       <a:defRPr sz="1800" kern="1200">
         <a:solidFill>
           <a:schemeClr val="tx1"/>
@@ -63,7 +64,7 @@
         <a:cs typeface="+mn-cs"/>
       </a:defRPr>
     </a:lvl4pPr>
-    <a:lvl5pPr marL="1828800" algn="l" defTabSz="914400" rtl="0" eaLnBrk="1" latinLnBrk="0" hangingPunct="1">
+    <a:lvl5pPr marL="1828800" algn="l" defTabSz="457200" rtl="0" eaLnBrk="1" latinLnBrk="0" hangingPunct="1">
       <a:defRPr sz="1800" kern="1200">
         <a:solidFill>
           <a:schemeClr val="tx1"/>
@@ -73,7 +74,7 @@
         <a:cs typeface="+mn-cs"/>
       </a:defRPr>
     </a:lvl5pPr>
-    <a:lvl6pPr marL="2286000" algn="l" defTabSz="914400" rtl="0" eaLnBrk="1" latinLnBrk="0" hangingPunct="1">
+    <a:lvl6pPr marL="2286000" algn="l" defTabSz="457200" rtl="0" eaLnBrk="1" latinLnBrk="0" hangingPunct="1">
       <a:defRPr sz="1800" kern="1200">
         <a:solidFill>
           <a:schemeClr val="tx1"/>
@@ -83,7 +84,7 @@
         <a:cs typeface="+mn-cs"/>
       </a:defRPr>
     </a:lvl6pPr>
-    <a:lvl7pPr marL="2743200" algn="l" defTabSz="914400" rtl="0" eaLnBrk="1" latinLnBrk="0" hangingPunct="1">
+    <a:lvl7pPr marL="2743200" algn="l" defTabSz="457200" rtl="0" eaLnBrk="1" latinLnBrk="0" hangingPunct="1">
       <a:defRPr sz="1800" kern="1200">
         <a:solidFill>
           <a:schemeClr val="tx1"/>
@@ -93,7 +94,7 @@
         <a:cs typeface="+mn-cs"/>
       </a:defRPr>
     </a:lvl7pPr>
-    <a:lvl8pPr marL="3200400" algn="l" defTabSz="914400" rtl="0" eaLnBrk="1" latinLnBrk="0" hangingPunct="1">
+    <a:lvl8pPr marL="3200400" algn="l" defTabSz="457200" rtl="0" eaLnBrk="1" latinLnBrk="0" hangingPunct="1">
       <a:defRPr sz="1800" kern="1200">
         <a:solidFill>
           <a:schemeClr val="tx1"/>
@@ -103,7 +104,7 @@
         <a:cs typeface="+mn-cs"/>
       </a:defRPr>
     </a:lvl8pPr>
-    <a:lvl9pPr marL="3657600" algn="l" defTabSz="914400" rtl="0" eaLnBrk="1" latinLnBrk="0" hangingPunct="1">
+    <a:lvl9pPr marL="3657600" algn="l" defTabSz="457200" rtl="0" eaLnBrk="1" latinLnBrk="0" hangingPunct="1">
       <a:defRPr sz="1800" kern="1200">
         <a:solidFill>
           <a:schemeClr val="tx1"/>
@@ -114,12 +115,22 @@
       </a:defRPr>
     </a:lvl9pPr>
   </p:defaultTextStyle>
+  <p:extLst>
+    <p:ext uri="{EFAFB233-063F-42B5-8137-9DF3F51BA10A}">
+      <p15:sldGuideLst xmlns:p15="http://schemas.microsoft.com/office/powerpoint/2012/main"/>
+    </p:ext>
+  </p:extLst>
 </p:presentation>
 </file>
 
 <file path=ppt/slideLayouts/slideLayout1.xml><?xml version="1.0" encoding="utf-8"?>
 <p:sldLayout xmlns:a="http://schemas.openxmlformats.org/drawingml/2006/main" xmlns:r="http://schemas.openxmlformats.org/officeDocument/2006/relationships" xmlns:p="http://schemas.openxmlformats.org/presentationml/2006/main" type="title" preserve="1">
   <p:cSld name="Title Slide">
+    <p:bg>
+      <p:bgRef idx="1003">
+        <a:schemeClr val="bg2"/>
+      </p:bgRef>
+    </p:bg>
     <p:spTree>
       <p:nvGrpSpPr>
         <p:cNvPr id="1" name=""/>
@@ -134,15 +145,39 @@
           <a:chExt cx="0" cy="0"/>
         </a:xfrm>
       </p:grpSpPr>
-      <p:sp>
-        <p:nvSpPr>
-          <p:cNvPr id="2" name="Title 1">
+      <p:pic>
+        <p:nvPicPr>
+          <p:cNvPr id="7" name="Picture 6" descr="Celestia-R1---OverlayTitleHD.png"/>
+          <p:cNvPicPr>
+            <a:picLocks noChangeAspect="1"/>
+          </p:cNvPicPr>
+          <p:nvPr/>
+        </p:nvPicPr>
+        <p:blipFill>
+          <a:blip r:embed="rId2">
             <a:extLst>
-              <a:ext uri="{FF2B5EF4-FFF2-40B4-BE49-F238E27FC236}">
-                <a16:creationId xmlns:a16="http://schemas.microsoft.com/office/drawing/2014/main" id="{E7170FC5-EFCB-D67B-BA54-5C0328DD97F6}"/>
+              <a:ext uri="{28A0092B-C50C-407E-A947-70E740481C1C}">
+                <a14:useLocalDpi xmlns:a14="http://schemas.microsoft.com/office/drawing/2010/main" val="0"/>
               </a:ext>
             </a:extLst>
-          </p:cNvPr>
+          </a:blip>
+          <a:stretch>
+            <a:fillRect/>
+          </a:stretch>
+        </p:blipFill>
+        <p:spPr>
+          <a:xfrm>
+            <a:off x="0" y="0"/>
+            <a:ext cx="12188825" cy="6856214"/>
+          </a:xfrm>
+          <a:prstGeom prst="rect">
+            <a:avLst/>
+          </a:prstGeom>
+        </p:spPr>
+      </p:pic>
+      <p:sp>
+        <p:nvSpPr>
+          <p:cNvPr id="2" name="Title 1"/>
           <p:cNvSpPr>
             <a:spLocks noGrp="1"/>
           </p:cNvSpPr>
@@ -152,15 +187,19 @@
         </p:nvSpPr>
         <p:spPr>
           <a:xfrm>
-            <a:off x="1524000" y="1122363"/>
-            <a:ext cx="9144000" cy="2387600"/>
-          </a:xfrm>
-        </p:spPr>
-        <p:txBody>
-          <a:bodyPr anchor="b"/>
+            <a:off x="3962399" y="1964267"/>
+            <a:ext cx="7197726" cy="2421464"/>
+          </a:xfrm>
+        </p:spPr>
+        <p:txBody>
+          <a:bodyPr anchor="b">
+            <a:normAutofit/>
+          </a:bodyPr>
           <a:lstStyle>
-            <a:lvl1pPr algn="ctr">
-              <a:defRPr sz="6000"/>
+            <a:lvl1pPr algn="r">
+              <a:defRPr sz="4800">
+                <a:effectLst/>
+              </a:defRPr>
             </a:lvl1pPr>
           </a:lstStyle>
           <a:p>
@@ -168,19 +207,13 @@
               <a:rPr lang="en-GB"/>
               <a:t>Click to edit Master title style</a:t>
             </a:r>
-            <a:endParaRPr lang="en-US"/>
-          </a:p>
-        </p:txBody>
-      </p:sp>
-      <p:sp>
-        <p:nvSpPr>
-          <p:cNvPr id="3" name="Subtitle 2">
-            <a:extLst>
-              <a:ext uri="{FF2B5EF4-FFF2-40B4-BE49-F238E27FC236}">
-                <a16:creationId xmlns:a16="http://schemas.microsoft.com/office/drawing/2014/main" id="{5EBA4755-B8D3-20D4-383B-BE14F33CE76E}"/>
-              </a:ext>
-            </a:extLst>
-          </p:cNvPr>
+            <a:endParaRPr lang="en-US" dirty="0"/>
+          </a:p>
+        </p:txBody>
+      </p:sp>
+      <p:sp>
+        <p:nvSpPr>
+          <p:cNvPr id="3" name="Subtitle 2"/>
           <p:cNvSpPr>
             <a:spLocks noGrp="1"/>
           </p:cNvSpPr>
@@ -190,48 +223,102 @@
         </p:nvSpPr>
         <p:spPr>
           <a:xfrm>
-            <a:off x="1524000" y="3602038"/>
-            <a:ext cx="9144000" cy="1655762"/>
-          </a:xfrm>
-        </p:spPr>
-        <p:txBody>
-          <a:bodyPr/>
+            <a:off x="3962399" y="4385732"/>
+            <a:ext cx="7197726" cy="1405467"/>
+          </a:xfrm>
+        </p:spPr>
+        <p:txBody>
+          <a:bodyPr anchor="t">
+            <a:normAutofit/>
+          </a:bodyPr>
           <a:lstStyle>
-            <a:lvl1pPr marL="0" indent="0" algn="ctr">
-              <a:buNone/>
-              <a:defRPr sz="2400"/>
+            <a:lvl1pPr marL="0" indent="0" algn="r">
+              <a:buNone/>
+              <a:defRPr sz="1800" cap="all">
+                <a:solidFill>
+                  <a:schemeClr val="tx1"/>
+                </a:solidFill>
+              </a:defRPr>
             </a:lvl1pPr>
             <a:lvl2pPr marL="457200" indent="0" algn="ctr">
               <a:buNone/>
-              <a:defRPr sz="2000"/>
+              <a:defRPr>
+                <a:solidFill>
+                  <a:schemeClr val="tx1">
+                    <a:tint val="75000"/>
+                  </a:schemeClr>
+                </a:solidFill>
+              </a:defRPr>
             </a:lvl2pPr>
             <a:lvl3pPr marL="914400" indent="0" algn="ctr">
               <a:buNone/>
-              <a:defRPr sz="1800"/>
+              <a:defRPr>
+                <a:solidFill>
+                  <a:schemeClr val="tx1">
+                    <a:tint val="75000"/>
+                  </a:schemeClr>
+                </a:solidFill>
+              </a:defRPr>
             </a:lvl3pPr>
             <a:lvl4pPr marL="1371600" indent="0" algn="ctr">
               <a:buNone/>
-              <a:defRPr sz="1600"/>
+              <a:defRPr>
+                <a:solidFill>
+                  <a:schemeClr val="tx1">
+                    <a:tint val="75000"/>
+                  </a:schemeClr>
+                </a:solidFill>
+              </a:defRPr>
             </a:lvl4pPr>
             <a:lvl5pPr marL="1828800" indent="0" algn="ctr">
               <a:buNone/>
-              <a:defRPr sz="1600"/>
+              <a:defRPr>
+                <a:solidFill>
+                  <a:schemeClr val="tx1">
+                    <a:tint val="75000"/>
+                  </a:schemeClr>
+                </a:solidFill>
+              </a:defRPr>
             </a:lvl5pPr>
             <a:lvl6pPr marL="2286000" indent="0" algn="ctr">
               <a:buNone/>
-              <a:defRPr sz="1600"/>
+              <a:defRPr>
+                <a:solidFill>
+                  <a:schemeClr val="tx1">
+                    <a:tint val="75000"/>
+                  </a:schemeClr>
+                </a:solidFill>
+              </a:defRPr>
             </a:lvl6pPr>
             <a:lvl7pPr marL="2743200" indent="0" algn="ctr">
               <a:buNone/>
-              <a:defRPr sz="1600"/>
+              <a:defRPr>
+                <a:solidFill>
+                  <a:schemeClr val="tx1">
+                    <a:tint val="75000"/>
+                  </a:schemeClr>
+                </a:solidFill>
+              </a:defRPr>
             </a:lvl7pPr>
             <a:lvl8pPr marL="3200400" indent="0" algn="ctr">
               <a:buNone/>
-              <a:defRPr sz="1600"/>
+              <a:defRPr>
+                <a:solidFill>
+                  <a:schemeClr val="tx1">
+                    <a:tint val="75000"/>
+                  </a:schemeClr>
+                </a:solidFill>
+              </a:defRPr>
             </a:lvl8pPr>
             <a:lvl9pPr marL="3657600" indent="0" algn="ctr">
               <a:buNone/>
-              <a:defRPr sz="1600"/>
+              <a:defRPr>
+                <a:solidFill>
+                  <a:schemeClr val="tx1">
+                    <a:tint val="75000"/>
+                  </a:schemeClr>
+                </a:solidFill>
+              </a:defRPr>
             </a:lvl9pPr>
           </a:lstStyle>
           <a:p>
@@ -239,19 +326,13 @@
               <a:rPr lang="en-GB"/>
               <a:t>Click to edit Master subtitle style</a:t>
             </a:r>
-            <a:endParaRPr lang="en-US"/>
-          </a:p>
-        </p:txBody>
-      </p:sp>
-      <p:sp>
-        <p:nvSpPr>
-          <p:cNvPr id="4" name="Date Placeholder 3">
-            <a:extLst>
-              <a:ext uri="{FF2B5EF4-FFF2-40B4-BE49-F238E27FC236}">
-                <a16:creationId xmlns:a16="http://schemas.microsoft.com/office/drawing/2014/main" id="{3AE28552-A8D8-43D3-0696-F16BF6EDD483}"/>
-              </a:ext>
-            </a:extLst>
-          </p:cNvPr>
+            <a:endParaRPr lang="en-US" dirty="0"/>
+          </a:p>
+        </p:txBody>
+      </p:sp>
+      <p:sp>
+        <p:nvSpPr>
+          <p:cNvPr id="4" name="Date Placeholder 3"/>
           <p:cNvSpPr>
             <a:spLocks noGrp="1"/>
           </p:cNvSpPr>
@@ -259,14 +340,19 @@
             <p:ph type="dt" sz="half" idx="10"/>
           </p:nvPr>
         </p:nvSpPr>
-        <p:spPr/>
+        <p:spPr>
+          <a:xfrm>
+            <a:off x="8932558" y="5870575"/>
+            <a:ext cx="1600200" cy="377825"/>
+          </a:xfrm>
+        </p:spPr>
         <p:txBody>
           <a:bodyPr/>
           <a:lstStyle/>
           <a:p>
             <a:fld id="{6E31F35A-E116-9941-8BCB-58EC54DB536B}" type="datetimeFigureOut">
               <a:rPr lang="en-US" smtClean="0"/>
-              <a:t>12/26/25</a:t>
+              <a:t>12/27/25</a:t>
             </a:fld>
             <a:endParaRPr lang="en-US"/>
           </a:p>
@@ -274,13 +360,7 @@
       </p:sp>
       <p:sp>
         <p:nvSpPr>
-          <p:cNvPr id="5" name="Footer Placeholder 4">
-            <a:extLst>
-              <a:ext uri="{FF2B5EF4-FFF2-40B4-BE49-F238E27FC236}">
-                <a16:creationId xmlns:a16="http://schemas.microsoft.com/office/drawing/2014/main" id="{ABBC80D3-33FC-ECB4-1D14-EDD0BFA63FE1}"/>
-              </a:ext>
-            </a:extLst>
-          </p:cNvPr>
+          <p:cNvPr id="5" name="Footer Placeholder 4"/>
           <p:cNvSpPr>
             <a:spLocks noGrp="1"/>
           </p:cNvSpPr>
@@ -288,7 +368,12 @@
             <p:ph type="ftr" sz="quarter" idx="11"/>
           </p:nvPr>
         </p:nvSpPr>
-        <p:spPr/>
+        <p:spPr>
+          <a:xfrm>
+            <a:off x="3962399" y="5870575"/>
+            <a:ext cx="4893958" cy="377825"/>
+          </a:xfrm>
+        </p:spPr>
         <p:txBody>
           <a:bodyPr/>
           <a:lstStyle/>
@@ -299,13 +384,7 @@
       </p:sp>
       <p:sp>
         <p:nvSpPr>
-          <p:cNvPr id="6" name="Slide Number Placeholder 5">
-            <a:extLst>
-              <a:ext uri="{FF2B5EF4-FFF2-40B4-BE49-F238E27FC236}">
-                <a16:creationId xmlns:a16="http://schemas.microsoft.com/office/drawing/2014/main" id="{C45DB929-1810-D22D-50E2-01777B6DA098}"/>
-              </a:ext>
-            </a:extLst>
-          </p:cNvPr>
+          <p:cNvPr id="6" name="Slide Number Placeholder 5"/>
           <p:cNvSpPr>
             <a:spLocks noGrp="1"/>
           </p:cNvSpPr>
@@ -313,7 +392,12 @@
             <p:ph type="sldNum" sz="quarter" idx="12"/>
           </p:nvPr>
         </p:nvSpPr>
-        <p:spPr/>
+        <p:spPr>
+          <a:xfrm>
+            <a:off x="10608958" y="5870575"/>
+            <a:ext cx="551167" cy="377825"/>
+          </a:xfrm>
+        </p:spPr>
         <p:txBody>
           <a:bodyPr/>
           <a:lstStyle/>
@@ -329,7 +413,331 @@
     </p:spTree>
     <p:extLst>
       <p:ext uri="{BB962C8B-B14F-4D97-AF65-F5344CB8AC3E}">
-        <p14:creationId xmlns:p14="http://schemas.microsoft.com/office/powerpoint/2010/main" val="1495053189"/>
+        <p14:creationId xmlns:p14="http://schemas.microsoft.com/office/powerpoint/2010/main" val="1203298256"/>
+      </p:ext>
+    </p:extLst>
+  </p:cSld>
+  <p:clrMapOvr>
+    <a:overrideClrMapping bg1="dk1" tx1="lt1" bg2="dk2" tx2="lt2" accent1="accent1" accent2="accent2" accent3="accent3" accent4="accent4" accent5="accent5" accent6="accent6" hlink="hlink" folHlink="folHlink"/>
+  </p:clrMapOvr>
+</p:sldLayout>
+</file>
+
+<file path=ppt/slideLayouts/slideLayout10.xml><?xml version="1.0" encoding="utf-8"?>
+<p:sldLayout xmlns:a="http://schemas.openxmlformats.org/drawingml/2006/main" xmlns:r="http://schemas.openxmlformats.org/officeDocument/2006/relationships" xmlns:p="http://schemas.openxmlformats.org/presentationml/2006/main" preserve="1">
+  <p:cSld name="Panoramic Picture with Caption">
+    <p:spTree>
+      <p:nvGrpSpPr>
+        <p:cNvPr id="1" name=""/>
+        <p:cNvGrpSpPr/>
+        <p:nvPr/>
+      </p:nvGrpSpPr>
+      <p:grpSpPr>
+        <a:xfrm>
+          <a:off x="0" y="0"/>
+          <a:ext cx="0" cy="0"/>
+          <a:chOff x="0" y="0"/>
+          <a:chExt cx="0" cy="0"/>
+        </a:xfrm>
+      </p:grpSpPr>
+      <p:pic>
+        <p:nvPicPr>
+          <p:cNvPr id="8" name="Picture 7" descr="Celestia-R1---OverlayContentHD.png"/>
+          <p:cNvPicPr>
+            <a:picLocks noChangeAspect="1"/>
+          </p:cNvPicPr>
+          <p:nvPr/>
+        </p:nvPicPr>
+        <p:blipFill>
+          <a:blip r:embed="rId2">
+            <a:extLst>
+              <a:ext uri="{28A0092B-C50C-407E-A947-70E740481C1C}">
+                <a14:useLocalDpi xmlns:a14="http://schemas.microsoft.com/office/drawing/2010/main" val="0"/>
+              </a:ext>
+            </a:extLst>
+          </a:blip>
+          <a:stretch>
+            <a:fillRect/>
+          </a:stretch>
+        </p:blipFill>
+        <p:spPr>
+          <a:xfrm>
+            <a:off x="0" y="0"/>
+            <a:ext cx="12188825" cy="6856214"/>
+          </a:xfrm>
+          <a:prstGeom prst="rect">
+            <a:avLst/>
+          </a:prstGeom>
+        </p:spPr>
+      </p:pic>
+      <p:sp>
+        <p:nvSpPr>
+          <p:cNvPr id="2" name="Title 1"/>
+          <p:cNvSpPr>
+            <a:spLocks noGrp="1"/>
+          </p:cNvSpPr>
+          <p:nvPr>
+            <p:ph type="title"/>
+          </p:nvPr>
+        </p:nvSpPr>
+        <p:spPr>
+          <a:xfrm>
+            <a:off x="685800" y="4732865"/>
+            <a:ext cx="10131427" cy="566738"/>
+          </a:xfrm>
+        </p:spPr>
+        <p:txBody>
+          <a:bodyPr anchor="b">
+            <a:normAutofit/>
+          </a:bodyPr>
+          <a:lstStyle>
+            <a:lvl1pPr algn="l">
+              <a:defRPr sz="2400" b="0"/>
+            </a:lvl1pPr>
+          </a:lstStyle>
+          <a:p>
+            <a:r>
+              <a:rPr lang="en-GB"/>
+              <a:t>Click to edit Master title style</a:t>
+            </a:r>
+            <a:endParaRPr lang="en-US" dirty="0"/>
+          </a:p>
+        </p:txBody>
+      </p:sp>
+      <p:sp>
+        <p:nvSpPr>
+          <p:cNvPr id="3" name="Picture Placeholder 2"/>
+          <p:cNvSpPr>
+            <a:spLocks noGrp="1" noChangeAspect="1"/>
+          </p:cNvSpPr>
+          <p:nvPr>
+            <p:ph type="pic" idx="1"/>
+          </p:nvPr>
+        </p:nvSpPr>
+        <p:spPr>
+          <a:xfrm>
+            <a:off x="1371600" y="932112"/>
+            <a:ext cx="8759827" cy="3164976"/>
+          </a:xfrm>
+          <a:prstGeom prst="roundRect">
+            <a:avLst>
+              <a:gd name="adj" fmla="val 4380"/>
+            </a:avLst>
+          </a:prstGeom>
+          <a:ln w="50800" cap="sq" cmpd="dbl">
+            <a:gradFill flip="none" rotWithShape="1">
+              <a:gsLst>
+                <a:gs pos="0">
+                  <a:srgbClr val="FFFFFF"/>
+                </a:gs>
+                <a:gs pos="100000">
+                  <a:schemeClr val="tx1">
+                    <a:alpha val="0"/>
+                  </a:schemeClr>
+                </a:gs>
+              </a:gsLst>
+              <a:path path="circle">
+                <a:fillToRect l="50000" t="50000" r="50000" b="50000"/>
+              </a:path>
+              <a:tileRect/>
+            </a:gradFill>
+            <a:miter lim="800000"/>
+          </a:ln>
+          <a:effectLst>
+            <a:outerShdw blurRad="254000" algn="tl" rotWithShape="0">
+              <a:srgbClr val="000000">
+                <a:alpha val="43000"/>
+              </a:srgbClr>
+            </a:outerShdw>
+          </a:effectLst>
+        </p:spPr>
+        <p:txBody>
+          <a:bodyPr anchor="t">
+            <a:normAutofit/>
+          </a:bodyPr>
+          <a:lstStyle>
+            <a:lvl1pPr marL="0" indent="0" algn="ctr">
+              <a:buNone/>
+              <a:defRPr sz="1600"/>
+            </a:lvl1pPr>
+            <a:lvl2pPr marL="457200" indent="0">
+              <a:buNone/>
+              <a:defRPr sz="1600"/>
+            </a:lvl2pPr>
+            <a:lvl3pPr marL="914400" indent="0">
+              <a:buNone/>
+              <a:defRPr sz="1600"/>
+            </a:lvl3pPr>
+            <a:lvl4pPr marL="1371600" indent="0">
+              <a:buNone/>
+              <a:defRPr sz="1600"/>
+            </a:lvl4pPr>
+            <a:lvl5pPr marL="1828800" indent="0">
+              <a:buNone/>
+              <a:defRPr sz="1600"/>
+            </a:lvl5pPr>
+            <a:lvl6pPr marL="2286000" indent="0">
+              <a:buNone/>
+              <a:defRPr sz="1600"/>
+            </a:lvl6pPr>
+            <a:lvl7pPr marL="2743200" indent="0">
+              <a:buNone/>
+              <a:defRPr sz="1600"/>
+            </a:lvl7pPr>
+            <a:lvl8pPr marL="3200400" indent="0">
+              <a:buNone/>
+              <a:defRPr sz="1600"/>
+            </a:lvl8pPr>
+            <a:lvl9pPr marL="3657600" indent="0">
+              <a:buNone/>
+              <a:defRPr sz="1600"/>
+            </a:lvl9pPr>
+          </a:lstStyle>
+          <a:p>
+            <a:r>
+              <a:rPr lang="en-GB"/>
+              <a:t>Click icon to add picture</a:t>
+            </a:r>
+            <a:endParaRPr lang="en-US" dirty="0"/>
+          </a:p>
+        </p:txBody>
+      </p:sp>
+      <p:sp>
+        <p:nvSpPr>
+          <p:cNvPr id="4" name="Text Placeholder 3"/>
+          <p:cNvSpPr>
+            <a:spLocks noGrp="1"/>
+          </p:cNvSpPr>
+          <p:nvPr>
+            <p:ph type="body" sz="half" idx="2"/>
+          </p:nvPr>
+        </p:nvSpPr>
+        <p:spPr>
+          <a:xfrm>
+            <a:off x="685800" y="5299603"/>
+            <a:ext cx="10131427" cy="493712"/>
+          </a:xfrm>
+        </p:spPr>
+        <p:txBody>
+          <a:bodyPr anchor="t">
+            <a:normAutofit/>
+          </a:bodyPr>
+          <a:lstStyle>
+            <a:lvl1pPr marL="0" indent="0">
+              <a:buNone/>
+              <a:defRPr sz="1400"/>
+            </a:lvl1pPr>
+            <a:lvl2pPr marL="457200" indent="0">
+              <a:buNone/>
+              <a:defRPr sz="1200"/>
+            </a:lvl2pPr>
+            <a:lvl3pPr marL="914400" indent="0">
+              <a:buNone/>
+              <a:defRPr sz="1000"/>
+            </a:lvl3pPr>
+            <a:lvl4pPr marL="1371600" indent="0">
+              <a:buNone/>
+              <a:defRPr sz="900"/>
+            </a:lvl4pPr>
+            <a:lvl5pPr marL="1828800" indent="0">
+              <a:buNone/>
+              <a:defRPr sz="900"/>
+            </a:lvl5pPr>
+            <a:lvl6pPr marL="2286000" indent="0">
+              <a:buNone/>
+              <a:defRPr sz="900"/>
+            </a:lvl6pPr>
+            <a:lvl7pPr marL="2743200" indent="0">
+              <a:buNone/>
+              <a:defRPr sz="900"/>
+            </a:lvl7pPr>
+            <a:lvl8pPr marL="3200400" indent="0">
+              <a:buNone/>
+              <a:defRPr sz="900"/>
+            </a:lvl8pPr>
+            <a:lvl9pPr marL="3657600" indent="0">
+              <a:buNone/>
+              <a:defRPr sz="900"/>
+            </a:lvl9pPr>
+          </a:lstStyle>
+          <a:p>
+            <a:pPr lvl="0"/>
+            <a:r>
+              <a:rPr lang="en-GB"/>
+              <a:t>Click to edit Master text styles</a:t>
+            </a:r>
+          </a:p>
+        </p:txBody>
+      </p:sp>
+      <p:sp>
+        <p:nvSpPr>
+          <p:cNvPr id="5" name="Date Placeholder 4"/>
+          <p:cNvSpPr>
+            <a:spLocks noGrp="1"/>
+          </p:cNvSpPr>
+          <p:nvPr>
+            <p:ph type="dt" sz="half" idx="10"/>
+          </p:nvPr>
+        </p:nvSpPr>
+        <p:spPr/>
+        <p:txBody>
+          <a:bodyPr/>
+          <a:lstStyle/>
+          <a:p>
+            <a:fld id="{6E31F35A-E116-9941-8BCB-58EC54DB536B}" type="datetimeFigureOut">
+              <a:rPr lang="en-US" smtClean="0"/>
+              <a:t>12/27/25</a:t>
+            </a:fld>
+            <a:endParaRPr lang="en-US"/>
+          </a:p>
+        </p:txBody>
+      </p:sp>
+      <p:sp>
+        <p:nvSpPr>
+          <p:cNvPr id="6" name="Footer Placeholder 5"/>
+          <p:cNvSpPr>
+            <a:spLocks noGrp="1"/>
+          </p:cNvSpPr>
+          <p:nvPr>
+            <p:ph type="ftr" sz="quarter" idx="11"/>
+          </p:nvPr>
+        </p:nvSpPr>
+        <p:spPr/>
+        <p:txBody>
+          <a:bodyPr/>
+          <a:lstStyle/>
+          <a:p>
+            <a:endParaRPr lang="en-US"/>
+          </a:p>
+        </p:txBody>
+      </p:sp>
+      <p:sp>
+        <p:nvSpPr>
+          <p:cNvPr id="7" name="Slide Number Placeholder 6"/>
+          <p:cNvSpPr>
+            <a:spLocks noGrp="1"/>
+          </p:cNvSpPr>
+          <p:nvPr>
+            <p:ph type="sldNum" sz="quarter" idx="12"/>
+          </p:nvPr>
+        </p:nvSpPr>
+        <p:spPr/>
+        <p:txBody>
+          <a:bodyPr/>
+          <a:lstStyle/>
+          <a:p>
+            <a:fld id="{E4E13F1D-BCB1-3040-8764-FDB6CB42EC3C}" type="slidenum">
+              <a:rPr lang="en-US" smtClean="0"/>
+              <a:t>‹#›</a:t>
+            </a:fld>
+            <a:endParaRPr lang="en-US"/>
+          </a:p>
+        </p:txBody>
+      </p:sp>
+    </p:spTree>
+    <p:extLst>
+      <p:ext uri="{BB962C8B-B14F-4D97-AF65-F5344CB8AC3E}">
+        <p14:creationId xmlns:p14="http://schemas.microsoft.com/office/powerpoint/2010/main" val="2080016790"/>
       </p:ext>
     </p:extLst>
   </p:cSld>
@@ -339,7 +747,2020 @@
 </p:sldLayout>
 </file>
 
-<file path=ppt/slideLayouts/slideLayout10.xml><?xml version="1.0" encoding="utf-8"?>
+<file path=ppt/slideLayouts/slideLayout11.xml><?xml version="1.0" encoding="utf-8"?>
+<p:sldLayout xmlns:a="http://schemas.openxmlformats.org/drawingml/2006/main" xmlns:r="http://schemas.openxmlformats.org/officeDocument/2006/relationships" xmlns:p="http://schemas.openxmlformats.org/presentationml/2006/main" preserve="1">
+  <p:cSld name="Title and Caption">
+    <p:spTree>
+      <p:nvGrpSpPr>
+        <p:cNvPr id="1" name=""/>
+        <p:cNvGrpSpPr/>
+        <p:nvPr/>
+      </p:nvGrpSpPr>
+      <p:grpSpPr>
+        <a:xfrm>
+          <a:off x="0" y="0"/>
+          <a:ext cx="0" cy="0"/>
+          <a:chOff x="0" y="0"/>
+          <a:chExt cx="0" cy="0"/>
+        </a:xfrm>
+      </p:grpSpPr>
+      <p:pic>
+        <p:nvPicPr>
+          <p:cNvPr id="7" name="Picture 6" descr="Celestia-R1---OverlayContentHD.png"/>
+          <p:cNvPicPr>
+            <a:picLocks noChangeAspect="1"/>
+          </p:cNvPicPr>
+          <p:nvPr/>
+        </p:nvPicPr>
+        <p:blipFill>
+          <a:blip r:embed="rId2">
+            <a:extLst>
+              <a:ext uri="{28A0092B-C50C-407E-A947-70E740481C1C}">
+                <a14:useLocalDpi xmlns:a14="http://schemas.microsoft.com/office/drawing/2010/main" val="0"/>
+              </a:ext>
+            </a:extLst>
+          </a:blip>
+          <a:stretch>
+            <a:fillRect/>
+          </a:stretch>
+        </p:blipFill>
+        <p:spPr>
+          <a:xfrm>
+            <a:off x="0" y="0"/>
+            <a:ext cx="12188825" cy="6856214"/>
+          </a:xfrm>
+          <a:prstGeom prst="rect">
+            <a:avLst/>
+          </a:prstGeom>
+        </p:spPr>
+      </p:pic>
+      <p:sp>
+        <p:nvSpPr>
+          <p:cNvPr id="2" name="Title 1"/>
+          <p:cNvSpPr>
+            <a:spLocks noGrp="1"/>
+          </p:cNvSpPr>
+          <p:nvPr>
+            <p:ph type="title"/>
+          </p:nvPr>
+        </p:nvSpPr>
+        <p:spPr>
+          <a:xfrm>
+            <a:off x="685801" y="609601"/>
+            <a:ext cx="10131427" cy="3124199"/>
+          </a:xfrm>
+        </p:spPr>
+        <p:txBody>
+          <a:bodyPr anchor="ctr">
+            <a:normAutofit/>
+          </a:bodyPr>
+          <a:lstStyle>
+            <a:lvl1pPr algn="l">
+              <a:defRPr sz="3200" b="0" cap="none"/>
+            </a:lvl1pPr>
+          </a:lstStyle>
+          <a:p>
+            <a:r>
+              <a:rPr lang="en-GB"/>
+              <a:t>Click to edit Master title style</a:t>
+            </a:r>
+            <a:endParaRPr lang="en-US" dirty="0"/>
+          </a:p>
+        </p:txBody>
+      </p:sp>
+      <p:sp>
+        <p:nvSpPr>
+          <p:cNvPr id="3" name="Text Placeholder 2"/>
+          <p:cNvSpPr>
+            <a:spLocks noGrp="1"/>
+          </p:cNvSpPr>
+          <p:nvPr>
+            <p:ph type="body" idx="1"/>
+          </p:nvPr>
+        </p:nvSpPr>
+        <p:spPr>
+          <a:xfrm>
+            <a:off x="685800" y="4343400"/>
+            <a:ext cx="10131428" cy="1447800"/>
+          </a:xfrm>
+        </p:spPr>
+        <p:txBody>
+          <a:bodyPr anchor="ctr">
+            <a:normAutofit/>
+          </a:bodyPr>
+          <a:lstStyle>
+            <a:lvl1pPr marL="0" indent="0" algn="l">
+              <a:buNone/>
+              <a:defRPr sz="2000">
+                <a:solidFill>
+                  <a:schemeClr val="tx1"/>
+                </a:solidFill>
+              </a:defRPr>
+            </a:lvl1pPr>
+            <a:lvl2pPr marL="457200" indent="0">
+              <a:buNone/>
+              <a:defRPr sz="1800">
+                <a:solidFill>
+                  <a:schemeClr val="tx1">
+                    <a:tint val="75000"/>
+                  </a:schemeClr>
+                </a:solidFill>
+              </a:defRPr>
+            </a:lvl2pPr>
+            <a:lvl3pPr marL="914400" indent="0">
+              <a:buNone/>
+              <a:defRPr sz="1600">
+                <a:solidFill>
+                  <a:schemeClr val="tx1">
+                    <a:tint val="75000"/>
+                  </a:schemeClr>
+                </a:solidFill>
+              </a:defRPr>
+            </a:lvl3pPr>
+            <a:lvl4pPr marL="1371600" indent="0">
+              <a:buNone/>
+              <a:defRPr sz="1400">
+                <a:solidFill>
+                  <a:schemeClr val="tx1">
+                    <a:tint val="75000"/>
+                  </a:schemeClr>
+                </a:solidFill>
+              </a:defRPr>
+            </a:lvl4pPr>
+            <a:lvl5pPr marL="1828800" indent="0">
+              <a:buNone/>
+              <a:defRPr sz="1400">
+                <a:solidFill>
+                  <a:schemeClr val="tx1">
+                    <a:tint val="75000"/>
+                  </a:schemeClr>
+                </a:solidFill>
+              </a:defRPr>
+            </a:lvl5pPr>
+            <a:lvl6pPr marL="2286000" indent="0">
+              <a:buNone/>
+              <a:defRPr sz="1400">
+                <a:solidFill>
+                  <a:schemeClr val="tx1">
+                    <a:tint val="75000"/>
+                  </a:schemeClr>
+                </a:solidFill>
+              </a:defRPr>
+            </a:lvl6pPr>
+            <a:lvl7pPr marL="2743200" indent="0">
+              <a:buNone/>
+              <a:defRPr sz="1400">
+                <a:solidFill>
+                  <a:schemeClr val="tx1">
+                    <a:tint val="75000"/>
+                  </a:schemeClr>
+                </a:solidFill>
+              </a:defRPr>
+            </a:lvl7pPr>
+            <a:lvl8pPr marL="3200400" indent="0">
+              <a:buNone/>
+              <a:defRPr sz="1400">
+                <a:solidFill>
+                  <a:schemeClr val="tx1">
+                    <a:tint val="75000"/>
+                  </a:schemeClr>
+                </a:solidFill>
+              </a:defRPr>
+            </a:lvl8pPr>
+            <a:lvl9pPr marL="3657600" indent="0">
+              <a:buNone/>
+              <a:defRPr sz="1400">
+                <a:solidFill>
+                  <a:schemeClr val="tx1">
+                    <a:tint val="75000"/>
+                  </a:schemeClr>
+                </a:solidFill>
+              </a:defRPr>
+            </a:lvl9pPr>
+          </a:lstStyle>
+          <a:p>
+            <a:pPr lvl="0"/>
+            <a:r>
+              <a:rPr lang="en-GB"/>
+              <a:t>Click to edit Master text styles</a:t>
+            </a:r>
+          </a:p>
+        </p:txBody>
+      </p:sp>
+      <p:sp>
+        <p:nvSpPr>
+          <p:cNvPr id="4" name="Date Placeholder 3"/>
+          <p:cNvSpPr>
+            <a:spLocks noGrp="1"/>
+          </p:cNvSpPr>
+          <p:nvPr>
+            <p:ph type="dt" sz="half" idx="10"/>
+          </p:nvPr>
+        </p:nvSpPr>
+        <p:spPr/>
+        <p:txBody>
+          <a:bodyPr/>
+          <a:lstStyle/>
+          <a:p>
+            <a:fld id="{6E31F35A-E116-9941-8BCB-58EC54DB536B}" type="datetimeFigureOut">
+              <a:rPr lang="en-US" smtClean="0"/>
+              <a:t>12/27/25</a:t>
+            </a:fld>
+            <a:endParaRPr lang="en-US"/>
+          </a:p>
+        </p:txBody>
+      </p:sp>
+      <p:sp>
+        <p:nvSpPr>
+          <p:cNvPr id="5" name="Footer Placeholder 4"/>
+          <p:cNvSpPr>
+            <a:spLocks noGrp="1"/>
+          </p:cNvSpPr>
+          <p:nvPr>
+            <p:ph type="ftr" sz="quarter" idx="11"/>
+          </p:nvPr>
+        </p:nvSpPr>
+        <p:spPr/>
+        <p:txBody>
+          <a:bodyPr/>
+          <a:lstStyle/>
+          <a:p>
+            <a:endParaRPr lang="en-US"/>
+          </a:p>
+        </p:txBody>
+      </p:sp>
+      <p:sp>
+        <p:nvSpPr>
+          <p:cNvPr id="6" name="Slide Number Placeholder 5"/>
+          <p:cNvSpPr>
+            <a:spLocks noGrp="1"/>
+          </p:cNvSpPr>
+          <p:nvPr>
+            <p:ph type="sldNum" sz="quarter" idx="12"/>
+          </p:nvPr>
+        </p:nvSpPr>
+        <p:spPr/>
+        <p:txBody>
+          <a:bodyPr/>
+          <a:lstStyle/>
+          <a:p>
+            <a:fld id="{E4E13F1D-BCB1-3040-8764-FDB6CB42EC3C}" type="slidenum">
+              <a:rPr lang="en-US" smtClean="0"/>
+              <a:t>‹#›</a:t>
+            </a:fld>
+            <a:endParaRPr lang="en-US"/>
+          </a:p>
+        </p:txBody>
+      </p:sp>
+    </p:spTree>
+    <p:extLst>
+      <p:ext uri="{BB962C8B-B14F-4D97-AF65-F5344CB8AC3E}">
+        <p14:creationId xmlns:p14="http://schemas.microsoft.com/office/powerpoint/2010/main" val="2005729836"/>
+      </p:ext>
+    </p:extLst>
+  </p:cSld>
+  <p:clrMapOvr>
+    <a:masterClrMapping/>
+  </p:clrMapOvr>
+</p:sldLayout>
+</file>
+
+<file path=ppt/slideLayouts/slideLayout12.xml><?xml version="1.0" encoding="utf-8"?>
+<p:sldLayout xmlns:a="http://schemas.openxmlformats.org/drawingml/2006/main" xmlns:r="http://schemas.openxmlformats.org/officeDocument/2006/relationships" xmlns:p="http://schemas.openxmlformats.org/presentationml/2006/main" preserve="1">
+  <p:cSld name="Quote with Caption">
+    <p:spTree>
+      <p:nvGrpSpPr>
+        <p:cNvPr id="1" name=""/>
+        <p:cNvGrpSpPr/>
+        <p:nvPr/>
+      </p:nvGrpSpPr>
+      <p:grpSpPr>
+        <a:xfrm>
+          <a:off x="0" y="0"/>
+          <a:ext cx="0" cy="0"/>
+          <a:chOff x="0" y="0"/>
+          <a:chExt cx="0" cy="0"/>
+        </a:xfrm>
+      </p:grpSpPr>
+      <p:pic>
+        <p:nvPicPr>
+          <p:cNvPr id="11" name="Picture 10" descr="Celestia-R1---OverlayContentHD.png"/>
+          <p:cNvPicPr>
+            <a:picLocks noChangeAspect="1"/>
+          </p:cNvPicPr>
+          <p:nvPr/>
+        </p:nvPicPr>
+        <p:blipFill>
+          <a:blip r:embed="rId2">
+            <a:extLst>
+              <a:ext uri="{28A0092B-C50C-407E-A947-70E740481C1C}">
+                <a14:useLocalDpi xmlns:a14="http://schemas.microsoft.com/office/drawing/2010/main" val="0"/>
+              </a:ext>
+            </a:extLst>
+          </a:blip>
+          <a:stretch>
+            <a:fillRect/>
+          </a:stretch>
+        </p:blipFill>
+        <p:spPr>
+          <a:xfrm>
+            <a:off x="0" y="0"/>
+            <a:ext cx="12188825" cy="6856214"/>
+          </a:xfrm>
+          <a:prstGeom prst="rect">
+            <a:avLst/>
+          </a:prstGeom>
+        </p:spPr>
+      </p:pic>
+      <p:sp>
+        <p:nvSpPr>
+          <p:cNvPr id="12" name="TextBox 11"/>
+          <p:cNvSpPr txBox="1"/>
+          <p:nvPr/>
+        </p:nvSpPr>
+        <p:spPr>
+          <a:xfrm>
+            <a:off x="10237867" y="2743200"/>
+            <a:ext cx="609600" cy="584776"/>
+          </a:xfrm>
+          <a:prstGeom prst="rect">
+            <a:avLst/>
+          </a:prstGeom>
+        </p:spPr>
+        <p:txBody>
+          <a:bodyPr vert="horz" lIns="91440" tIns="45720" rIns="91440" bIns="45720" rtlCol="0" anchor="ctr">
+            <a:noAutofit/>
+          </a:bodyPr>
+          <a:lstStyle>
+            <a:lvl1pPr>
+              <a:spcBef>
+                <a:spcPct val="0"/>
+              </a:spcBef>
+              <a:buNone/>
+              <a:defRPr sz="3200" b="0" cap="all">
+                <a:ln w="3175" cmpd="sng">
+                  <a:noFill/>
+                </a:ln>
+                <a:effectLst>
+                  <a:glow rad="38100">
+                    <a:schemeClr val="bg1">
+                      <a:lumMod val="65000"/>
+                      <a:lumOff val="35000"/>
+                      <a:alpha val="40000"/>
+                    </a:schemeClr>
+                  </a:glow>
+                  <a:outerShdw blurRad="28575" dist="38100" dir="14040000" algn="tl" rotWithShape="0">
+                    <a:srgbClr val="000000">
+                      <a:alpha val="25000"/>
+                    </a:srgbClr>
+                  </a:outerShdw>
+                </a:effectLst>
+              </a:defRPr>
+            </a:lvl1pPr>
+            <a:lvl2pPr>
+              <a:defRPr>
+                <a:solidFill>
+                  <a:schemeClr val="tx2"/>
+                </a:solidFill>
+              </a:defRPr>
+            </a:lvl2pPr>
+            <a:lvl3pPr>
+              <a:defRPr>
+                <a:solidFill>
+                  <a:schemeClr val="tx2"/>
+                </a:solidFill>
+              </a:defRPr>
+            </a:lvl3pPr>
+            <a:lvl4pPr>
+              <a:defRPr>
+                <a:solidFill>
+                  <a:schemeClr val="tx2"/>
+                </a:solidFill>
+              </a:defRPr>
+            </a:lvl4pPr>
+            <a:lvl5pPr>
+              <a:defRPr>
+                <a:solidFill>
+                  <a:schemeClr val="tx2"/>
+                </a:solidFill>
+              </a:defRPr>
+            </a:lvl5pPr>
+            <a:lvl6pPr>
+              <a:defRPr>
+                <a:solidFill>
+                  <a:schemeClr val="tx2"/>
+                </a:solidFill>
+              </a:defRPr>
+            </a:lvl6pPr>
+            <a:lvl7pPr>
+              <a:defRPr>
+                <a:solidFill>
+                  <a:schemeClr val="tx2"/>
+                </a:solidFill>
+              </a:defRPr>
+            </a:lvl7pPr>
+            <a:lvl8pPr>
+              <a:defRPr>
+                <a:solidFill>
+                  <a:schemeClr val="tx2"/>
+                </a:solidFill>
+              </a:defRPr>
+            </a:lvl8pPr>
+            <a:lvl9pPr>
+              <a:defRPr>
+                <a:solidFill>
+                  <a:schemeClr val="tx2"/>
+                </a:solidFill>
+              </a:defRPr>
+            </a:lvl9pPr>
+          </a:lstStyle>
+          <a:p>
+            <a:pPr lvl="0" algn="r"/>
+            <a:r>
+              <a:rPr lang="en-US" sz="8000" dirty="0">
+                <a:solidFill>
+                  <a:schemeClr val="tx1"/>
+                </a:solidFill>
+                <a:effectLst/>
+              </a:rPr>
+              <a:t>”</a:t>
+            </a:r>
+          </a:p>
+        </p:txBody>
+      </p:sp>
+      <p:sp>
+        <p:nvSpPr>
+          <p:cNvPr id="13" name="TextBox 12"/>
+          <p:cNvSpPr txBox="1"/>
+          <p:nvPr/>
+        </p:nvSpPr>
+        <p:spPr>
+          <a:xfrm>
+            <a:off x="488275" y="823337"/>
+            <a:ext cx="609600" cy="584776"/>
+          </a:xfrm>
+          <a:prstGeom prst="rect">
+            <a:avLst/>
+          </a:prstGeom>
+        </p:spPr>
+        <p:txBody>
+          <a:bodyPr vert="horz" lIns="91440" tIns="45720" rIns="91440" bIns="45720" rtlCol="0" anchor="ctr">
+            <a:noAutofit/>
+          </a:bodyPr>
+          <a:lstStyle>
+            <a:lvl1pPr>
+              <a:spcBef>
+                <a:spcPct val="0"/>
+              </a:spcBef>
+              <a:buNone/>
+              <a:defRPr sz="3200" b="0" cap="all">
+                <a:ln w="3175" cmpd="sng">
+                  <a:noFill/>
+                </a:ln>
+                <a:effectLst>
+                  <a:glow rad="38100">
+                    <a:schemeClr val="bg1">
+                      <a:lumMod val="65000"/>
+                      <a:lumOff val="35000"/>
+                      <a:alpha val="40000"/>
+                    </a:schemeClr>
+                  </a:glow>
+                  <a:outerShdw blurRad="28575" dist="38100" dir="14040000" algn="tl" rotWithShape="0">
+                    <a:srgbClr val="000000">
+                      <a:alpha val="25000"/>
+                    </a:srgbClr>
+                  </a:outerShdw>
+                </a:effectLst>
+              </a:defRPr>
+            </a:lvl1pPr>
+            <a:lvl2pPr>
+              <a:defRPr>
+                <a:solidFill>
+                  <a:schemeClr val="tx2"/>
+                </a:solidFill>
+              </a:defRPr>
+            </a:lvl2pPr>
+            <a:lvl3pPr>
+              <a:defRPr>
+                <a:solidFill>
+                  <a:schemeClr val="tx2"/>
+                </a:solidFill>
+              </a:defRPr>
+            </a:lvl3pPr>
+            <a:lvl4pPr>
+              <a:defRPr>
+                <a:solidFill>
+                  <a:schemeClr val="tx2"/>
+                </a:solidFill>
+              </a:defRPr>
+            </a:lvl4pPr>
+            <a:lvl5pPr>
+              <a:defRPr>
+                <a:solidFill>
+                  <a:schemeClr val="tx2"/>
+                </a:solidFill>
+              </a:defRPr>
+            </a:lvl5pPr>
+            <a:lvl6pPr>
+              <a:defRPr>
+                <a:solidFill>
+                  <a:schemeClr val="tx2"/>
+                </a:solidFill>
+              </a:defRPr>
+            </a:lvl6pPr>
+            <a:lvl7pPr>
+              <a:defRPr>
+                <a:solidFill>
+                  <a:schemeClr val="tx2"/>
+                </a:solidFill>
+              </a:defRPr>
+            </a:lvl7pPr>
+            <a:lvl8pPr>
+              <a:defRPr>
+                <a:solidFill>
+                  <a:schemeClr val="tx2"/>
+                </a:solidFill>
+              </a:defRPr>
+            </a:lvl8pPr>
+            <a:lvl9pPr>
+              <a:defRPr>
+                <a:solidFill>
+                  <a:schemeClr val="tx2"/>
+                </a:solidFill>
+              </a:defRPr>
+            </a:lvl9pPr>
+          </a:lstStyle>
+          <a:p>
+            <a:pPr lvl="0" algn="r"/>
+            <a:r>
+              <a:rPr lang="en-US" sz="8000" dirty="0">
+                <a:solidFill>
+                  <a:schemeClr val="tx1"/>
+                </a:solidFill>
+                <a:effectLst/>
+              </a:rPr>
+              <a:t>“</a:t>
+            </a:r>
+          </a:p>
+        </p:txBody>
+      </p:sp>
+      <p:sp>
+        <p:nvSpPr>
+          <p:cNvPr id="16" name="Title 1"/>
+          <p:cNvSpPr>
+            <a:spLocks noGrp="1"/>
+          </p:cNvSpPr>
+          <p:nvPr>
+            <p:ph type="title"/>
+          </p:nvPr>
+        </p:nvSpPr>
+        <p:spPr>
+          <a:xfrm>
+            <a:off x="992267" y="609601"/>
+            <a:ext cx="9550399" cy="2743199"/>
+          </a:xfrm>
+        </p:spPr>
+        <p:txBody>
+          <a:bodyPr anchor="ctr">
+            <a:normAutofit/>
+          </a:bodyPr>
+          <a:lstStyle>
+            <a:lvl1pPr algn="l">
+              <a:defRPr sz="3200" b="0" cap="none">
+                <a:solidFill>
+                  <a:schemeClr val="tx1"/>
+                </a:solidFill>
+              </a:defRPr>
+            </a:lvl1pPr>
+          </a:lstStyle>
+          <a:p>
+            <a:r>
+              <a:rPr lang="en-GB"/>
+              <a:t>Click to edit Master title style</a:t>
+            </a:r>
+            <a:endParaRPr lang="en-US" dirty="0"/>
+          </a:p>
+        </p:txBody>
+      </p:sp>
+      <p:sp>
+        <p:nvSpPr>
+          <p:cNvPr id="10" name="Text Placeholder 9"/>
+          <p:cNvSpPr>
+            <a:spLocks noGrp="1"/>
+          </p:cNvSpPr>
+          <p:nvPr>
+            <p:ph type="body" sz="quarter" idx="13"/>
+          </p:nvPr>
+        </p:nvSpPr>
+        <p:spPr>
+          <a:xfrm>
+            <a:off x="1097875" y="3352800"/>
+            <a:ext cx="9339184" cy="381000"/>
+          </a:xfrm>
+        </p:spPr>
+        <p:txBody>
+          <a:bodyPr anchor="ctr"/>
+          <a:lstStyle>
+            <a:lvl1pPr marL="0" indent="0">
+              <a:buFontTx/>
+              <a:buNone/>
+              <a:defRPr/>
+            </a:lvl1pPr>
+            <a:lvl2pPr marL="457200" indent="0">
+              <a:buFontTx/>
+              <a:buNone/>
+              <a:defRPr/>
+            </a:lvl2pPr>
+            <a:lvl3pPr marL="914400" indent="0">
+              <a:buFontTx/>
+              <a:buNone/>
+              <a:defRPr/>
+            </a:lvl3pPr>
+            <a:lvl4pPr marL="1371600" indent="0">
+              <a:buFontTx/>
+              <a:buNone/>
+              <a:defRPr/>
+            </a:lvl4pPr>
+            <a:lvl5pPr marL="1828800" indent="0">
+              <a:buFontTx/>
+              <a:buNone/>
+              <a:defRPr/>
+            </a:lvl5pPr>
+          </a:lstStyle>
+          <a:p>
+            <a:pPr lvl="0"/>
+            <a:r>
+              <a:rPr lang="en-GB"/>
+              <a:t>Click to edit Master text styles</a:t>
+            </a:r>
+          </a:p>
+        </p:txBody>
+      </p:sp>
+      <p:sp>
+        <p:nvSpPr>
+          <p:cNvPr id="3" name="Text Placeholder 2"/>
+          <p:cNvSpPr>
+            <a:spLocks noGrp="1"/>
+          </p:cNvSpPr>
+          <p:nvPr>
+            <p:ph type="body" idx="1"/>
+          </p:nvPr>
+        </p:nvSpPr>
+        <p:spPr>
+          <a:xfrm>
+            <a:off x="687465" y="4343400"/>
+            <a:ext cx="10152367" cy="1447800"/>
+          </a:xfrm>
+        </p:spPr>
+        <p:txBody>
+          <a:bodyPr anchor="ctr">
+            <a:normAutofit/>
+          </a:bodyPr>
+          <a:lstStyle>
+            <a:lvl1pPr marL="0" indent="0" algn="l">
+              <a:buNone/>
+              <a:defRPr sz="2000">
+                <a:solidFill>
+                  <a:schemeClr val="tx1"/>
+                </a:solidFill>
+              </a:defRPr>
+            </a:lvl1pPr>
+            <a:lvl2pPr marL="457200" indent="0">
+              <a:buNone/>
+              <a:defRPr sz="1800">
+                <a:solidFill>
+                  <a:schemeClr val="tx1">
+                    <a:tint val="75000"/>
+                  </a:schemeClr>
+                </a:solidFill>
+              </a:defRPr>
+            </a:lvl2pPr>
+            <a:lvl3pPr marL="914400" indent="0">
+              <a:buNone/>
+              <a:defRPr sz="1600">
+                <a:solidFill>
+                  <a:schemeClr val="tx1">
+                    <a:tint val="75000"/>
+                  </a:schemeClr>
+                </a:solidFill>
+              </a:defRPr>
+            </a:lvl3pPr>
+            <a:lvl4pPr marL="1371600" indent="0">
+              <a:buNone/>
+              <a:defRPr sz="1400">
+                <a:solidFill>
+                  <a:schemeClr val="tx1">
+                    <a:tint val="75000"/>
+                  </a:schemeClr>
+                </a:solidFill>
+              </a:defRPr>
+            </a:lvl4pPr>
+            <a:lvl5pPr marL="1828800" indent="0">
+              <a:buNone/>
+              <a:defRPr sz="1400">
+                <a:solidFill>
+                  <a:schemeClr val="tx1">
+                    <a:tint val="75000"/>
+                  </a:schemeClr>
+                </a:solidFill>
+              </a:defRPr>
+            </a:lvl5pPr>
+            <a:lvl6pPr marL="2286000" indent="0">
+              <a:buNone/>
+              <a:defRPr sz="1400">
+                <a:solidFill>
+                  <a:schemeClr val="tx1">
+                    <a:tint val="75000"/>
+                  </a:schemeClr>
+                </a:solidFill>
+              </a:defRPr>
+            </a:lvl6pPr>
+            <a:lvl7pPr marL="2743200" indent="0">
+              <a:buNone/>
+              <a:defRPr sz="1400">
+                <a:solidFill>
+                  <a:schemeClr val="tx1">
+                    <a:tint val="75000"/>
+                  </a:schemeClr>
+                </a:solidFill>
+              </a:defRPr>
+            </a:lvl7pPr>
+            <a:lvl8pPr marL="3200400" indent="0">
+              <a:buNone/>
+              <a:defRPr sz="1400">
+                <a:solidFill>
+                  <a:schemeClr val="tx1">
+                    <a:tint val="75000"/>
+                  </a:schemeClr>
+                </a:solidFill>
+              </a:defRPr>
+            </a:lvl8pPr>
+            <a:lvl9pPr marL="3657600" indent="0">
+              <a:buNone/>
+              <a:defRPr sz="1400">
+                <a:solidFill>
+                  <a:schemeClr val="tx1">
+                    <a:tint val="75000"/>
+                  </a:schemeClr>
+                </a:solidFill>
+              </a:defRPr>
+            </a:lvl9pPr>
+          </a:lstStyle>
+          <a:p>
+            <a:pPr lvl="0"/>
+            <a:r>
+              <a:rPr lang="en-GB"/>
+              <a:t>Click to edit Master text styles</a:t>
+            </a:r>
+          </a:p>
+        </p:txBody>
+      </p:sp>
+      <p:sp>
+        <p:nvSpPr>
+          <p:cNvPr id="4" name="Date Placeholder 3"/>
+          <p:cNvSpPr>
+            <a:spLocks noGrp="1"/>
+          </p:cNvSpPr>
+          <p:nvPr>
+            <p:ph type="dt" sz="half" idx="10"/>
+          </p:nvPr>
+        </p:nvSpPr>
+        <p:spPr/>
+        <p:txBody>
+          <a:bodyPr/>
+          <a:lstStyle/>
+          <a:p>
+            <a:fld id="{6E31F35A-E116-9941-8BCB-58EC54DB536B}" type="datetimeFigureOut">
+              <a:rPr lang="en-US" smtClean="0"/>
+              <a:t>12/27/25</a:t>
+            </a:fld>
+            <a:endParaRPr lang="en-US"/>
+          </a:p>
+        </p:txBody>
+      </p:sp>
+      <p:sp>
+        <p:nvSpPr>
+          <p:cNvPr id="5" name="Footer Placeholder 4"/>
+          <p:cNvSpPr>
+            <a:spLocks noGrp="1"/>
+          </p:cNvSpPr>
+          <p:nvPr>
+            <p:ph type="ftr" sz="quarter" idx="11"/>
+          </p:nvPr>
+        </p:nvSpPr>
+        <p:spPr/>
+        <p:txBody>
+          <a:bodyPr/>
+          <a:lstStyle/>
+          <a:p>
+            <a:endParaRPr lang="en-US"/>
+          </a:p>
+        </p:txBody>
+      </p:sp>
+      <p:sp>
+        <p:nvSpPr>
+          <p:cNvPr id="6" name="Slide Number Placeholder 5"/>
+          <p:cNvSpPr>
+            <a:spLocks noGrp="1"/>
+          </p:cNvSpPr>
+          <p:nvPr>
+            <p:ph type="sldNum" sz="quarter" idx="12"/>
+          </p:nvPr>
+        </p:nvSpPr>
+        <p:spPr/>
+        <p:txBody>
+          <a:bodyPr/>
+          <a:lstStyle/>
+          <a:p>
+            <a:fld id="{E4E13F1D-BCB1-3040-8764-FDB6CB42EC3C}" type="slidenum">
+              <a:rPr lang="en-US" smtClean="0"/>
+              <a:t>‹#›</a:t>
+            </a:fld>
+            <a:endParaRPr lang="en-US"/>
+          </a:p>
+        </p:txBody>
+      </p:sp>
+    </p:spTree>
+    <p:extLst>
+      <p:ext uri="{BB962C8B-B14F-4D97-AF65-F5344CB8AC3E}">
+        <p14:creationId xmlns:p14="http://schemas.microsoft.com/office/powerpoint/2010/main" val="179805382"/>
+      </p:ext>
+    </p:extLst>
+  </p:cSld>
+  <p:clrMapOvr>
+    <a:masterClrMapping/>
+  </p:clrMapOvr>
+</p:sldLayout>
+</file>
+
+<file path=ppt/slideLayouts/slideLayout13.xml><?xml version="1.0" encoding="utf-8"?>
+<p:sldLayout xmlns:a="http://schemas.openxmlformats.org/drawingml/2006/main" xmlns:r="http://schemas.openxmlformats.org/officeDocument/2006/relationships" xmlns:p="http://schemas.openxmlformats.org/presentationml/2006/main" preserve="1">
+  <p:cSld name="Name Card">
+    <p:spTree>
+      <p:nvGrpSpPr>
+        <p:cNvPr id="1" name=""/>
+        <p:cNvGrpSpPr/>
+        <p:nvPr/>
+      </p:nvGrpSpPr>
+      <p:grpSpPr>
+        <a:xfrm>
+          <a:off x="0" y="0"/>
+          <a:ext cx="0" cy="0"/>
+          <a:chOff x="0" y="0"/>
+          <a:chExt cx="0" cy="0"/>
+        </a:xfrm>
+      </p:grpSpPr>
+      <p:pic>
+        <p:nvPicPr>
+          <p:cNvPr id="7" name="Picture 6" descr="Celestia-R1---OverlayContentHD.png"/>
+          <p:cNvPicPr>
+            <a:picLocks noChangeAspect="1"/>
+          </p:cNvPicPr>
+          <p:nvPr/>
+        </p:nvPicPr>
+        <p:blipFill>
+          <a:blip r:embed="rId2">
+            <a:extLst>
+              <a:ext uri="{28A0092B-C50C-407E-A947-70E740481C1C}">
+                <a14:useLocalDpi xmlns:a14="http://schemas.microsoft.com/office/drawing/2010/main" val="0"/>
+              </a:ext>
+            </a:extLst>
+          </a:blip>
+          <a:stretch>
+            <a:fillRect/>
+          </a:stretch>
+        </p:blipFill>
+        <p:spPr>
+          <a:xfrm>
+            <a:off x="0" y="0"/>
+            <a:ext cx="12188825" cy="6856214"/>
+          </a:xfrm>
+          <a:prstGeom prst="rect">
+            <a:avLst/>
+          </a:prstGeom>
+        </p:spPr>
+      </p:pic>
+      <p:sp>
+        <p:nvSpPr>
+          <p:cNvPr id="2" name="Title 1"/>
+          <p:cNvSpPr>
+            <a:spLocks noGrp="1"/>
+          </p:cNvSpPr>
+          <p:nvPr>
+            <p:ph type="title"/>
+          </p:nvPr>
+        </p:nvSpPr>
+        <p:spPr>
+          <a:xfrm>
+            <a:off x="685802" y="3308581"/>
+            <a:ext cx="10131425" cy="1468800"/>
+          </a:xfrm>
+        </p:spPr>
+        <p:txBody>
+          <a:bodyPr anchor="b">
+            <a:normAutofit/>
+          </a:bodyPr>
+          <a:lstStyle>
+            <a:lvl1pPr algn="l">
+              <a:defRPr sz="3200" b="0" cap="none"/>
+            </a:lvl1pPr>
+          </a:lstStyle>
+          <a:p>
+            <a:r>
+              <a:rPr lang="en-GB"/>
+              <a:t>Click to edit Master title style</a:t>
+            </a:r>
+            <a:endParaRPr lang="en-US" dirty="0"/>
+          </a:p>
+        </p:txBody>
+      </p:sp>
+      <p:sp>
+        <p:nvSpPr>
+          <p:cNvPr id="3" name="Text Placeholder 2"/>
+          <p:cNvSpPr>
+            <a:spLocks noGrp="1"/>
+          </p:cNvSpPr>
+          <p:nvPr>
+            <p:ph type="body" idx="1"/>
+          </p:nvPr>
+        </p:nvSpPr>
+        <p:spPr>
+          <a:xfrm>
+            <a:off x="685801" y="4777381"/>
+            <a:ext cx="10131426" cy="860400"/>
+          </a:xfrm>
+        </p:spPr>
+        <p:txBody>
+          <a:bodyPr anchor="t">
+            <a:normAutofit/>
+          </a:bodyPr>
+          <a:lstStyle>
+            <a:lvl1pPr marL="0" indent="0" algn="l">
+              <a:buNone/>
+              <a:defRPr sz="2000">
+                <a:solidFill>
+                  <a:schemeClr val="tx1"/>
+                </a:solidFill>
+              </a:defRPr>
+            </a:lvl1pPr>
+            <a:lvl2pPr marL="457200" indent="0">
+              <a:buNone/>
+              <a:defRPr sz="1800">
+                <a:solidFill>
+                  <a:schemeClr val="tx1">
+                    <a:tint val="75000"/>
+                  </a:schemeClr>
+                </a:solidFill>
+              </a:defRPr>
+            </a:lvl2pPr>
+            <a:lvl3pPr marL="914400" indent="0">
+              <a:buNone/>
+              <a:defRPr sz="1600">
+                <a:solidFill>
+                  <a:schemeClr val="tx1">
+                    <a:tint val="75000"/>
+                  </a:schemeClr>
+                </a:solidFill>
+              </a:defRPr>
+            </a:lvl3pPr>
+            <a:lvl4pPr marL="1371600" indent="0">
+              <a:buNone/>
+              <a:defRPr sz="1400">
+                <a:solidFill>
+                  <a:schemeClr val="tx1">
+                    <a:tint val="75000"/>
+                  </a:schemeClr>
+                </a:solidFill>
+              </a:defRPr>
+            </a:lvl4pPr>
+            <a:lvl5pPr marL="1828800" indent="0">
+              <a:buNone/>
+              <a:defRPr sz="1400">
+                <a:solidFill>
+                  <a:schemeClr val="tx1">
+                    <a:tint val="75000"/>
+                  </a:schemeClr>
+                </a:solidFill>
+              </a:defRPr>
+            </a:lvl5pPr>
+            <a:lvl6pPr marL="2286000" indent="0">
+              <a:buNone/>
+              <a:defRPr sz="1400">
+                <a:solidFill>
+                  <a:schemeClr val="tx1">
+                    <a:tint val="75000"/>
+                  </a:schemeClr>
+                </a:solidFill>
+              </a:defRPr>
+            </a:lvl6pPr>
+            <a:lvl7pPr marL="2743200" indent="0">
+              <a:buNone/>
+              <a:defRPr sz="1400">
+                <a:solidFill>
+                  <a:schemeClr val="tx1">
+                    <a:tint val="75000"/>
+                  </a:schemeClr>
+                </a:solidFill>
+              </a:defRPr>
+            </a:lvl7pPr>
+            <a:lvl8pPr marL="3200400" indent="0">
+              <a:buNone/>
+              <a:defRPr sz="1400">
+                <a:solidFill>
+                  <a:schemeClr val="tx1">
+                    <a:tint val="75000"/>
+                  </a:schemeClr>
+                </a:solidFill>
+              </a:defRPr>
+            </a:lvl8pPr>
+            <a:lvl9pPr marL="3657600" indent="0">
+              <a:buNone/>
+              <a:defRPr sz="1400">
+                <a:solidFill>
+                  <a:schemeClr val="tx1">
+                    <a:tint val="75000"/>
+                  </a:schemeClr>
+                </a:solidFill>
+              </a:defRPr>
+            </a:lvl9pPr>
+          </a:lstStyle>
+          <a:p>
+            <a:pPr lvl="0"/>
+            <a:r>
+              <a:rPr lang="en-GB"/>
+              <a:t>Click to edit Master text styles</a:t>
+            </a:r>
+          </a:p>
+        </p:txBody>
+      </p:sp>
+      <p:sp>
+        <p:nvSpPr>
+          <p:cNvPr id="4" name="Date Placeholder 3"/>
+          <p:cNvSpPr>
+            <a:spLocks noGrp="1"/>
+          </p:cNvSpPr>
+          <p:nvPr>
+            <p:ph type="dt" sz="half" idx="10"/>
+          </p:nvPr>
+        </p:nvSpPr>
+        <p:spPr/>
+        <p:txBody>
+          <a:bodyPr/>
+          <a:lstStyle/>
+          <a:p>
+            <a:fld id="{6E31F35A-E116-9941-8BCB-58EC54DB536B}" type="datetimeFigureOut">
+              <a:rPr lang="en-US" smtClean="0"/>
+              <a:t>12/27/25</a:t>
+            </a:fld>
+            <a:endParaRPr lang="en-US"/>
+          </a:p>
+        </p:txBody>
+      </p:sp>
+      <p:sp>
+        <p:nvSpPr>
+          <p:cNvPr id="5" name="Footer Placeholder 4"/>
+          <p:cNvSpPr>
+            <a:spLocks noGrp="1"/>
+          </p:cNvSpPr>
+          <p:nvPr>
+            <p:ph type="ftr" sz="quarter" idx="11"/>
+          </p:nvPr>
+        </p:nvSpPr>
+        <p:spPr/>
+        <p:txBody>
+          <a:bodyPr/>
+          <a:lstStyle/>
+          <a:p>
+            <a:endParaRPr lang="en-US"/>
+          </a:p>
+        </p:txBody>
+      </p:sp>
+      <p:sp>
+        <p:nvSpPr>
+          <p:cNvPr id="6" name="Slide Number Placeholder 5"/>
+          <p:cNvSpPr>
+            <a:spLocks noGrp="1"/>
+          </p:cNvSpPr>
+          <p:nvPr>
+            <p:ph type="sldNum" sz="quarter" idx="12"/>
+          </p:nvPr>
+        </p:nvSpPr>
+        <p:spPr/>
+        <p:txBody>
+          <a:bodyPr/>
+          <a:lstStyle/>
+          <a:p>
+            <a:fld id="{E4E13F1D-BCB1-3040-8764-FDB6CB42EC3C}" type="slidenum">
+              <a:rPr lang="en-US" smtClean="0"/>
+              <a:t>‹#›</a:t>
+            </a:fld>
+            <a:endParaRPr lang="en-US"/>
+          </a:p>
+        </p:txBody>
+      </p:sp>
+    </p:spTree>
+    <p:extLst>
+      <p:ext uri="{BB962C8B-B14F-4D97-AF65-F5344CB8AC3E}">
+        <p14:creationId xmlns:p14="http://schemas.microsoft.com/office/powerpoint/2010/main" val="1144663297"/>
+      </p:ext>
+    </p:extLst>
+  </p:cSld>
+  <p:clrMapOvr>
+    <a:masterClrMapping/>
+  </p:clrMapOvr>
+</p:sldLayout>
+</file>
+
+<file path=ppt/slideLayouts/slideLayout14.xml><?xml version="1.0" encoding="utf-8"?>
+<p:sldLayout xmlns:a="http://schemas.openxmlformats.org/drawingml/2006/main" xmlns:r="http://schemas.openxmlformats.org/officeDocument/2006/relationships" xmlns:p="http://schemas.openxmlformats.org/presentationml/2006/main" preserve="1">
+  <p:cSld name="Quote Name Card">
+    <p:spTree>
+      <p:nvGrpSpPr>
+        <p:cNvPr id="1" name=""/>
+        <p:cNvGrpSpPr/>
+        <p:nvPr/>
+      </p:nvGrpSpPr>
+      <p:grpSpPr>
+        <a:xfrm>
+          <a:off x="0" y="0"/>
+          <a:ext cx="0" cy="0"/>
+          <a:chOff x="0" y="0"/>
+          <a:chExt cx="0" cy="0"/>
+        </a:xfrm>
+      </p:grpSpPr>
+      <p:pic>
+        <p:nvPicPr>
+          <p:cNvPr id="11" name="Picture 10" descr="Celestia-R1---OverlayContentHD.png"/>
+          <p:cNvPicPr>
+            <a:picLocks noChangeAspect="1"/>
+          </p:cNvPicPr>
+          <p:nvPr/>
+        </p:nvPicPr>
+        <p:blipFill>
+          <a:blip r:embed="rId2">
+            <a:extLst>
+              <a:ext uri="{28A0092B-C50C-407E-A947-70E740481C1C}">
+                <a14:useLocalDpi xmlns:a14="http://schemas.microsoft.com/office/drawing/2010/main" val="0"/>
+              </a:ext>
+            </a:extLst>
+          </a:blip>
+          <a:stretch>
+            <a:fillRect/>
+          </a:stretch>
+        </p:blipFill>
+        <p:spPr>
+          <a:xfrm>
+            <a:off x="0" y="0"/>
+            <a:ext cx="12188825" cy="6856214"/>
+          </a:xfrm>
+          <a:prstGeom prst="rect">
+            <a:avLst/>
+          </a:prstGeom>
+        </p:spPr>
+      </p:pic>
+      <p:sp>
+        <p:nvSpPr>
+          <p:cNvPr id="13" name="TextBox 12"/>
+          <p:cNvSpPr txBox="1"/>
+          <p:nvPr/>
+        </p:nvSpPr>
+        <p:spPr>
+          <a:xfrm>
+            <a:off x="10237867" y="2743200"/>
+            <a:ext cx="609600" cy="584776"/>
+          </a:xfrm>
+          <a:prstGeom prst="rect">
+            <a:avLst/>
+          </a:prstGeom>
+        </p:spPr>
+        <p:txBody>
+          <a:bodyPr vert="horz" lIns="91440" tIns="45720" rIns="91440" bIns="45720" rtlCol="0" anchor="ctr">
+            <a:noAutofit/>
+          </a:bodyPr>
+          <a:lstStyle>
+            <a:lvl1pPr>
+              <a:spcBef>
+                <a:spcPct val="0"/>
+              </a:spcBef>
+              <a:buNone/>
+              <a:defRPr sz="3200" b="0" cap="all">
+                <a:ln w="3175" cmpd="sng">
+                  <a:noFill/>
+                </a:ln>
+                <a:effectLst>
+                  <a:glow rad="38100">
+                    <a:schemeClr val="bg1">
+                      <a:lumMod val="65000"/>
+                      <a:lumOff val="35000"/>
+                      <a:alpha val="40000"/>
+                    </a:schemeClr>
+                  </a:glow>
+                  <a:outerShdw blurRad="28575" dist="38100" dir="14040000" algn="tl" rotWithShape="0">
+                    <a:srgbClr val="000000">
+                      <a:alpha val="25000"/>
+                    </a:srgbClr>
+                  </a:outerShdw>
+                </a:effectLst>
+              </a:defRPr>
+            </a:lvl1pPr>
+            <a:lvl2pPr>
+              <a:defRPr>
+                <a:solidFill>
+                  <a:schemeClr val="tx2"/>
+                </a:solidFill>
+              </a:defRPr>
+            </a:lvl2pPr>
+            <a:lvl3pPr>
+              <a:defRPr>
+                <a:solidFill>
+                  <a:schemeClr val="tx2"/>
+                </a:solidFill>
+              </a:defRPr>
+            </a:lvl3pPr>
+            <a:lvl4pPr>
+              <a:defRPr>
+                <a:solidFill>
+                  <a:schemeClr val="tx2"/>
+                </a:solidFill>
+              </a:defRPr>
+            </a:lvl4pPr>
+            <a:lvl5pPr>
+              <a:defRPr>
+                <a:solidFill>
+                  <a:schemeClr val="tx2"/>
+                </a:solidFill>
+              </a:defRPr>
+            </a:lvl5pPr>
+            <a:lvl6pPr>
+              <a:defRPr>
+                <a:solidFill>
+                  <a:schemeClr val="tx2"/>
+                </a:solidFill>
+              </a:defRPr>
+            </a:lvl6pPr>
+            <a:lvl7pPr>
+              <a:defRPr>
+                <a:solidFill>
+                  <a:schemeClr val="tx2"/>
+                </a:solidFill>
+              </a:defRPr>
+            </a:lvl7pPr>
+            <a:lvl8pPr>
+              <a:defRPr>
+                <a:solidFill>
+                  <a:schemeClr val="tx2"/>
+                </a:solidFill>
+              </a:defRPr>
+            </a:lvl8pPr>
+            <a:lvl9pPr>
+              <a:defRPr>
+                <a:solidFill>
+                  <a:schemeClr val="tx2"/>
+                </a:solidFill>
+              </a:defRPr>
+            </a:lvl9pPr>
+          </a:lstStyle>
+          <a:p>
+            <a:pPr lvl="0" algn="r"/>
+            <a:r>
+              <a:rPr lang="en-US" sz="8000" dirty="0">
+                <a:solidFill>
+                  <a:schemeClr val="tx1"/>
+                </a:solidFill>
+                <a:effectLst/>
+              </a:rPr>
+              <a:t>”</a:t>
+            </a:r>
+          </a:p>
+        </p:txBody>
+      </p:sp>
+      <p:sp>
+        <p:nvSpPr>
+          <p:cNvPr id="14" name="TextBox 13"/>
+          <p:cNvSpPr txBox="1"/>
+          <p:nvPr/>
+        </p:nvSpPr>
+        <p:spPr>
+          <a:xfrm>
+            <a:off x="488275" y="823337"/>
+            <a:ext cx="609600" cy="584776"/>
+          </a:xfrm>
+          <a:prstGeom prst="rect">
+            <a:avLst/>
+          </a:prstGeom>
+        </p:spPr>
+        <p:txBody>
+          <a:bodyPr vert="horz" lIns="91440" tIns="45720" rIns="91440" bIns="45720" rtlCol="0" anchor="ctr">
+            <a:noAutofit/>
+          </a:bodyPr>
+          <a:lstStyle>
+            <a:lvl1pPr>
+              <a:spcBef>
+                <a:spcPct val="0"/>
+              </a:spcBef>
+              <a:buNone/>
+              <a:defRPr sz="3200" b="0" cap="all">
+                <a:ln w="3175" cmpd="sng">
+                  <a:noFill/>
+                </a:ln>
+                <a:effectLst>
+                  <a:glow rad="38100">
+                    <a:schemeClr val="bg1">
+                      <a:lumMod val="65000"/>
+                      <a:lumOff val="35000"/>
+                      <a:alpha val="40000"/>
+                    </a:schemeClr>
+                  </a:glow>
+                  <a:outerShdw blurRad="28575" dist="38100" dir="14040000" algn="tl" rotWithShape="0">
+                    <a:srgbClr val="000000">
+                      <a:alpha val="25000"/>
+                    </a:srgbClr>
+                  </a:outerShdw>
+                </a:effectLst>
+              </a:defRPr>
+            </a:lvl1pPr>
+            <a:lvl2pPr>
+              <a:defRPr>
+                <a:solidFill>
+                  <a:schemeClr val="tx2"/>
+                </a:solidFill>
+              </a:defRPr>
+            </a:lvl2pPr>
+            <a:lvl3pPr>
+              <a:defRPr>
+                <a:solidFill>
+                  <a:schemeClr val="tx2"/>
+                </a:solidFill>
+              </a:defRPr>
+            </a:lvl3pPr>
+            <a:lvl4pPr>
+              <a:defRPr>
+                <a:solidFill>
+                  <a:schemeClr val="tx2"/>
+                </a:solidFill>
+              </a:defRPr>
+            </a:lvl4pPr>
+            <a:lvl5pPr>
+              <a:defRPr>
+                <a:solidFill>
+                  <a:schemeClr val="tx2"/>
+                </a:solidFill>
+              </a:defRPr>
+            </a:lvl5pPr>
+            <a:lvl6pPr>
+              <a:defRPr>
+                <a:solidFill>
+                  <a:schemeClr val="tx2"/>
+                </a:solidFill>
+              </a:defRPr>
+            </a:lvl6pPr>
+            <a:lvl7pPr>
+              <a:defRPr>
+                <a:solidFill>
+                  <a:schemeClr val="tx2"/>
+                </a:solidFill>
+              </a:defRPr>
+            </a:lvl7pPr>
+            <a:lvl8pPr>
+              <a:defRPr>
+                <a:solidFill>
+                  <a:schemeClr val="tx2"/>
+                </a:solidFill>
+              </a:defRPr>
+            </a:lvl8pPr>
+            <a:lvl9pPr>
+              <a:defRPr>
+                <a:solidFill>
+                  <a:schemeClr val="tx2"/>
+                </a:solidFill>
+              </a:defRPr>
+            </a:lvl9pPr>
+          </a:lstStyle>
+          <a:p>
+            <a:pPr lvl="0" algn="r"/>
+            <a:r>
+              <a:rPr lang="en-US" sz="8000" dirty="0">
+                <a:solidFill>
+                  <a:schemeClr val="tx1"/>
+                </a:solidFill>
+                <a:effectLst/>
+              </a:rPr>
+              <a:t>“</a:t>
+            </a:r>
+          </a:p>
+        </p:txBody>
+      </p:sp>
+      <p:sp>
+        <p:nvSpPr>
+          <p:cNvPr id="16" name="Title 1"/>
+          <p:cNvSpPr>
+            <a:spLocks noGrp="1"/>
+          </p:cNvSpPr>
+          <p:nvPr>
+            <p:ph type="title"/>
+          </p:nvPr>
+        </p:nvSpPr>
+        <p:spPr>
+          <a:xfrm>
+            <a:off x="992267" y="609601"/>
+            <a:ext cx="9550399" cy="2743199"/>
+          </a:xfrm>
+        </p:spPr>
+        <p:txBody>
+          <a:bodyPr anchor="ctr">
+            <a:normAutofit/>
+          </a:bodyPr>
+          <a:lstStyle>
+            <a:lvl1pPr algn="l">
+              <a:defRPr sz="3200" b="0" cap="none">
+                <a:solidFill>
+                  <a:schemeClr val="tx1"/>
+                </a:solidFill>
+              </a:defRPr>
+            </a:lvl1pPr>
+          </a:lstStyle>
+          <a:p>
+            <a:r>
+              <a:rPr lang="en-GB"/>
+              <a:t>Click to edit Master title style</a:t>
+            </a:r>
+            <a:endParaRPr lang="en-US" dirty="0"/>
+          </a:p>
+        </p:txBody>
+      </p:sp>
+      <p:sp>
+        <p:nvSpPr>
+          <p:cNvPr id="10" name="Text Placeholder 9"/>
+          <p:cNvSpPr>
+            <a:spLocks noGrp="1"/>
+          </p:cNvSpPr>
+          <p:nvPr>
+            <p:ph type="body" sz="quarter" idx="13"/>
+          </p:nvPr>
+        </p:nvSpPr>
+        <p:spPr>
+          <a:xfrm>
+            <a:off x="685800" y="3886200"/>
+            <a:ext cx="10135436" cy="889000"/>
+          </a:xfrm>
+        </p:spPr>
+        <p:txBody>
+          <a:bodyPr vert="horz" lIns="91440" tIns="45720" rIns="91440" bIns="45720" rtlCol="0" anchor="b">
+            <a:normAutofit/>
+          </a:bodyPr>
+          <a:lstStyle>
+            <a:lvl1pPr>
+              <a:buNone/>
+              <a:defRPr lang="en-US" sz="2400" b="0" cap="none" dirty="0">
+                <a:ln w="3175" cmpd="sng">
+                  <a:noFill/>
+                </a:ln>
+                <a:solidFill>
+                  <a:schemeClr val="tx1"/>
+                </a:solidFill>
+                <a:effectLst/>
+              </a:defRPr>
+            </a:lvl1pPr>
+          </a:lstStyle>
+          <a:p>
+            <a:pPr marL="0" lvl="0">
+              <a:spcBef>
+                <a:spcPct val="0"/>
+              </a:spcBef>
+              <a:buNone/>
+            </a:pPr>
+            <a:r>
+              <a:rPr lang="en-GB"/>
+              <a:t>Click to edit Master text styles</a:t>
+            </a:r>
+          </a:p>
+        </p:txBody>
+      </p:sp>
+      <p:sp>
+        <p:nvSpPr>
+          <p:cNvPr id="3" name="Text Placeholder 2"/>
+          <p:cNvSpPr>
+            <a:spLocks noGrp="1"/>
+          </p:cNvSpPr>
+          <p:nvPr>
+            <p:ph type="body" idx="1"/>
+          </p:nvPr>
+        </p:nvSpPr>
+        <p:spPr>
+          <a:xfrm>
+            <a:off x="685799" y="4775200"/>
+            <a:ext cx="10135436" cy="1016000"/>
+          </a:xfrm>
+        </p:spPr>
+        <p:txBody>
+          <a:bodyPr anchor="t">
+            <a:normAutofit/>
+          </a:bodyPr>
+          <a:lstStyle>
+            <a:lvl1pPr marL="0" indent="0" algn="l">
+              <a:buNone/>
+              <a:defRPr sz="1800">
+                <a:solidFill>
+                  <a:schemeClr val="tx1"/>
+                </a:solidFill>
+              </a:defRPr>
+            </a:lvl1pPr>
+            <a:lvl2pPr marL="457200" indent="0">
+              <a:buNone/>
+              <a:defRPr sz="1800">
+                <a:solidFill>
+                  <a:schemeClr val="tx1">
+                    <a:tint val="75000"/>
+                  </a:schemeClr>
+                </a:solidFill>
+              </a:defRPr>
+            </a:lvl2pPr>
+            <a:lvl3pPr marL="914400" indent="0">
+              <a:buNone/>
+              <a:defRPr sz="1600">
+                <a:solidFill>
+                  <a:schemeClr val="tx1">
+                    <a:tint val="75000"/>
+                  </a:schemeClr>
+                </a:solidFill>
+              </a:defRPr>
+            </a:lvl3pPr>
+            <a:lvl4pPr marL="1371600" indent="0">
+              <a:buNone/>
+              <a:defRPr sz="1400">
+                <a:solidFill>
+                  <a:schemeClr val="tx1">
+                    <a:tint val="75000"/>
+                  </a:schemeClr>
+                </a:solidFill>
+              </a:defRPr>
+            </a:lvl4pPr>
+            <a:lvl5pPr marL="1828800" indent="0">
+              <a:buNone/>
+              <a:defRPr sz="1400">
+                <a:solidFill>
+                  <a:schemeClr val="tx1">
+                    <a:tint val="75000"/>
+                  </a:schemeClr>
+                </a:solidFill>
+              </a:defRPr>
+            </a:lvl5pPr>
+            <a:lvl6pPr marL="2286000" indent="0">
+              <a:buNone/>
+              <a:defRPr sz="1400">
+                <a:solidFill>
+                  <a:schemeClr val="tx1">
+                    <a:tint val="75000"/>
+                  </a:schemeClr>
+                </a:solidFill>
+              </a:defRPr>
+            </a:lvl6pPr>
+            <a:lvl7pPr marL="2743200" indent="0">
+              <a:buNone/>
+              <a:defRPr sz="1400">
+                <a:solidFill>
+                  <a:schemeClr val="tx1">
+                    <a:tint val="75000"/>
+                  </a:schemeClr>
+                </a:solidFill>
+              </a:defRPr>
+            </a:lvl7pPr>
+            <a:lvl8pPr marL="3200400" indent="0">
+              <a:buNone/>
+              <a:defRPr sz="1400">
+                <a:solidFill>
+                  <a:schemeClr val="tx1">
+                    <a:tint val="75000"/>
+                  </a:schemeClr>
+                </a:solidFill>
+              </a:defRPr>
+            </a:lvl8pPr>
+            <a:lvl9pPr marL="3657600" indent="0">
+              <a:buNone/>
+              <a:defRPr sz="1400">
+                <a:solidFill>
+                  <a:schemeClr val="tx1">
+                    <a:tint val="75000"/>
+                  </a:schemeClr>
+                </a:solidFill>
+              </a:defRPr>
+            </a:lvl9pPr>
+          </a:lstStyle>
+          <a:p>
+            <a:pPr lvl="0"/>
+            <a:r>
+              <a:rPr lang="en-GB"/>
+              <a:t>Click to edit Master text styles</a:t>
+            </a:r>
+          </a:p>
+        </p:txBody>
+      </p:sp>
+      <p:sp>
+        <p:nvSpPr>
+          <p:cNvPr id="4" name="Date Placeholder 3"/>
+          <p:cNvSpPr>
+            <a:spLocks noGrp="1"/>
+          </p:cNvSpPr>
+          <p:nvPr>
+            <p:ph type="dt" sz="half" idx="10"/>
+          </p:nvPr>
+        </p:nvSpPr>
+        <p:spPr/>
+        <p:txBody>
+          <a:bodyPr/>
+          <a:lstStyle/>
+          <a:p>
+            <a:fld id="{6E31F35A-E116-9941-8BCB-58EC54DB536B}" type="datetimeFigureOut">
+              <a:rPr lang="en-US" smtClean="0"/>
+              <a:t>12/27/25</a:t>
+            </a:fld>
+            <a:endParaRPr lang="en-US"/>
+          </a:p>
+        </p:txBody>
+      </p:sp>
+      <p:sp>
+        <p:nvSpPr>
+          <p:cNvPr id="5" name="Footer Placeholder 4"/>
+          <p:cNvSpPr>
+            <a:spLocks noGrp="1"/>
+          </p:cNvSpPr>
+          <p:nvPr>
+            <p:ph type="ftr" sz="quarter" idx="11"/>
+          </p:nvPr>
+        </p:nvSpPr>
+        <p:spPr/>
+        <p:txBody>
+          <a:bodyPr/>
+          <a:lstStyle/>
+          <a:p>
+            <a:endParaRPr lang="en-US"/>
+          </a:p>
+        </p:txBody>
+      </p:sp>
+      <p:sp>
+        <p:nvSpPr>
+          <p:cNvPr id="6" name="Slide Number Placeholder 5"/>
+          <p:cNvSpPr>
+            <a:spLocks noGrp="1"/>
+          </p:cNvSpPr>
+          <p:nvPr>
+            <p:ph type="sldNum" sz="quarter" idx="12"/>
+          </p:nvPr>
+        </p:nvSpPr>
+        <p:spPr/>
+        <p:txBody>
+          <a:bodyPr/>
+          <a:lstStyle/>
+          <a:p>
+            <a:fld id="{E4E13F1D-BCB1-3040-8764-FDB6CB42EC3C}" type="slidenum">
+              <a:rPr lang="en-US" smtClean="0"/>
+              <a:t>‹#›</a:t>
+            </a:fld>
+            <a:endParaRPr lang="en-US"/>
+          </a:p>
+        </p:txBody>
+      </p:sp>
+    </p:spTree>
+    <p:extLst>
+      <p:ext uri="{BB962C8B-B14F-4D97-AF65-F5344CB8AC3E}">
+        <p14:creationId xmlns:p14="http://schemas.microsoft.com/office/powerpoint/2010/main" val="2389312208"/>
+      </p:ext>
+    </p:extLst>
+  </p:cSld>
+  <p:clrMapOvr>
+    <a:masterClrMapping/>
+  </p:clrMapOvr>
+</p:sldLayout>
+</file>
+
+<file path=ppt/slideLayouts/slideLayout15.xml><?xml version="1.0" encoding="utf-8"?>
+<p:sldLayout xmlns:a="http://schemas.openxmlformats.org/drawingml/2006/main" xmlns:r="http://schemas.openxmlformats.org/officeDocument/2006/relationships" xmlns:p="http://schemas.openxmlformats.org/presentationml/2006/main" preserve="1">
+  <p:cSld name="True or False">
+    <p:spTree>
+      <p:nvGrpSpPr>
+        <p:cNvPr id="1" name=""/>
+        <p:cNvGrpSpPr/>
+        <p:nvPr/>
+      </p:nvGrpSpPr>
+      <p:grpSpPr>
+        <a:xfrm>
+          <a:off x="0" y="0"/>
+          <a:ext cx="0" cy="0"/>
+          <a:chOff x="0" y="0"/>
+          <a:chExt cx="0" cy="0"/>
+        </a:xfrm>
+      </p:grpSpPr>
+      <p:pic>
+        <p:nvPicPr>
+          <p:cNvPr id="8" name="Picture 7" descr="Celestia-R1---OverlayContentHD.png"/>
+          <p:cNvPicPr>
+            <a:picLocks noChangeAspect="1"/>
+          </p:cNvPicPr>
+          <p:nvPr/>
+        </p:nvPicPr>
+        <p:blipFill>
+          <a:blip r:embed="rId2">
+            <a:extLst>
+              <a:ext uri="{28A0092B-C50C-407E-A947-70E740481C1C}">
+                <a14:useLocalDpi xmlns:a14="http://schemas.microsoft.com/office/drawing/2010/main" val="0"/>
+              </a:ext>
+            </a:extLst>
+          </a:blip>
+          <a:stretch>
+            <a:fillRect/>
+          </a:stretch>
+        </p:blipFill>
+        <p:spPr>
+          <a:xfrm>
+            <a:off x="0" y="0"/>
+            <a:ext cx="12188825" cy="6856214"/>
+          </a:xfrm>
+          <a:prstGeom prst="rect">
+            <a:avLst/>
+          </a:prstGeom>
+        </p:spPr>
+      </p:pic>
+      <p:sp>
+        <p:nvSpPr>
+          <p:cNvPr id="2" name="Title 1"/>
+          <p:cNvSpPr>
+            <a:spLocks noGrp="1"/>
+          </p:cNvSpPr>
+          <p:nvPr>
+            <p:ph type="title"/>
+          </p:nvPr>
+        </p:nvSpPr>
+        <p:spPr>
+          <a:xfrm>
+            <a:off x="685801" y="609601"/>
+            <a:ext cx="10131427" cy="2743199"/>
+          </a:xfrm>
+        </p:spPr>
+        <p:txBody>
+          <a:bodyPr vert="horz" lIns="91440" tIns="45720" rIns="91440" bIns="45720" rtlCol="0" anchor="ctr">
+            <a:normAutofit/>
+          </a:bodyPr>
+          <a:lstStyle>
+            <a:lvl1pPr>
+              <a:defRPr lang="en-US" b="0" dirty="0"/>
+            </a:lvl1pPr>
+          </a:lstStyle>
+          <a:p>
+            <a:pPr marL="0" lvl="0"/>
+            <a:r>
+              <a:rPr lang="en-GB"/>
+              <a:t>Click to edit Master title style</a:t>
+            </a:r>
+            <a:endParaRPr lang="en-US" dirty="0"/>
+          </a:p>
+        </p:txBody>
+      </p:sp>
+      <p:sp>
+        <p:nvSpPr>
+          <p:cNvPr id="10" name="Text Placeholder 9"/>
+          <p:cNvSpPr>
+            <a:spLocks noGrp="1"/>
+          </p:cNvSpPr>
+          <p:nvPr>
+            <p:ph type="body" sz="quarter" idx="13"/>
+          </p:nvPr>
+        </p:nvSpPr>
+        <p:spPr>
+          <a:xfrm>
+            <a:off x="685801" y="3505200"/>
+            <a:ext cx="10131428" cy="838200"/>
+          </a:xfrm>
+        </p:spPr>
+        <p:txBody>
+          <a:bodyPr vert="horz" lIns="91440" tIns="45720" rIns="91440" bIns="45720" rtlCol="0" anchor="b">
+            <a:normAutofit/>
+          </a:bodyPr>
+          <a:lstStyle>
+            <a:lvl1pPr>
+              <a:buNone/>
+              <a:defRPr lang="en-US" sz="2800" b="0" cap="none" dirty="0">
+                <a:ln w="3175" cmpd="sng">
+                  <a:noFill/>
+                </a:ln>
+                <a:solidFill>
+                  <a:schemeClr val="tx1"/>
+                </a:solidFill>
+                <a:effectLst/>
+              </a:defRPr>
+            </a:lvl1pPr>
+          </a:lstStyle>
+          <a:p>
+            <a:pPr marL="0" lvl="0">
+              <a:spcBef>
+                <a:spcPct val="0"/>
+              </a:spcBef>
+              <a:buNone/>
+            </a:pPr>
+            <a:r>
+              <a:rPr lang="en-GB"/>
+              <a:t>Click to edit Master text styles</a:t>
+            </a:r>
+          </a:p>
+        </p:txBody>
+      </p:sp>
+      <p:sp>
+        <p:nvSpPr>
+          <p:cNvPr id="3" name="Text Placeholder 2"/>
+          <p:cNvSpPr>
+            <a:spLocks noGrp="1"/>
+          </p:cNvSpPr>
+          <p:nvPr>
+            <p:ph type="body" idx="1"/>
+          </p:nvPr>
+        </p:nvSpPr>
+        <p:spPr>
+          <a:xfrm>
+            <a:off x="685800" y="4343400"/>
+            <a:ext cx="10131428" cy="1447800"/>
+          </a:xfrm>
+        </p:spPr>
+        <p:txBody>
+          <a:bodyPr anchor="t">
+            <a:normAutofit/>
+          </a:bodyPr>
+          <a:lstStyle>
+            <a:lvl1pPr marL="0" indent="0" algn="l">
+              <a:buNone/>
+              <a:defRPr sz="1800">
+                <a:solidFill>
+                  <a:schemeClr val="tx1"/>
+                </a:solidFill>
+              </a:defRPr>
+            </a:lvl1pPr>
+            <a:lvl2pPr marL="457200" indent="0">
+              <a:buNone/>
+              <a:defRPr sz="1800">
+                <a:solidFill>
+                  <a:schemeClr val="tx1">
+                    <a:tint val="75000"/>
+                  </a:schemeClr>
+                </a:solidFill>
+              </a:defRPr>
+            </a:lvl2pPr>
+            <a:lvl3pPr marL="914400" indent="0">
+              <a:buNone/>
+              <a:defRPr sz="1600">
+                <a:solidFill>
+                  <a:schemeClr val="tx1">
+                    <a:tint val="75000"/>
+                  </a:schemeClr>
+                </a:solidFill>
+              </a:defRPr>
+            </a:lvl3pPr>
+            <a:lvl4pPr marL="1371600" indent="0">
+              <a:buNone/>
+              <a:defRPr sz="1400">
+                <a:solidFill>
+                  <a:schemeClr val="tx1">
+                    <a:tint val="75000"/>
+                  </a:schemeClr>
+                </a:solidFill>
+              </a:defRPr>
+            </a:lvl4pPr>
+            <a:lvl5pPr marL="1828800" indent="0">
+              <a:buNone/>
+              <a:defRPr sz="1400">
+                <a:solidFill>
+                  <a:schemeClr val="tx1">
+                    <a:tint val="75000"/>
+                  </a:schemeClr>
+                </a:solidFill>
+              </a:defRPr>
+            </a:lvl5pPr>
+            <a:lvl6pPr marL="2286000" indent="0">
+              <a:buNone/>
+              <a:defRPr sz="1400">
+                <a:solidFill>
+                  <a:schemeClr val="tx1">
+                    <a:tint val="75000"/>
+                  </a:schemeClr>
+                </a:solidFill>
+              </a:defRPr>
+            </a:lvl6pPr>
+            <a:lvl7pPr marL="2743200" indent="0">
+              <a:buNone/>
+              <a:defRPr sz="1400">
+                <a:solidFill>
+                  <a:schemeClr val="tx1">
+                    <a:tint val="75000"/>
+                  </a:schemeClr>
+                </a:solidFill>
+              </a:defRPr>
+            </a:lvl7pPr>
+            <a:lvl8pPr marL="3200400" indent="0">
+              <a:buNone/>
+              <a:defRPr sz="1400">
+                <a:solidFill>
+                  <a:schemeClr val="tx1">
+                    <a:tint val="75000"/>
+                  </a:schemeClr>
+                </a:solidFill>
+              </a:defRPr>
+            </a:lvl8pPr>
+            <a:lvl9pPr marL="3657600" indent="0">
+              <a:buNone/>
+              <a:defRPr sz="1400">
+                <a:solidFill>
+                  <a:schemeClr val="tx1">
+                    <a:tint val="75000"/>
+                  </a:schemeClr>
+                </a:solidFill>
+              </a:defRPr>
+            </a:lvl9pPr>
+          </a:lstStyle>
+          <a:p>
+            <a:pPr lvl="0"/>
+            <a:r>
+              <a:rPr lang="en-GB"/>
+              <a:t>Click to edit Master text styles</a:t>
+            </a:r>
+          </a:p>
+        </p:txBody>
+      </p:sp>
+      <p:sp>
+        <p:nvSpPr>
+          <p:cNvPr id="4" name="Date Placeholder 3"/>
+          <p:cNvSpPr>
+            <a:spLocks noGrp="1"/>
+          </p:cNvSpPr>
+          <p:nvPr>
+            <p:ph type="dt" sz="half" idx="10"/>
+          </p:nvPr>
+        </p:nvSpPr>
+        <p:spPr/>
+        <p:txBody>
+          <a:bodyPr/>
+          <a:lstStyle/>
+          <a:p>
+            <a:fld id="{6E31F35A-E116-9941-8BCB-58EC54DB536B}" type="datetimeFigureOut">
+              <a:rPr lang="en-US" smtClean="0"/>
+              <a:t>12/27/25</a:t>
+            </a:fld>
+            <a:endParaRPr lang="en-US"/>
+          </a:p>
+        </p:txBody>
+      </p:sp>
+      <p:sp>
+        <p:nvSpPr>
+          <p:cNvPr id="5" name="Footer Placeholder 4"/>
+          <p:cNvSpPr>
+            <a:spLocks noGrp="1"/>
+          </p:cNvSpPr>
+          <p:nvPr>
+            <p:ph type="ftr" sz="quarter" idx="11"/>
+          </p:nvPr>
+        </p:nvSpPr>
+        <p:spPr/>
+        <p:txBody>
+          <a:bodyPr/>
+          <a:lstStyle/>
+          <a:p>
+            <a:endParaRPr lang="en-US"/>
+          </a:p>
+        </p:txBody>
+      </p:sp>
+      <p:sp>
+        <p:nvSpPr>
+          <p:cNvPr id="6" name="Slide Number Placeholder 5"/>
+          <p:cNvSpPr>
+            <a:spLocks noGrp="1"/>
+          </p:cNvSpPr>
+          <p:nvPr>
+            <p:ph type="sldNum" sz="quarter" idx="12"/>
+          </p:nvPr>
+        </p:nvSpPr>
+        <p:spPr/>
+        <p:txBody>
+          <a:bodyPr/>
+          <a:lstStyle/>
+          <a:p>
+            <a:fld id="{E4E13F1D-BCB1-3040-8764-FDB6CB42EC3C}" type="slidenum">
+              <a:rPr lang="en-US" smtClean="0"/>
+              <a:t>‹#›</a:t>
+            </a:fld>
+            <a:endParaRPr lang="en-US"/>
+          </a:p>
+        </p:txBody>
+      </p:sp>
+    </p:spTree>
+    <p:extLst>
+      <p:ext uri="{BB962C8B-B14F-4D97-AF65-F5344CB8AC3E}">
+        <p14:creationId xmlns:p14="http://schemas.microsoft.com/office/powerpoint/2010/main" val="1336172977"/>
+      </p:ext>
+    </p:extLst>
+  </p:cSld>
+  <p:clrMapOvr>
+    <a:masterClrMapping/>
+  </p:clrMapOvr>
+</p:sldLayout>
+</file>
+
+<file path=ppt/slideLayouts/slideLayout16.xml><?xml version="1.0" encoding="utf-8"?>
 <p:sldLayout xmlns:a="http://schemas.openxmlformats.org/drawingml/2006/main" xmlns:r="http://schemas.openxmlformats.org/officeDocument/2006/relationships" xmlns:p="http://schemas.openxmlformats.org/presentationml/2006/main" type="vertTx" preserve="1">
   <p:cSld name="Title and Vertical Text">
     <p:spTree>
@@ -356,15 +2777,39 @@
           <a:chExt cx="0" cy="0"/>
         </a:xfrm>
       </p:grpSpPr>
-      <p:sp>
-        <p:nvSpPr>
-          <p:cNvPr id="2" name="Title 1">
+      <p:pic>
+        <p:nvPicPr>
+          <p:cNvPr id="7" name="Picture 6" descr="Celestia-R1---OverlayContentHD.png"/>
+          <p:cNvPicPr>
+            <a:picLocks noChangeAspect="1"/>
+          </p:cNvPicPr>
+          <p:nvPr/>
+        </p:nvPicPr>
+        <p:blipFill>
+          <a:blip r:embed="rId2">
             <a:extLst>
-              <a:ext uri="{FF2B5EF4-FFF2-40B4-BE49-F238E27FC236}">
-                <a16:creationId xmlns:a16="http://schemas.microsoft.com/office/drawing/2014/main" id="{5093E9BD-8A8A-0EEC-4EB1-CD0B41B7F42E}"/>
+              <a:ext uri="{28A0092B-C50C-407E-A947-70E740481C1C}">
+                <a14:useLocalDpi xmlns:a14="http://schemas.microsoft.com/office/drawing/2010/main" val="0"/>
               </a:ext>
             </a:extLst>
-          </p:cNvPr>
+          </a:blip>
+          <a:stretch>
+            <a:fillRect/>
+          </a:stretch>
+        </p:blipFill>
+        <p:spPr>
+          <a:xfrm>
+            <a:off x="0" y="0"/>
+            <a:ext cx="12188825" cy="6856214"/>
+          </a:xfrm>
+          <a:prstGeom prst="rect">
+            <a:avLst/>
+          </a:prstGeom>
+        </p:spPr>
+      </p:pic>
+      <p:sp>
+        <p:nvSpPr>
+          <p:cNvPr id="8" name="Title 1"/>
           <p:cNvSpPr>
             <a:spLocks noGrp="1"/>
           </p:cNvSpPr>
@@ -372,38 +2817,37 @@
             <p:ph type="title"/>
           </p:nvPr>
         </p:nvSpPr>
+        <p:spPr>
+          <a:xfrm>
+            <a:off x="685801" y="609600"/>
+            <a:ext cx="10131425" cy="1456267"/>
+          </a:xfrm>
+        </p:spPr>
+        <p:txBody>
+          <a:bodyPr/>
+          <a:lstStyle/>
+          <a:p>
+            <a:r>
+              <a:rPr lang="en-GB"/>
+              <a:t>Click to edit Master title style</a:t>
+            </a:r>
+            <a:endParaRPr lang="en-US" dirty="0"/>
+          </a:p>
+        </p:txBody>
+      </p:sp>
+      <p:sp>
+        <p:nvSpPr>
+          <p:cNvPr id="3" name="Vertical Text Placeholder 2"/>
+          <p:cNvSpPr>
+            <a:spLocks noGrp="1"/>
+          </p:cNvSpPr>
+          <p:nvPr>
+            <p:ph type="body" orient="vert" idx="1"/>
+          </p:nvPr>
+        </p:nvSpPr>
         <p:spPr/>
         <p:txBody>
-          <a:bodyPr/>
-          <a:lstStyle/>
-          <a:p>
-            <a:r>
-              <a:rPr lang="en-GB"/>
-              <a:t>Click to edit Master title style</a:t>
-            </a:r>
-            <a:endParaRPr lang="en-US"/>
-          </a:p>
-        </p:txBody>
-      </p:sp>
-      <p:sp>
-        <p:nvSpPr>
-          <p:cNvPr id="3" name="Vertical Text Placeholder 2">
-            <a:extLst>
-              <a:ext uri="{FF2B5EF4-FFF2-40B4-BE49-F238E27FC236}">
-                <a16:creationId xmlns:a16="http://schemas.microsoft.com/office/drawing/2014/main" id="{80B249FF-649F-7032-F7A3-9A502203B5B0}"/>
-              </a:ext>
-            </a:extLst>
-          </p:cNvPr>
-          <p:cNvSpPr>
-            <a:spLocks noGrp="1"/>
-          </p:cNvSpPr>
-          <p:nvPr>
-            <p:ph type="body" orient="vert" idx="1"/>
-          </p:nvPr>
-        </p:nvSpPr>
-        <p:spPr/>
-        <p:txBody>
-          <a:bodyPr vert="eaVert"/>
+          <a:bodyPr vert="eaVert" anchor="t"/>
           <a:lstStyle/>
           <a:p>
             <a:pPr lvl="0"/>
@@ -439,19 +2883,13 @@
               <a:rPr lang="en-GB"/>
               <a:t>Fifth level</a:t>
             </a:r>
-            <a:endParaRPr lang="en-US"/>
-          </a:p>
-        </p:txBody>
-      </p:sp>
-      <p:sp>
-        <p:nvSpPr>
-          <p:cNvPr id="4" name="Date Placeholder 3">
-            <a:extLst>
-              <a:ext uri="{FF2B5EF4-FFF2-40B4-BE49-F238E27FC236}">
-                <a16:creationId xmlns:a16="http://schemas.microsoft.com/office/drawing/2014/main" id="{3C149F85-019C-1380-B2AC-E2087A1D37DD}"/>
-              </a:ext>
-            </a:extLst>
-          </p:cNvPr>
+            <a:endParaRPr lang="en-US" dirty="0"/>
+          </a:p>
+        </p:txBody>
+      </p:sp>
+      <p:sp>
+        <p:nvSpPr>
+          <p:cNvPr id="4" name="Date Placeholder 3"/>
           <p:cNvSpPr>
             <a:spLocks noGrp="1"/>
           </p:cNvSpPr>
@@ -466,7 +2904,7 @@
           <a:p>
             <a:fld id="{6E31F35A-E116-9941-8BCB-58EC54DB536B}" type="datetimeFigureOut">
               <a:rPr lang="en-US" smtClean="0"/>
-              <a:t>12/26/25</a:t>
+              <a:t>12/27/25</a:t>
             </a:fld>
             <a:endParaRPr lang="en-US"/>
           </a:p>
@@ -474,13 +2912,7 @@
       </p:sp>
       <p:sp>
         <p:nvSpPr>
-          <p:cNvPr id="5" name="Footer Placeholder 4">
-            <a:extLst>
-              <a:ext uri="{FF2B5EF4-FFF2-40B4-BE49-F238E27FC236}">
-                <a16:creationId xmlns:a16="http://schemas.microsoft.com/office/drawing/2014/main" id="{DA45C2A6-DD8E-CC29-2B72-5E8A48ACE8A7}"/>
-              </a:ext>
-            </a:extLst>
-          </p:cNvPr>
+          <p:cNvPr id="5" name="Footer Placeholder 4"/>
           <p:cNvSpPr>
             <a:spLocks noGrp="1"/>
           </p:cNvSpPr>
@@ -499,13 +2931,7 @@
       </p:sp>
       <p:sp>
         <p:nvSpPr>
-          <p:cNvPr id="6" name="Slide Number Placeholder 5">
-            <a:extLst>
-              <a:ext uri="{FF2B5EF4-FFF2-40B4-BE49-F238E27FC236}">
-                <a16:creationId xmlns:a16="http://schemas.microsoft.com/office/drawing/2014/main" id="{F32B6DEF-2D66-B2CD-BD69-391659E67319}"/>
-              </a:ext>
-            </a:extLst>
-          </p:cNvPr>
+          <p:cNvPr id="6" name="Slide Number Placeholder 5"/>
           <p:cNvSpPr>
             <a:spLocks noGrp="1"/>
           </p:cNvSpPr>
@@ -529,7 +2955,7 @@
     </p:spTree>
     <p:extLst>
       <p:ext uri="{BB962C8B-B14F-4D97-AF65-F5344CB8AC3E}">
-        <p14:creationId xmlns:p14="http://schemas.microsoft.com/office/powerpoint/2010/main" val="3661312625"/>
+        <p14:creationId xmlns:p14="http://schemas.microsoft.com/office/powerpoint/2010/main" val="1440246288"/>
       </p:ext>
     </p:extLst>
   </p:cSld>
@@ -539,7 +2965,7 @@
 </p:sldLayout>
 </file>
 
-<file path=ppt/slideLayouts/slideLayout11.xml><?xml version="1.0" encoding="utf-8"?>
+<file path=ppt/slideLayouts/slideLayout17.xml><?xml version="1.0" encoding="utf-8"?>
 <p:sldLayout xmlns:a="http://schemas.openxmlformats.org/drawingml/2006/main" xmlns:r="http://schemas.openxmlformats.org/officeDocument/2006/relationships" xmlns:p="http://schemas.openxmlformats.org/presentationml/2006/main" type="vertTitleAndTx" preserve="1">
   <p:cSld name="Vertical Title and Text">
     <p:spTree>
@@ -556,15 +2982,39 @@
           <a:chExt cx="0" cy="0"/>
         </a:xfrm>
       </p:grpSpPr>
-      <p:sp>
-        <p:nvSpPr>
-          <p:cNvPr id="2" name="Vertical Title 1">
+      <p:pic>
+        <p:nvPicPr>
+          <p:cNvPr id="7" name="Picture 6" descr="Celestia-R1---OverlayContentHD.png"/>
+          <p:cNvPicPr>
+            <a:picLocks noChangeAspect="1"/>
+          </p:cNvPicPr>
+          <p:nvPr/>
+        </p:nvPicPr>
+        <p:blipFill>
+          <a:blip r:embed="rId2">
             <a:extLst>
-              <a:ext uri="{FF2B5EF4-FFF2-40B4-BE49-F238E27FC236}">
-                <a16:creationId xmlns:a16="http://schemas.microsoft.com/office/drawing/2014/main" id="{AC9ABD28-2957-F9FF-F52F-A503A3B6D584}"/>
+              <a:ext uri="{28A0092B-C50C-407E-A947-70E740481C1C}">
+                <a14:useLocalDpi xmlns:a14="http://schemas.microsoft.com/office/drawing/2010/main" val="0"/>
               </a:ext>
             </a:extLst>
-          </p:cNvPr>
+          </a:blip>
+          <a:stretch>
+            <a:fillRect/>
+          </a:stretch>
+        </p:blipFill>
+        <p:spPr>
+          <a:xfrm>
+            <a:off x="0" y="0"/>
+            <a:ext cx="12188825" cy="6856214"/>
+          </a:xfrm>
+          <a:prstGeom prst="rect">
+            <a:avLst/>
+          </a:prstGeom>
+        </p:spPr>
+      </p:pic>
+      <p:sp>
+        <p:nvSpPr>
+          <p:cNvPr id="2" name="Vertical Title 1"/>
           <p:cNvSpPr>
             <a:spLocks noGrp="1"/>
           </p:cNvSpPr>
@@ -574,8 +3024,8 @@
         </p:nvSpPr>
         <p:spPr>
           <a:xfrm>
-            <a:off x="8724900" y="365125"/>
-            <a:ext cx="2628900" cy="5811838"/>
+            <a:off x="8658675" y="609599"/>
+            <a:ext cx="2158552" cy="5181601"/>
           </a:xfrm>
         </p:spPr>
         <p:txBody>
@@ -586,19 +3036,13 @@
               <a:rPr lang="en-GB"/>
               <a:t>Click to edit Master title style</a:t>
             </a:r>
-            <a:endParaRPr lang="en-US"/>
-          </a:p>
-        </p:txBody>
-      </p:sp>
-      <p:sp>
-        <p:nvSpPr>
-          <p:cNvPr id="3" name="Vertical Text Placeholder 2">
-            <a:extLst>
-              <a:ext uri="{FF2B5EF4-FFF2-40B4-BE49-F238E27FC236}">
-                <a16:creationId xmlns:a16="http://schemas.microsoft.com/office/drawing/2014/main" id="{83941CAF-B021-7B2E-FD39-FC701F292EB6}"/>
-              </a:ext>
-            </a:extLst>
-          </p:cNvPr>
+            <a:endParaRPr lang="en-US" dirty="0"/>
+          </a:p>
+        </p:txBody>
+      </p:sp>
+      <p:sp>
+        <p:nvSpPr>
+          <p:cNvPr id="3" name="Vertical Text Placeholder 2"/>
           <p:cNvSpPr>
             <a:spLocks noGrp="1"/>
           </p:cNvSpPr>
@@ -608,12 +3052,12 @@
         </p:nvSpPr>
         <p:spPr>
           <a:xfrm>
-            <a:off x="838200" y="365125"/>
-            <a:ext cx="7734300" cy="5811838"/>
-          </a:xfrm>
-        </p:spPr>
-        <p:txBody>
-          <a:bodyPr vert="eaVert"/>
+            <a:off x="685800" y="609600"/>
+            <a:ext cx="7832116" cy="5181600"/>
+          </a:xfrm>
+        </p:spPr>
+        <p:txBody>
+          <a:bodyPr vert="eaVert" anchor="t"/>
           <a:lstStyle/>
           <a:p>
             <a:pPr lvl="0"/>
@@ -649,19 +3093,13 @@
               <a:rPr lang="en-GB"/>
               <a:t>Fifth level</a:t>
             </a:r>
-            <a:endParaRPr lang="en-US"/>
-          </a:p>
-        </p:txBody>
-      </p:sp>
-      <p:sp>
-        <p:nvSpPr>
-          <p:cNvPr id="4" name="Date Placeholder 3">
-            <a:extLst>
-              <a:ext uri="{FF2B5EF4-FFF2-40B4-BE49-F238E27FC236}">
-                <a16:creationId xmlns:a16="http://schemas.microsoft.com/office/drawing/2014/main" id="{646613D5-9823-1C7D-1FB9-E352810506F2}"/>
-              </a:ext>
-            </a:extLst>
-          </p:cNvPr>
+            <a:endParaRPr lang="en-US" dirty="0"/>
+          </a:p>
+        </p:txBody>
+      </p:sp>
+      <p:sp>
+        <p:nvSpPr>
+          <p:cNvPr id="4" name="Date Placeholder 3"/>
           <p:cNvSpPr>
             <a:spLocks noGrp="1"/>
           </p:cNvSpPr>
@@ -676,7 +3114,7 @@
           <a:p>
             <a:fld id="{6E31F35A-E116-9941-8BCB-58EC54DB536B}" type="datetimeFigureOut">
               <a:rPr lang="en-US" smtClean="0"/>
-              <a:t>12/26/25</a:t>
+              <a:t>12/27/25</a:t>
             </a:fld>
             <a:endParaRPr lang="en-US"/>
           </a:p>
@@ -684,13 +3122,7 @@
       </p:sp>
       <p:sp>
         <p:nvSpPr>
-          <p:cNvPr id="5" name="Footer Placeholder 4">
-            <a:extLst>
-              <a:ext uri="{FF2B5EF4-FFF2-40B4-BE49-F238E27FC236}">
-                <a16:creationId xmlns:a16="http://schemas.microsoft.com/office/drawing/2014/main" id="{628D61CA-8C42-6427-5C2A-46C5117F2A45}"/>
-              </a:ext>
-            </a:extLst>
-          </p:cNvPr>
+          <p:cNvPr id="5" name="Footer Placeholder 4"/>
           <p:cNvSpPr>
             <a:spLocks noGrp="1"/>
           </p:cNvSpPr>
@@ -709,13 +3141,7 @@
       </p:sp>
       <p:sp>
         <p:nvSpPr>
-          <p:cNvPr id="6" name="Slide Number Placeholder 5">
-            <a:extLst>
-              <a:ext uri="{FF2B5EF4-FFF2-40B4-BE49-F238E27FC236}">
-                <a16:creationId xmlns:a16="http://schemas.microsoft.com/office/drawing/2014/main" id="{8472AC6F-B6EB-55C6-DA00-F552005F7C23}"/>
-              </a:ext>
-            </a:extLst>
-          </p:cNvPr>
+          <p:cNvPr id="6" name="Slide Number Placeholder 5"/>
           <p:cNvSpPr>
             <a:spLocks noGrp="1"/>
           </p:cNvSpPr>
@@ -739,7 +3165,7 @@
     </p:spTree>
     <p:extLst>
       <p:ext uri="{BB962C8B-B14F-4D97-AF65-F5344CB8AC3E}">
-        <p14:creationId xmlns:p14="http://schemas.microsoft.com/office/powerpoint/2010/main" val="2718887430"/>
+        <p14:creationId xmlns:p14="http://schemas.microsoft.com/office/powerpoint/2010/main" val="3595022216"/>
       </p:ext>
     </p:extLst>
   </p:cSld>
@@ -766,15 +3192,39 @@
           <a:chExt cx="0" cy="0"/>
         </a:xfrm>
       </p:grpSpPr>
-      <p:sp>
-        <p:nvSpPr>
-          <p:cNvPr id="2" name="Title 1">
+      <p:pic>
+        <p:nvPicPr>
+          <p:cNvPr id="7" name="Picture 6" descr="Celestia-R1---OverlayContentHD.png"/>
+          <p:cNvPicPr>
+            <a:picLocks noChangeAspect="1"/>
+          </p:cNvPicPr>
+          <p:nvPr/>
+        </p:nvPicPr>
+        <p:blipFill>
+          <a:blip r:embed="rId2">
             <a:extLst>
-              <a:ext uri="{FF2B5EF4-FFF2-40B4-BE49-F238E27FC236}">
-                <a16:creationId xmlns:a16="http://schemas.microsoft.com/office/drawing/2014/main" id="{6E01E603-16D2-4C87-9AE8-F28A274FA807}"/>
+              <a:ext uri="{28A0092B-C50C-407E-A947-70E740481C1C}">
+                <a14:useLocalDpi xmlns:a14="http://schemas.microsoft.com/office/drawing/2010/main" val="0"/>
               </a:ext>
             </a:extLst>
-          </p:cNvPr>
+          </a:blip>
+          <a:stretch>
+            <a:fillRect/>
+          </a:stretch>
+        </p:blipFill>
+        <p:spPr>
+          <a:xfrm>
+            <a:off x="0" y="0"/>
+            <a:ext cx="12188825" cy="6856214"/>
+          </a:xfrm>
+          <a:prstGeom prst="rect">
+            <a:avLst/>
+          </a:prstGeom>
+        </p:spPr>
+      </p:pic>
+      <p:sp>
+        <p:nvSpPr>
+          <p:cNvPr id="2" name="Title 1"/>
           <p:cNvSpPr>
             <a:spLocks noGrp="1"/>
           </p:cNvSpPr>
@@ -791,19 +3241,13 @@
               <a:rPr lang="en-GB"/>
               <a:t>Click to edit Master title style</a:t>
             </a:r>
-            <a:endParaRPr lang="en-US"/>
-          </a:p>
-        </p:txBody>
-      </p:sp>
-      <p:sp>
-        <p:nvSpPr>
-          <p:cNvPr id="3" name="Content Placeholder 2">
-            <a:extLst>
-              <a:ext uri="{FF2B5EF4-FFF2-40B4-BE49-F238E27FC236}">
-                <a16:creationId xmlns:a16="http://schemas.microsoft.com/office/drawing/2014/main" id="{12F0B39D-2FCD-CB9B-996F-8677EB1B8871}"/>
-              </a:ext>
-            </a:extLst>
-          </p:cNvPr>
+            <a:endParaRPr lang="en-US" dirty="0"/>
+          </a:p>
+        </p:txBody>
+      </p:sp>
+      <p:sp>
+        <p:nvSpPr>
+          <p:cNvPr id="3" name="Content Placeholder 2"/>
           <p:cNvSpPr>
             <a:spLocks noGrp="1"/>
           </p:cNvSpPr>
@@ -813,7 +3257,7 @@
         </p:nvSpPr>
         <p:spPr/>
         <p:txBody>
-          <a:bodyPr/>
+          <a:bodyPr anchor="ctr"/>
           <a:lstStyle/>
           <a:p>
             <a:pPr lvl="0"/>
@@ -849,19 +3293,13 @@
               <a:rPr lang="en-GB"/>
               <a:t>Fifth level</a:t>
             </a:r>
-            <a:endParaRPr lang="en-US"/>
-          </a:p>
-        </p:txBody>
-      </p:sp>
-      <p:sp>
-        <p:nvSpPr>
-          <p:cNvPr id="4" name="Date Placeholder 3">
-            <a:extLst>
-              <a:ext uri="{FF2B5EF4-FFF2-40B4-BE49-F238E27FC236}">
-                <a16:creationId xmlns:a16="http://schemas.microsoft.com/office/drawing/2014/main" id="{70427D31-EFB4-165F-44F2-747062D474AE}"/>
-              </a:ext>
-            </a:extLst>
-          </p:cNvPr>
+            <a:endParaRPr lang="en-US" dirty="0"/>
+          </a:p>
+        </p:txBody>
+      </p:sp>
+      <p:sp>
+        <p:nvSpPr>
+          <p:cNvPr id="4" name="Date Placeholder 3"/>
           <p:cNvSpPr>
             <a:spLocks noGrp="1"/>
           </p:cNvSpPr>
@@ -876,7 +3314,7 @@
           <a:p>
             <a:fld id="{6E31F35A-E116-9941-8BCB-58EC54DB536B}" type="datetimeFigureOut">
               <a:rPr lang="en-US" smtClean="0"/>
-              <a:t>12/26/25</a:t>
+              <a:t>12/27/25</a:t>
             </a:fld>
             <a:endParaRPr lang="en-US"/>
           </a:p>
@@ -884,13 +3322,7 @@
       </p:sp>
       <p:sp>
         <p:nvSpPr>
-          <p:cNvPr id="5" name="Footer Placeholder 4">
-            <a:extLst>
-              <a:ext uri="{FF2B5EF4-FFF2-40B4-BE49-F238E27FC236}">
-                <a16:creationId xmlns:a16="http://schemas.microsoft.com/office/drawing/2014/main" id="{29BC354D-2523-71CF-299A-ED71203B923D}"/>
-              </a:ext>
-            </a:extLst>
-          </p:cNvPr>
+          <p:cNvPr id="5" name="Footer Placeholder 4"/>
           <p:cNvSpPr>
             <a:spLocks noGrp="1"/>
           </p:cNvSpPr>
@@ -909,13 +3341,7 @@
       </p:sp>
       <p:sp>
         <p:nvSpPr>
-          <p:cNvPr id="6" name="Slide Number Placeholder 5">
-            <a:extLst>
-              <a:ext uri="{FF2B5EF4-FFF2-40B4-BE49-F238E27FC236}">
-                <a16:creationId xmlns:a16="http://schemas.microsoft.com/office/drawing/2014/main" id="{212FC548-9455-5FC4-0FEB-114927C628BC}"/>
-              </a:ext>
-            </a:extLst>
-          </p:cNvPr>
+          <p:cNvPr id="6" name="Slide Number Placeholder 5"/>
           <p:cNvSpPr>
             <a:spLocks noGrp="1"/>
           </p:cNvSpPr>
@@ -939,7 +3365,7 @@
     </p:spTree>
     <p:extLst>
       <p:ext uri="{BB962C8B-B14F-4D97-AF65-F5344CB8AC3E}">
-        <p14:creationId xmlns:p14="http://schemas.microsoft.com/office/powerpoint/2010/main" val="856566236"/>
+        <p14:creationId xmlns:p14="http://schemas.microsoft.com/office/powerpoint/2010/main" val="4191864895"/>
       </p:ext>
     </p:extLst>
   </p:cSld>
@@ -966,15 +3392,39 @@
           <a:chExt cx="0" cy="0"/>
         </a:xfrm>
       </p:grpSpPr>
-      <p:sp>
-        <p:nvSpPr>
-          <p:cNvPr id="2" name="Title 1">
+      <p:pic>
+        <p:nvPicPr>
+          <p:cNvPr id="7" name="Picture 6" descr="Celestia-R1---OverlayContentHD.png"/>
+          <p:cNvPicPr>
+            <a:picLocks noChangeAspect="1"/>
+          </p:cNvPicPr>
+          <p:nvPr/>
+        </p:nvPicPr>
+        <p:blipFill>
+          <a:blip r:embed="rId2">
             <a:extLst>
-              <a:ext uri="{FF2B5EF4-FFF2-40B4-BE49-F238E27FC236}">
-                <a16:creationId xmlns:a16="http://schemas.microsoft.com/office/drawing/2014/main" id="{023668E5-22AD-0434-717C-3D1A0B0FE99D}"/>
+              <a:ext uri="{28A0092B-C50C-407E-A947-70E740481C1C}">
+                <a14:useLocalDpi xmlns:a14="http://schemas.microsoft.com/office/drawing/2010/main" val="0"/>
               </a:ext>
             </a:extLst>
-          </p:cNvPr>
+          </a:blip>
+          <a:stretch>
+            <a:fillRect/>
+          </a:stretch>
+        </p:blipFill>
+        <p:spPr>
+          <a:xfrm>
+            <a:off x="0" y="0"/>
+            <a:ext cx="12188825" cy="6856214"/>
+          </a:xfrm>
+          <a:prstGeom prst="rect">
+            <a:avLst/>
+          </a:prstGeom>
+        </p:spPr>
+      </p:pic>
+      <p:sp>
+        <p:nvSpPr>
+          <p:cNvPr id="2" name="Title 1"/>
           <p:cNvSpPr>
             <a:spLocks noGrp="1"/>
           </p:cNvSpPr>
@@ -984,15 +3434,15 @@
         </p:nvSpPr>
         <p:spPr>
           <a:xfrm>
-            <a:off x="831850" y="1709738"/>
-            <a:ext cx="10515600" cy="2852737"/>
+            <a:off x="685800" y="3308581"/>
+            <a:ext cx="10131427" cy="1468800"/>
           </a:xfrm>
         </p:spPr>
         <p:txBody>
           <a:bodyPr anchor="b"/>
           <a:lstStyle>
-            <a:lvl1pPr>
-              <a:defRPr sz="6000"/>
+            <a:lvl1pPr algn="l">
+              <a:defRPr sz="4000" b="0" cap="all"/>
             </a:lvl1pPr>
           </a:lstStyle>
           <a:p>
@@ -1000,19 +3450,13 @@
               <a:rPr lang="en-GB"/>
               <a:t>Click to edit Master title style</a:t>
             </a:r>
-            <a:endParaRPr lang="en-US"/>
-          </a:p>
-        </p:txBody>
-      </p:sp>
-      <p:sp>
-        <p:nvSpPr>
-          <p:cNvPr id="3" name="Text Placeholder 2">
-            <a:extLst>
-              <a:ext uri="{FF2B5EF4-FFF2-40B4-BE49-F238E27FC236}">
-                <a16:creationId xmlns:a16="http://schemas.microsoft.com/office/drawing/2014/main" id="{F0D1C773-1E17-7AB2-24AB-59FB4A469C3F}"/>
-              </a:ext>
-            </a:extLst>
-          </p:cNvPr>
+            <a:endParaRPr lang="en-US" dirty="0"/>
+          </a:p>
+        </p:txBody>
+      </p:sp>
+      <p:sp>
+        <p:nvSpPr>
+          <p:cNvPr id="3" name="Text Placeholder 2"/>
           <p:cNvSpPr>
             <a:spLocks noGrp="1"/>
           </p:cNvSpPr>
@@ -1022,99 +3466,99 @@
         </p:nvSpPr>
         <p:spPr>
           <a:xfrm>
-            <a:off x="831850" y="4589463"/>
-            <a:ext cx="10515600" cy="1500187"/>
-          </a:xfrm>
-        </p:spPr>
-        <p:txBody>
-          <a:bodyPr/>
+            <a:off x="685799" y="4777381"/>
+            <a:ext cx="10131428" cy="860400"/>
+          </a:xfrm>
+        </p:spPr>
+        <p:txBody>
+          <a:bodyPr anchor="t">
+            <a:normAutofit/>
+          </a:bodyPr>
           <a:lstStyle>
-            <a:lvl1pPr marL="0" indent="0">
-              <a:buNone/>
-              <a:defRPr sz="2400">
-                <a:solidFill>
-                  <a:schemeClr val="tx1">
-                    <a:tint val="82000"/>
-                  </a:schemeClr>
+            <a:lvl1pPr marL="0" indent="0" algn="l">
+              <a:buNone/>
+              <a:defRPr sz="2000" cap="all">
+                <a:solidFill>
+                  <a:schemeClr val="tx1"/>
                 </a:solidFill>
               </a:defRPr>
             </a:lvl1pPr>
             <a:lvl2pPr marL="457200" indent="0">
               <a:buNone/>
-              <a:defRPr sz="2000">
+              <a:defRPr sz="1800">
                 <a:solidFill>
                   <a:schemeClr val="tx1">
-                    <a:tint val="82000"/>
+                    <a:tint val="75000"/>
                   </a:schemeClr>
                 </a:solidFill>
               </a:defRPr>
             </a:lvl2pPr>
             <a:lvl3pPr marL="914400" indent="0">
               <a:buNone/>
-              <a:defRPr sz="1800">
+              <a:defRPr sz="1600">
                 <a:solidFill>
                   <a:schemeClr val="tx1">
-                    <a:tint val="82000"/>
+                    <a:tint val="75000"/>
                   </a:schemeClr>
                 </a:solidFill>
               </a:defRPr>
             </a:lvl3pPr>
             <a:lvl4pPr marL="1371600" indent="0">
               <a:buNone/>
-              <a:defRPr sz="1600">
+              <a:defRPr sz="1400">
                 <a:solidFill>
                   <a:schemeClr val="tx1">
-                    <a:tint val="82000"/>
+                    <a:tint val="75000"/>
                   </a:schemeClr>
                 </a:solidFill>
               </a:defRPr>
             </a:lvl4pPr>
             <a:lvl5pPr marL="1828800" indent="0">
               <a:buNone/>
-              <a:defRPr sz="1600">
+              <a:defRPr sz="1400">
                 <a:solidFill>
                   <a:schemeClr val="tx1">
-                    <a:tint val="82000"/>
+                    <a:tint val="75000"/>
                   </a:schemeClr>
                 </a:solidFill>
               </a:defRPr>
             </a:lvl5pPr>
             <a:lvl6pPr marL="2286000" indent="0">
               <a:buNone/>
-              <a:defRPr sz="1600">
+              <a:defRPr sz="1400">
                 <a:solidFill>
                   <a:schemeClr val="tx1">
-                    <a:tint val="82000"/>
+                    <a:tint val="75000"/>
                   </a:schemeClr>
                 </a:solidFill>
               </a:defRPr>
             </a:lvl6pPr>
             <a:lvl7pPr marL="2743200" indent="0">
               <a:buNone/>
-              <a:defRPr sz="1600">
+              <a:defRPr sz="1400">
                 <a:solidFill>
                   <a:schemeClr val="tx1">
-                    <a:tint val="82000"/>
+                    <a:tint val="75000"/>
                   </a:schemeClr>
                 </a:solidFill>
               </a:defRPr>
             </a:lvl7pPr>
             <a:lvl8pPr marL="3200400" indent="0">
               <a:buNone/>
-              <a:defRPr sz="1600">
+              <a:defRPr sz="1400">
                 <a:solidFill>
                   <a:schemeClr val="tx1">
-                    <a:tint val="82000"/>
+                    <a:tint val="75000"/>
                   </a:schemeClr>
                 </a:solidFill>
               </a:defRPr>
             </a:lvl8pPr>
             <a:lvl9pPr marL="3657600" indent="0">
               <a:buNone/>
-              <a:defRPr sz="1600">
+              <a:defRPr sz="1400">
                 <a:solidFill>
                   <a:schemeClr val="tx1">
-                    <a:tint val="82000"/>
+                    <a:tint val="75000"/>
                   </a:schemeClr>
                 </a:solidFill>
               </a:defRPr>
@@ -1131,13 +3575,7 @@
       </p:sp>
       <p:sp>
         <p:nvSpPr>
-          <p:cNvPr id="4" name="Date Placeholder 3">
-            <a:extLst>
-              <a:ext uri="{FF2B5EF4-FFF2-40B4-BE49-F238E27FC236}">
-                <a16:creationId xmlns:a16="http://schemas.microsoft.com/office/drawing/2014/main" id="{E719A91D-0E20-BD5B-E23B-9B72801D6AD2}"/>
-              </a:ext>
-            </a:extLst>
-          </p:cNvPr>
+          <p:cNvPr id="4" name="Date Placeholder 3"/>
           <p:cNvSpPr>
             <a:spLocks noGrp="1"/>
           </p:cNvSpPr>
@@ -1152,7 +3590,7 @@
           <a:p>
             <a:fld id="{6E31F35A-E116-9941-8BCB-58EC54DB536B}" type="datetimeFigureOut">
               <a:rPr lang="en-US" smtClean="0"/>
-              <a:t>12/26/25</a:t>
+              <a:t>12/27/25</a:t>
             </a:fld>
             <a:endParaRPr lang="en-US"/>
           </a:p>
@@ -1160,13 +3598,7 @@
       </p:sp>
       <p:sp>
         <p:nvSpPr>
-          <p:cNvPr id="5" name="Footer Placeholder 4">
-            <a:extLst>
-              <a:ext uri="{FF2B5EF4-FFF2-40B4-BE49-F238E27FC236}">
-                <a16:creationId xmlns:a16="http://schemas.microsoft.com/office/drawing/2014/main" id="{085433C3-B233-8AF7-FA74-E1C4B0D53F24}"/>
-              </a:ext>
-            </a:extLst>
-          </p:cNvPr>
+          <p:cNvPr id="5" name="Footer Placeholder 4"/>
           <p:cNvSpPr>
             <a:spLocks noGrp="1"/>
           </p:cNvSpPr>
@@ -1185,13 +3617,7 @@
       </p:sp>
       <p:sp>
         <p:nvSpPr>
-          <p:cNvPr id="6" name="Slide Number Placeholder 5">
-            <a:extLst>
-              <a:ext uri="{FF2B5EF4-FFF2-40B4-BE49-F238E27FC236}">
-                <a16:creationId xmlns:a16="http://schemas.microsoft.com/office/drawing/2014/main" id="{AD95C87D-C265-9875-6867-092E79A681B1}"/>
-              </a:ext>
-            </a:extLst>
-          </p:cNvPr>
+          <p:cNvPr id="6" name="Slide Number Placeholder 5"/>
           <p:cNvSpPr>
             <a:spLocks noGrp="1"/>
           </p:cNvSpPr>
@@ -1215,7 +3641,7 @@
     </p:spTree>
     <p:extLst>
       <p:ext uri="{BB962C8B-B14F-4D97-AF65-F5344CB8AC3E}">
-        <p14:creationId xmlns:p14="http://schemas.microsoft.com/office/powerpoint/2010/main" val="3848293046"/>
+        <p14:creationId xmlns:p14="http://schemas.microsoft.com/office/powerpoint/2010/main" val="1956633706"/>
       </p:ext>
     </p:extLst>
   </p:cSld>
@@ -1242,15 +3668,39 @@
           <a:chExt cx="0" cy="0"/>
         </a:xfrm>
       </p:grpSpPr>
-      <p:sp>
-        <p:nvSpPr>
-          <p:cNvPr id="2" name="Title 1">
+      <p:pic>
+        <p:nvPicPr>
+          <p:cNvPr id="8" name="Picture 7" descr="Celestia-R1---OverlayContentHD.png"/>
+          <p:cNvPicPr>
+            <a:picLocks noChangeAspect="1"/>
+          </p:cNvPicPr>
+          <p:nvPr/>
+        </p:nvPicPr>
+        <p:blipFill>
+          <a:blip r:embed="rId2">
             <a:extLst>
-              <a:ext uri="{FF2B5EF4-FFF2-40B4-BE49-F238E27FC236}">
-                <a16:creationId xmlns:a16="http://schemas.microsoft.com/office/drawing/2014/main" id="{FB45DB04-0739-4F33-D65D-D7B2FD3FAE91}"/>
+              <a:ext uri="{28A0092B-C50C-407E-A947-70E740481C1C}">
+                <a14:useLocalDpi xmlns:a14="http://schemas.microsoft.com/office/drawing/2010/main" val="0"/>
               </a:ext>
             </a:extLst>
-          </p:cNvPr>
+          </a:blip>
+          <a:stretch>
+            <a:fillRect/>
+          </a:stretch>
+        </p:blipFill>
+        <p:spPr>
+          <a:xfrm>
+            <a:off x="0" y="0"/>
+            <a:ext cx="12188825" cy="6856214"/>
+          </a:xfrm>
+          <a:prstGeom prst="rect">
+            <a:avLst/>
+          </a:prstGeom>
+        </p:spPr>
+      </p:pic>
+      <p:sp>
+        <p:nvSpPr>
+          <p:cNvPr id="2" name="Title 1"/>
           <p:cNvSpPr>
             <a:spLocks noGrp="1"/>
           </p:cNvSpPr>
@@ -1267,19 +3717,13 @@
               <a:rPr lang="en-GB"/>
               <a:t>Click to edit Master title style</a:t>
             </a:r>
-            <a:endParaRPr lang="en-US"/>
-          </a:p>
-        </p:txBody>
-      </p:sp>
-      <p:sp>
-        <p:nvSpPr>
-          <p:cNvPr id="3" name="Content Placeholder 2">
-            <a:extLst>
-              <a:ext uri="{FF2B5EF4-FFF2-40B4-BE49-F238E27FC236}">
-                <a16:creationId xmlns:a16="http://schemas.microsoft.com/office/drawing/2014/main" id="{AA2BCD8D-2C8B-A4C9-10C5-181C531E8B12}"/>
-              </a:ext>
-            </a:extLst>
-          </p:cNvPr>
+            <a:endParaRPr lang="en-US" dirty="0"/>
+          </a:p>
+        </p:txBody>
+      </p:sp>
+      <p:sp>
+        <p:nvSpPr>
+          <p:cNvPr id="3" name="Content Placeholder 2"/>
           <p:cNvSpPr>
             <a:spLocks noGrp="1"/>
           </p:cNvSpPr>
@@ -1289,12 +3733,14 @@
         </p:nvSpPr>
         <p:spPr>
           <a:xfrm>
-            <a:off x="838200" y="1825625"/>
-            <a:ext cx="5181600" cy="4351338"/>
-          </a:xfrm>
-        </p:spPr>
-        <p:txBody>
-          <a:bodyPr/>
+            <a:off x="685802" y="2142067"/>
+            <a:ext cx="4995334" cy="3649134"/>
+          </a:xfrm>
+        </p:spPr>
+        <p:txBody>
+          <a:bodyPr>
+            <a:normAutofit/>
+          </a:bodyPr>
           <a:lstStyle/>
           <a:p>
             <a:pPr lvl="0"/>
@@ -1330,19 +3776,13 @@
               <a:rPr lang="en-GB"/>
               <a:t>Fifth level</a:t>
             </a:r>
-            <a:endParaRPr lang="en-US"/>
-          </a:p>
-        </p:txBody>
-      </p:sp>
-      <p:sp>
-        <p:nvSpPr>
-          <p:cNvPr id="4" name="Content Placeholder 3">
-            <a:extLst>
-              <a:ext uri="{FF2B5EF4-FFF2-40B4-BE49-F238E27FC236}">
-                <a16:creationId xmlns:a16="http://schemas.microsoft.com/office/drawing/2014/main" id="{A27BAC20-24DF-9459-DCE6-475A0183DEE2}"/>
-              </a:ext>
-            </a:extLst>
-          </p:cNvPr>
+            <a:endParaRPr lang="en-US" dirty="0"/>
+          </a:p>
+        </p:txBody>
+      </p:sp>
+      <p:sp>
+        <p:nvSpPr>
+          <p:cNvPr id="4" name="Content Placeholder 3"/>
           <p:cNvSpPr>
             <a:spLocks noGrp="1"/>
           </p:cNvSpPr>
@@ -1352,12 +3792,14 @@
         </p:nvSpPr>
         <p:spPr>
           <a:xfrm>
-            <a:off x="6172200" y="1825625"/>
-            <a:ext cx="5181600" cy="4351338"/>
-          </a:xfrm>
-        </p:spPr>
-        <p:txBody>
-          <a:bodyPr/>
+            <a:off x="5821895" y="2142067"/>
+            <a:ext cx="4995332" cy="3649133"/>
+          </a:xfrm>
+        </p:spPr>
+        <p:txBody>
+          <a:bodyPr>
+            <a:normAutofit/>
+          </a:bodyPr>
           <a:lstStyle/>
           <a:p>
             <a:pPr lvl="0"/>
@@ -1393,19 +3835,13 @@
               <a:rPr lang="en-GB"/>
               <a:t>Fifth level</a:t>
             </a:r>
-            <a:endParaRPr lang="en-US"/>
-          </a:p>
-        </p:txBody>
-      </p:sp>
-      <p:sp>
-        <p:nvSpPr>
-          <p:cNvPr id="5" name="Date Placeholder 4">
-            <a:extLst>
-              <a:ext uri="{FF2B5EF4-FFF2-40B4-BE49-F238E27FC236}">
-                <a16:creationId xmlns:a16="http://schemas.microsoft.com/office/drawing/2014/main" id="{DBC3BE43-4936-69F2-0379-A6BC65CDDAC8}"/>
-              </a:ext>
-            </a:extLst>
-          </p:cNvPr>
+            <a:endParaRPr lang="en-US" dirty="0"/>
+          </a:p>
+        </p:txBody>
+      </p:sp>
+      <p:sp>
+        <p:nvSpPr>
+          <p:cNvPr id="5" name="Date Placeholder 4"/>
           <p:cNvSpPr>
             <a:spLocks noGrp="1"/>
           </p:cNvSpPr>
@@ -1420,7 +3856,7 @@
           <a:p>
             <a:fld id="{6E31F35A-E116-9941-8BCB-58EC54DB536B}" type="datetimeFigureOut">
               <a:rPr lang="en-US" smtClean="0"/>
-              <a:t>12/26/25</a:t>
+              <a:t>12/27/25</a:t>
             </a:fld>
             <a:endParaRPr lang="en-US"/>
           </a:p>
@@ -1428,13 +3864,7 @@
       </p:sp>
       <p:sp>
         <p:nvSpPr>
-          <p:cNvPr id="6" name="Footer Placeholder 5">
-            <a:extLst>
-              <a:ext uri="{FF2B5EF4-FFF2-40B4-BE49-F238E27FC236}">
-                <a16:creationId xmlns:a16="http://schemas.microsoft.com/office/drawing/2014/main" id="{6A70E81A-75E6-3807-6009-96BCEF7249EF}"/>
-              </a:ext>
-            </a:extLst>
-          </p:cNvPr>
+          <p:cNvPr id="6" name="Footer Placeholder 5"/>
           <p:cNvSpPr>
             <a:spLocks noGrp="1"/>
           </p:cNvSpPr>
@@ -1453,13 +3883,7 @@
       </p:sp>
       <p:sp>
         <p:nvSpPr>
-          <p:cNvPr id="7" name="Slide Number Placeholder 6">
-            <a:extLst>
-              <a:ext uri="{FF2B5EF4-FFF2-40B4-BE49-F238E27FC236}">
-                <a16:creationId xmlns:a16="http://schemas.microsoft.com/office/drawing/2014/main" id="{91D38454-0EBA-3F4D-4A52-790EB09687DC}"/>
-              </a:ext>
-            </a:extLst>
-          </p:cNvPr>
+          <p:cNvPr id="7" name="Slide Number Placeholder 6"/>
           <p:cNvSpPr>
             <a:spLocks noGrp="1"/>
           </p:cNvSpPr>
@@ -1483,7 +3907,7 @@
     </p:spTree>
     <p:extLst>
       <p:ext uri="{BB962C8B-B14F-4D97-AF65-F5344CB8AC3E}">
-        <p14:creationId xmlns:p14="http://schemas.microsoft.com/office/powerpoint/2010/main" val="773691982"/>
+        <p14:creationId xmlns:p14="http://schemas.microsoft.com/office/powerpoint/2010/main" val="4067199267"/>
       </p:ext>
     </p:extLst>
   </p:cSld>
@@ -1512,13 +3936,7 @@
       </p:grpSpPr>
       <p:sp>
         <p:nvSpPr>
-          <p:cNvPr id="2" name="Title 1">
-            <a:extLst>
-              <a:ext uri="{FF2B5EF4-FFF2-40B4-BE49-F238E27FC236}">
-                <a16:creationId xmlns:a16="http://schemas.microsoft.com/office/drawing/2014/main" id="{C5D5AF81-5990-A0FC-617D-1843E5783474}"/>
-              </a:ext>
-            </a:extLst>
-          </p:cNvPr>
+          <p:cNvPr id="2" name="Title 1"/>
           <p:cNvSpPr>
             <a:spLocks noGrp="1"/>
           </p:cNvSpPr>
@@ -1526,33 +3944,26 @@
             <p:ph type="title"/>
           </p:nvPr>
         </p:nvSpPr>
-        <p:spPr>
-          <a:xfrm>
-            <a:off x="839788" y="365125"/>
-            <a:ext cx="10515600" cy="1325563"/>
-          </a:xfrm>
-        </p:spPr>
+        <p:spPr/>
         <p:txBody>
           <a:bodyPr/>
-          <a:lstStyle/>
+          <a:lstStyle>
+            <a:lvl1pPr>
+              <a:defRPr/>
+            </a:lvl1pPr>
+          </a:lstStyle>
           <a:p>
             <a:r>
               <a:rPr lang="en-GB"/>
               <a:t>Click to edit Master title style</a:t>
             </a:r>
-            <a:endParaRPr lang="en-US"/>
-          </a:p>
-        </p:txBody>
-      </p:sp>
-      <p:sp>
-        <p:nvSpPr>
-          <p:cNvPr id="3" name="Text Placeholder 2">
-            <a:extLst>
-              <a:ext uri="{FF2B5EF4-FFF2-40B4-BE49-F238E27FC236}">
-                <a16:creationId xmlns:a16="http://schemas.microsoft.com/office/drawing/2014/main" id="{C8D0791E-6FE9-9CFF-F7AD-D3DE80E2A802}"/>
-              </a:ext>
-            </a:extLst>
-          </p:cNvPr>
+            <a:endParaRPr lang="en-US" dirty="0"/>
+          </a:p>
+        </p:txBody>
+      </p:sp>
+      <p:sp>
+        <p:nvSpPr>
+          <p:cNvPr id="3" name="Text Placeholder 2"/>
           <p:cNvSpPr>
             <a:spLocks noGrp="1"/>
           </p:cNvSpPr>
@@ -1562,16 +3973,18 @@
         </p:nvSpPr>
         <p:spPr>
           <a:xfrm>
-            <a:off x="839788" y="1681163"/>
-            <a:ext cx="5157787" cy="823912"/>
-          </a:xfrm>
-        </p:spPr>
-        <p:txBody>
-          <a:bodyPr anchor="b"/>
+            <a:off x="973670" y="2218267"/>
+            <a:ext cx="4709054" cy="576262"/>
+          </a:xfrm>
+        </p:spPr>
+        <p:txBody>
+          <a:bodyPr anchor="b">
+            <a:noAutofit/>
+          </a:bodyPr>
           <a:lstStyle>
             <a:lvl1pPr marL="0" indent="0">
               <a:buNone/>
-              <a:defRPr sz="2400" b="1"/>
+              <a:defRPr sz="2800" b="0"/>
             </a:lvl1pPr>
             <a:lvl2pPr marL="457200" indent="0">
               <a:buNone/>
@@ -1617,13 +4030,7 @@
       </p:sp>
       <p:sp>
         <p:nvSpPr>
-          <p:cNvPr id="4" name="Content Placeholder 3">
-            <a:extLst>
-              <a:ext uri="{FF2B5EF4-FFF2-40B4-BE49-F238E27FC236}">
-                <a16:creationId xmlns:a16="http://schemas.microsoft.com/office/drawing/2014/main" id="{803C814B-F2D2-A0D5-876E-EFD31BE0748B}"/>
-              </a:ext>
-            </a:extLst>
-          </p:cNvPr>
+          <p:cNvPr id="4" name="Content Placeholder 3"/>
           <p:cNvSpPr>
             <a:spLocks noGrp="1"/>
           </p:cNvSpPr>
@@ -1633,12 +4040,14 @@
         </p:nvSpPr>
         <p:spPr>
           <a:xfrm>
-            <a:off x="839788" y="2505075"/>
-            <a:ext cx="5157787" cy="3684588"/>
-          </a:xfrm>
-        </p:spPr>
-        <p:txBody>
-          <a:bodyPr/>
+            <a:off x="685801" y="2870201"/>
+            <a:ext cx="4996923" cy="2920998"/>
+          </a:xfrm>
+        </p:spPr>
+        <p:txBody>
+          <a:bodyPr anchor="t">
+            <a:normAutofit/>
+          </a:bodyPr>
           <a:lstStyle/>
           <a:p>
             <a:pPr lvl="0"/>
@@ -1674,19 +4083,13 @@
               <a:rPr lang="en-GB"/>
               <a:t>Fifth level</a:t>
             </a:r>
-            <a:endParaRPr lang="en-US"/>
-          </a:p>
-        </p:txBody>
-      </p:sp>
-      <p:sp>
-        <p:nvSpPr>
-          <p:cNvPr id="5" name="Text Placeholder 4">
-            <a:extLst>
-              <a:ext uri="{FF2B5EF4-FFF2-40B4-BE49-F238E27FC236}">
-                <a16:creationId xmlns:a16="http://schemas.microsoft.com/office/drawing/2014/main" id="{FA8853A6-A113-7BC0-8AA3-DF0E5A754699}"/>
-              </a:ext>
-            </a:extLst>
-          </p:cNvPr>
+            <a:endParaRPr lang="en-US" dirty="0"/>
+          </a:p>
+        </p:txBody>
+      </p:sp>
+      <p:sp>
+        <p:nvSpPr>
+          <p:cNvPr id="5" name="Text Placeholder 4"/>
           <p:cNvSpPr>
             <a:spLocks noGrp="1"/>
           </p:cNvSpPr>
@@ -1696,16 +4099,18 @@
         </p:nvSpPr>
         <p:spPr>
           <a:xfrm>
-            <a:off x="6172200" y="1681163"/>
-            <a:ext cx="5183188" cy="823912"/>
-          </a:xfrm>
-        </p:spPr>
-        <p:txBody>
-          <a:bodyPr anchor="b"/>
+            <a:off x="6096003" y="2226734"/>
+            <a:ext cx="4722813" cy="576262"/>
+          </a:xfrm>
+        </p:spPr>
+        <p:txBody>
+          <a:bodyPr anchor="b">
+            <a:noAutofit/>
+          </a:bodyPr>
           <a:lstStyle>
             <a:lvl1pPr marL="0" indent="0">
               <a:buNone/>
-              <a:defRPr sz="2400" b="1"/>
+              <a:defRPr sz="2800" b="0"/>
             </a:lvl1pPr>
             <a:lvl2pPr marL="457200" indent="0">
               <a:buNone/>
@@ -1751,13 +4156,7 @@
       </p:sp>
       <p:sp>
         <p:nvSpPr>
-          <p:cNvPr id="6" name="Content Placeholder 5">
-            <a:extLst>
-              <a:ext uri="{FF2B5EF4-FFF2-40B4-BE49-F238E27FC236}">
-                <a16:creationId xmlns:a16="http://schemas.microsoft.com/office/drawing/2014/main" id="{877278E4-E8E2-6B29-E515-022106792CCA}"/>
-              </a:ext>
-            </a:extLst>
-          </p:cNvPr>
+          <p:cNvPr id="6" name="Content Placeholder 5"/>
           <p:cNvSpPr>
             <a:spLocks noGrp="1"/>
           </p:cNvSpPr>
@@ -1767,12 +4166,14 @@
         </p:nvSpPr>
         <p:spPr>
           <a:xfrm>
-            <a:off x="6172200" y="2505075"/>
-            <a:ext cx="5183188" cy="3684588"/>
-          </a:xfrm>
-        </p:spPr>
-        <p:txBody>
-          <a:bodyPr/>
+            <a:off x="5823483" y="2870201"/>
+            <a:ext cx="4995334" cy="2920998"/>
+          </a:xfrm>
+        </p:spPr>
+        <p:txBody>
+          <a:bodyPr anchor="t">
+            <a:normAutofit/>
+          </a:bodyPr>
           <a:lstStyle/>
           <a:p>
             <a:pPr lvl="0"/>
@@ -1808,19 +4209,13 @@
               <a:rPr lang="en-GB"/>
               <a:t>Fifth level</a:t>
             </a:r>
-            <a:endParaRPr lang="en-US"/>
-          </a:p>
-        </p:txBody>
-      </p:sp>
-      <p:sp>
-        <p:nvSpPr>
-          <p:cNvPr id="7" name="Date Placeholder 6">
-            <a:extLst>
-              <a:ext uri="{FF2B5EF4-FFF2-40B4-BE49-F238E27FC236}">
-                <a16:creationId xmlns:a16="http://schemas.microsoft.com/office/drawing/2014/main" id="{9DD92249-4DCD-A409-BCDE-496837D7D819}"/>
-              </a:ext>
-            </a:extLst>
-          </p:cNvPr>
+            <a:endParaRPr lang="en-US" dirty="0"/>
+          </a:p>
+        </p:txBody>
+      </p:sp>
+      <p:sp>
+        <p:nvSpPr>
+          <p:cNvPr id="7" name="Date Placeholder 6"/>
           <p:cNvSpPr>
             <a:spLocks noGrp="1"/>
           </p:cNvSpPr>
@@ -1835,7 +4230,7 @@
           <a:p>
             <a:fld id="{6E31F35A-E116-9941-8BCB-58EC54DB536B}" type="datetimeFigureOut">
               <a:rPr lang="en-US" smtClean="0"/>
-              <a:t>12/26/25</a:t>
+              <a:t>12/27/25</a:t>
             </a:fld>
             <a:endParaRPr lang="en-US"/>
           </a:p>
@@ -1843,13 +4238,7 @@
       </p:sp>
       <p:sp>
         <p:nvSpPr>
-          <p:cNvPr id="8" name="Footer Placeholder 7">
-            <a:extLst>
-              <a:ext uri="{FF2B5EF4-FFF2-40B4-BE49-F238E27FC236}">
-                <a16:creationId xmlns:a16="http://schemas.microsoft.com/office/drawing/2014/main" id="{23A1909D-C1FF-E361-FEF3-436CDD3BF156}"/>
-              </a:ext>
-            </a:extLst>
-          </p:cNvPr>
+          <p:cNvPr id="8" name="Footer Placeholder 7"/>
           <p:cNvSpPr>
             <a:spLocks noGrp="1"/>
           </p:cNvSpPr>
@@ -1868,13 +4257,7 @@
       </p:sp>
       <p:sp>
         <p:nvSpPr>
-          <p:cNvPr id="9" name="Slide Number Placeholder 8">
-            <a:extLst>
-              <a:ext uri="{FF2B5EF4-FFF2-40B4-BE49-F238E27FC236}">
-                <a16:creationId xmlns:a16="http://schemas.microsoft.com/office/drawing/2014/main" id="{F4ECCE6A-97CF-F164-E71D-41BCD66D93A8}"/>
-              </a:ext>
-            </a:extLst>
-          </p:cNvPr>
+          <p:cNvPr id="9" name="Slide Number Placeholder 8"/>
           <p:cNvSpPr>
             <a:spLocks noGrp="1"/>
           </p:cNvSpPr>
@@ -1898,7 +4281,7 @@
     </p:spTree>
     <p:extLst>
       <p:ext uri="{BB962C8B-B14F-4D97-AF65-F5344CB8AC3E}">
-        <p14:creationId xmlns:p14="http://schemas.microsoft.com/office/powerpoint/2010/main" val="917664819"/>
+        <p14:creationId xmlns:p14="http://schemas.microsoft.com/office/powerpoint/2010/main" val="3998098057"/>
       </p:ext>
     </p:extLst>
   </p:cSld>
@@ -1925,15 +4308,39 @@
           <a:chExt cx="0" cy="0"/>
         </a:xfrm>
       </p:grpSpPr>
-      <p:sp>
-        <p:nvSpPr>
-          <p:cNvPr id="2" name="Title 1">
+      <p:pic>
+        <p:nvPicPr>
+          <p:cNvPr id="6" name="Picture 5" descr="Celestia-R1---OverlayContentHD.png"/>
+          <p:cNvPicPr>
+            <a:picLocks noChangeAspect="1"/>
+          </p:cNvPicPr>
+          <p:nvPr/>
+        </p:nvPicPr>
+        <p:blipFill>
+          <a:blip r:embed="rId2">
             <a:extLst>
-              <a:ext uri="{FF2B5EF4-FFF2-40B4-BE49-F238E27FC236}">
-                <a16:creationId xmlns:a16="http://schemas.microsoft.com/office/drawing/2014/main" id="{0BE3E313-89F0-D5EC-B365-67B6A6CC99FD}"/>
+              <a:ext uri="{28A0092B-C50C-407E-A947-70E740481C1C}">
+                <a14:useLocalDpi xmlns:a14="http://schemas.microsoft.com/office/drawing/2010/main" val="0"/>
               </a:ext>
             </a:extLst>
-          </p:cNvPr>
+          </a:blip>
+          <a:stretch>
+            <a:fillRect/>
+          </a:stretch>
+        </p:blipFill>
+        <p:spPr>
+          <a:xfrm>
+            <a:off x="0" y="0"/>
+            <a:ext cx="12188825" cy="6856214"/>
+          </a:xfrm>
+          <a:prstGeom prst="rect">
+            <a:avLst/>
+          </a:prstGeom>
+        </p:spPr>
+      </p:pic>
+      <p:sp>
+        <p:nvSpPr>
+          <p:cNvPr id="2" name="Title 1"/>
           <p:cNvSpPr>
             <a:spLocks noGrp="1"/>
           </p:cNvSpPr>
@@ -1950,19 +4357,13 @@
               <a:rPr lang="en-GB"/>
               <a:t>Click to edit Master title style</a:t>
             </a:r>
-            <a:endParaRPr lang="en-US"/>
-          </a:p>
-        </p:txBody>
-      </p:sp>
-      <p:sp>
-        <p:nvSpPr>
-          <p:cNvPr id="3" name="Date Placeholder 2">
-            <a:extLst>
-              <a:ext uri="{FF2B5EF4-FFF2-40B4-BE49-F238E27FC236}">
-                <a16:creationId xmlns:a16="http://schemas.microsoft.com/office/drawing/2014/main" id="{84B87DAD-D0E4-A9DA-95C2-6B1D16D01633}"/>
-              </a:ext>
-            </a:extLst>
-          </p:cNvPr>
+            <a:endParaRPr lang="en-US" dirty="0"/>
+          </a:p>
+        </p:txBody>
+      </p:sp>
+      <p:sp>
+        <p:nvSpPr>
+          <p:cNvPr id="3" name="Date Placeholder 2"/>
           <p:cNvSpPr>
             <a:spLocks noGrp="1"/>
           </p:cNvSpPr>
@@ -1977,7 +4378,7 @@
           <a:p>
             <a:fld id="{6E31F35A-E116-9941-8BCB-58EC54DB536B}" type="datetimeFigureOut">
               <a:rPr lang="en-US" smtClean="0"/>
-              <a:t>12/26/25</a:t>
+              <a:t>12/27/25</a:t>
             </a:fld>
             <a:endParaRPr lang="en-US"/>
           </a:p>
@@ -1985,13 +4386,7 @@
       </p:sp>
       <p:sp>
         <p:nvSpPr>
-          <p:cNvPr id="4" name="Footer Placeholder 3">
-            <a:extLst>
-              <a:ext uri="{FF2B5EF4-FFF2-40B4-BE49-F238E27FC236}">
-                <a16:creationId xmlns:a16="http://schemas.microsoft.com/office/drawing/2014/main" id="{72F3A520-CBC6-A1BC-64D0-B5D51FEF17C8}"/>
-              </a:ext>
-            </a:extLst>
-          </p:cNvPr>
+          <p:cNvPr id="4" name="Footer Placeholder 3"/>
           <p:cNvSpPr>
             <a:spLocks noGrp="1"/>
           </p:cNvSpPr>
@@ -2010,13 +4405,7 @@
       </p:sp>
       <p:sp>
         <p:nvSpPr>
-          <p:cNvPr id="5" name="Slide Number Placeholder 4">
-            <a:extLst>
-              <a:ext uri="{FF2B5EF4-FFF2-40B4-BE49-F238E27FC236}">
-                <a16:creationId xmlns:a16="http://schemas.microsoft.com/office/drawing/2014/main" id="{121E5FE8-6DE1-EB17-C990-DCAF7017F4A8}"/>
-              </a:ext>
-            </a:extLst>
-          </p:cNvPr>
+          <p:cNvPr id="5" name="Slide Number Placeholder 4"/>
           <p:cNvSpPr>
             <a:spLocks noGrp="1"/>
           </p:cNvSpPr>
@@ -2040,7 +4429,7 @@
     </p:spTree>
     <p:extLst>
       <p:ext uri="{BB962C8B-B14F-4D97-AF65-F5344CB8AC3E}">
-        <p14:creationId xmlns:p14="http://schemas.microsoft.com/office/powerpoint/2010/main" val="4146258230"/>
+        <p14:creationId xmlns:p14="http://schemas.microsoft.com/office/powerpoint/2010/main" val="2072020545"/>
       </p:ext>
     </p:extLst>
   </p:cSld>
@@ -2067,15 +4456,39 @@
           <a:chExt cx="0" cy="0"/>
         </a:xfrm>
       </p:grpSpPr>
-      <p:sp>
-        <p:nvSpPr>
-          <p:cNvPr id="2" name="Date Placeholder 1">
+      <p:pic>
+        <p:nvPicPr>
+          <p:cNvPr id="5" name="Picture 4" descr="Celestia-R1---OverlayContentHD.png"/>
+          <p:cNvPicPr>
+            <a:picLocks noChangeAspect="1"/>
+          </p:cNvPicPr>
+          <p:nvPr/>
+        </p:nvPicPr>
+        <p:blipFill>
+          <a:blip r:embed="rId2">
             <a:extLst>
-              <a:ext uri="{FF2B5EF4-FFF2-40B4-BE49-F238E27FC236}">
-                <a16:creationId xmlns:a16="http://schemas.microsoft.com/office/drawing/2014/main" id="{D03B0110-34D1-1A9E-15B2-9962415D09E5}"/>
+              <a:ext uri="{28A0092B-C50C-407E-A947-70E740481C1C}">
+                <a14:useLocalDpi xmlns:a14="http://schemas.microsoft.com/office/drawing/2010/main" val="0"/>
               </a:ext>
             </a:extLst>
-          </p:cNvPr>
+          </a:blip>
+          <a:stretch>
+            <a:fillRect/>
+          </a:stretch>
+        </p:blipFill>
+        <p:spPr>
+          <a:xfrm>
+            <a:off x="0" y="0"/>
+            <a:ext cx="12188825" cy="6856214"/>
+          </a:xfrm>
+          <a:prstGeom prst="rect">
+            <a:avLst/>
+          </a:prstGeom>
+        </p:spPr>
+      </p:pic>
+      <p:sp>
+        <p:nvSpPr>
+          <p:cNvPr id="2" name="Date Placeholder 1"/>
           <p:cNvSpPr>
             <a:spLocks noGrp="1"/>
           </p:cNvSpPr>
@@ -2090,7 +4503,7 @@
           <a:p>
             <a:fld id="{6E31F35A-E116-9941-8BCB-58EC54DB536B}" type="datetimeFigureOut">
               <a:rPr lang="en-US" smtClean="0"/>
-              <a:t>12/26/25</a:t>
+              <a:t>12/27/25</a:t>
             </a:fld>
             <a:endParaRPr lang="en-US"/>
           </a:p>
@@ -2098,13 +4511,7 @@
       </p:sp>
       <p:sp>
         <p:nvSpPr>
-          <p:cNvPr id="3" name="Footer Placeholder 2">
-            <a:extLst>
-              <a:ext uri="{FF2B5EF4-FFF2-40B4-BE49-F238E27FC236}">
-                <a16:creationId xmlns:a16="http://schemas.microsoft.com/office/drawing/2014/main" id="{36B98C94-8C02-8E89-8A88-EF2DEA67AB04}"/>
-              </a:ext>
-            </a:extLst>
-          </p:cNvPr>
+          <p:cNvPr id="3" name="Footer Placeholder 2"/>
           <p:cNvSpPr>
             <a:spLocks noGrp="1"/>
           </p:cNvSpPr>
@@ -2123,13 +4530,7 @@
       </p:sp>
       <p:sp>
         <p:nvSpPr>
-          <p:cNvPr id="4" name="Slide Number Placeholder 3">
-            <a:extLst>
-              <a:ext uri="{FF2B5EF4-FFF2-40B4-BE49-F238E27FC236}">
-                <a16:creationId xmlns:a16="http://schemas.microsoft.com/office/drawing/2014/main" id="{51495D42-DEEC-6539-5275-5FFFF9E437DD}"/>
-              </a:ext>
-            </a:extLst>
-          </p:cNvPr>
+          <p:cNvPr id="4" name="Slide Number Placeholder 3"/>
           <p:cNvSpPr>
             <a:spLocks noGrp="1"/>
           </p:cNvSpPr>
@@ -2153,7 +4554,7 @@
     </p:spTree>
     <p:extLst>
       <p:ext uri="{BB962C8B-B14F-4D97-AF65-F5344CB8AC3E}">
-        <p14:creationId xmlns:p14="http://schemas.microsoft.com/office/powerpoint/2010/main" val="958073109"/>
+        <p14:creationId xmlns:p14="http://schemas.microsoft.com/office/powerpoint/2010/main" val="2841721521"/>
       </p:ext>
     </p:extLst>
   </p:cSld>
@@ -2180,15 +4581,39 @@
           <a:chExt cx="0" cy="0"/>
         </a:xfrm>
       </p:grpSpPr>
-      <p:sp>
-        <p:nvSpPr>
-          <p:cNvPr id="2" name="Title 1">
+      <p:pic>
+        <p:nvPicPr>
+          <p:cNvPr id="8" name="Picture 7" descr="Celestia-R1---OverlayContentHD.png"/>
+          <p:cNvPicPr>
+            <a:picLocks noChangeAspect="1"/>
+          </p:cNvPicPr>
+          <p:nvPr/>
+        </p:nvPicPr>
+        <p:blipFill>
+          <a:blip r:embed="rId2">
             <a:extLst>
-              <a:ext uri="{FF2B5EF4-FFF2-40B4-BE49-F238E27FC236}">
-                <a16:creationId xmlns:a16="http://schemas.microsoft.com/office/drawing/2014/main" id="{0585ADC5-512A-2337-3C41-220E8BFD0324}"/>
+              <a:ext uri="{28A0092B-C50C-407E-A947-70E740481C1C}">
+                <a14:useLocalDpi xmlns:a14="http://schemas.microsoft.com/office/drawing/2010/main" val="0"/>
               </a:ext>
             </a:extLst>
-          </p:cNvPr>
+          </a:blip>
+          <a:stretch>
+            <a:fillRect/>
+          </a:stretch>
+        </p:blipFill>
+        <p:spPr>
+          <a:xfrm>
+            <a:off x="0" y="0"/>
+            <a:ext cx="12188825" cy="6856214"/>
+          </a:xfrm>
+          <a:prstGeom prst="rect">
+            <a:avLst/>
+          </a:prstGeom>
+        </p:spPr>
+      </p:pic>
+      <p:sp>
+        <p:nvSpPr>
+          <p:cNvPr id="2" name="Title 1"/>
           <p:cNvSpPr>
             <a:spLocks noGrp="1"/>
           </p:cNvSpPr>
@@ -2198,15 +4623,17 @@
         </p:nvSpPr>
         <p:spPr>
           <a:xfrm>
-            <a:off x="839788" y="457200"/>
-            <a:ext cx="3932237" cy="1600200"/>
-          </a:xfrm>
-        </p:spPr>
-        <p:txBody>
-          <a:bodyPr anchor="b"/>
+            <a:off x="685800" y="2074333"/>
+            <a:ext cx="3680885" cy="1371600"/>
+          </a:xfrm>
+        </p:spPr>
+        <p:txBody>
+          <a:bodyPr anchor="b">
+            <a:normAutofit/>
+          </a:bodyPr>
           <a:lstStyle>
-            <a:lvl1pPr>
-              <a:defRPr sz="3200"/>
+            <a:lvl1pPr algn="l">
+              <a:defRPr sz="2400" b="0"/>
             </a:lvl1pPr>
           </a:lstStyle>
           <a:p>
@@ -2214,19 +4641,13 @@
               <a:rPr lang="en-GB"/>
               <a:t>Click to edit Master title style</a:t>
             </a:r>
-            <a:endParaRPr lang="en-US"/>
-          </a:p>
-        </p:txBody>
-      </p:sp>
-      <p:sp>
-        <p:nvSpPr>
-          <p:cNvPr id="3" name="Content Placeholder 2">
-            <a:extLst>
-              <a:ext uri="{FF2B5EF4-FFF2-40B4-BE49-F238E27FC236}">
-                <a16:creationId xmlns:a16="http://schemas.microsoft.com/office/drawing/2014/main" id="{3BBDB234-9717-9884-0B04-19B5DA81B06C}"/>
-              </a:ext>
-            </a:extLst>
-          </p:cNvPr>
+            <a:endParaRPr lang="en-US" dirty="0"/>
+          </a:p>
+        </p:txBody>
+      </p:sp>
+      <p:sp>
+        <p:nvSpPr>
+          <p:cNvPr id="3" name="Content Placeholder 2"/>
           <p:cNvSpPr>
             <a:spLocks noGrp="1"/>
           </p:cNvSpPr>
@@ -2236,41 +4657,15 @@
         </p:nvSpPr>
         <p:spPr>
           <a:xfrm>
-            <a:off x="5183188" y="987425"/>
-            <a:ext cx="6172200" cy="4873625"/>
-          </a:xfrm>
-        </p:spPr>
-        <p:txBody>
-          <a:bodyPr/>
-          <a:lstStyle>
-            <a:lvl1pPr>
-              <a:defRPr sz="3200"/>
-            </a:lvl1pPr>
-            <a:lvl2pPr>
-              <a:defRPr sz="2800"/>
-            </a:lvl2pPr>
-            <a:lvl3pPr>
-              <a:defRPr sz="2400"/>
-            </a:lvl3pPr>
-            <a:lvl4pPr>
-              <a:defRPr sz="2000"/>
-            </a:lvl4pPr>
-            <a:lvl5pPr>
-              <a:defRPr sz="2000"/>
-            </a:lvl5pPr>
-            <a:lvl6pPr>
-              <a:defRPr sz="2000"/>
-            </a:lvl6pPr>
-            <a:lvl7pPr>
-              <a:defRPr sz="2000"/>
-            </a:lvl7pPr>
-            <a:lvl8pPr>
-              <a:defRPr sz="2000"/>
-            </a:lvl8pPr>
-            <a:lvl9pPr>
-              <a:defRPr sz="2000"/>
-            </a:lvl9pPr>
-          </a:lstStyle>
+            <a:off x="4648201" y="609601"/>
+            <a:ext cx="6169026" cy="5181600"/>
+          </a:xfrm>
+        </p:spPr>
+        <p:txBody>
+          <a:bodyPr anchor="ctr">
+            <a:normAutofit/>
+          </a:bodyPr>
+          <a:lstStyle/>
           <a:p>
             <a:pPr lvl="0"/>
             <a:r>
@@ -2305,19 +4700,13 @@
               <a:rPr lang="en-GB"/>
               <a:t>Fifth level</a:t>
             </a:r>
-            <a:endParaRPr lang="en-US"/>
-          </a:p>
-        </p:txBody>
-      </p:sp>
-      <p:sp>
-        <p:nvSpPr>
-          <p:cNvPr id="4" name="Text Placeholder 3">
-            <a:extLst>
-              <a:ext uri="{FF2B5EF4-FFF2-40B4-BE49-F238E27FC236}">
-                <a16:creationId xmlns:a16="http://schemas.microsoft.com/office/drawing/2014/main" id="{660BDB81-31E0-ED42-CB03-E4A5D032C710}"/>
-              </a:ext>
-            </a:extLst>
-          </p:cNvPr>
+            <a:endParaRPr lang="en-US" dirty="0"/>
+          </a:p>
+        </p:txBody>
+      </p:sp>
+      <p:sp>
+        <p:nvSpPr>
+          <p:cNvPr id="4" name="Text Placeholder 3"/>
           <p:cNvSpPr>
             <a:spLocks noGrp="1"/>
           </p:cNvSpPr>
@@ -2327,12 +4716,14 @@
         </p:nvSpPr>
         <p:spPr>
           <a:xfrm>
-            <a:off x="839788" y="2057400"/>
-            <a:ext cx="3932237" cy="3811588"/>
-          </a:xfrm>
-        </p:spPr>
-        <p:txBody>
-          <a:bodyPr/>
+            <a:off x="685800" y="3445933"/>
+            <a:ext cx="3680885" cy="1828800"/>
+          </a:xfrm>
+        </p:spPr>
+        <p:txBody>
+          <a:bodyPr anchor="t">
+            <a:normAutofit/>
+          </a:bodyPr>
           <a:lstStyle>
             <a:lvl1pPr marL="0" indent="0">
               <a:buNone/>
@@ -2340,35 +4731,35 @@
             </a:lvl1pPr>
             <a:lvl2pPr marL="457200" indent="0">
               <a:buNone/>
-              <a:defRPr sz="1400"/>
+              <a:defRPr sz="1200"/>
             </a:lvl2pPr>
             <a:lvl3pPr marL="914400" indent="0">
               <a:buNone/>
-              <a:defRPr sz="1200"/>
+              <a:defRPr sz="1000"/>
             </a:lvl3pPr>
             <a:lvl4pPr marL="1371600" indent="0">
               <a:buNone/>
-              <a:defRPr sz="1000"/>
+              <a:defRPr sz="900"/>
             </a:lvl4pPr>
             <a:lvl5pPr marL="1828800" indent="0">
               <a:buNone/>
-              <a:defRPr sz="1000"/>
+              <a:defRPr sz="900"/>
             </a:lvl5pPr>
             <a:lvl6pPr marL="2286000" indent="0">
               <a:buNone/>
-              <a:defRPr sz="1000"/>
+              <a:defRPr sz="900"/>
             </a:lvl6pPr>
             <a:lvl7pPr marL="2743200" indent="0">
               <a:buNone/>
-              <a:defRPr sz="1000"/>
+              <a:defRPr sz="900"/>
             </a:lvl7pPr>
             <a:lvl8pPr marL="3200400" indent="0">
               <a:buNone/>
-              <a:defRPr sz="1000"/>
+              <a:defRPr sz="900"/>
             </a:lvl8pPr>
             <a:lvl9pPr marL="3657600" indent="0">
               <a:buNone/>
-              <a:defRPr sz="1000"/>
+              <a:defRPr sz="900"/>
             </a:lvl9pPr>
           </a:lstStyle>
           <a:p>
@@ -2382,13 +4773,7 @@
       </p:sp>
       <p:sp>
         <p:nvSpPr>
-          <p:cNvPr id="5" name="Date Placeholder 4">
-            <a:extLst>
-              <a:ext uri="{FF2B5EF4-FFF2-40B4-BE49-F238E27FC236}">
-                <a16:creationId xmlns:a16="http://schemas.microsoft.com/office/drawing/2014/main" id="{9CD80D8C-2951-BA6B-1F12-B662C3D0F80A}"/>
-              </a:ext>
-            </a:extLst>
-          </p:cNvPr>
+          <p:cNvPr id="5" name="Date Placeholder 4"/>
           <p:cNvSpPr>
             <a:spLocks noGrp="1"/>
           </p:cNvSpPr>
@@ -2403,7 +4788,7 @@
           <a:p>
             <a:fld id="{6E31F35A-E116-9941-8BCB-58EC54DB536B}" type="datetimeFigureOut">
               <a:rPr lang="en-US" smtClean="0"/>
-              <a:t>12/26/25</a:t>
+              <a:t>12/27/25</a:t>
             </a:fld>
             <a:endParaRPr lang="en-US"/>
           </a:p>
@@ -2411,13 +4796,7 @@
       </p:sp>
       <p:sp>
         <p:nvSpPr>
-          <p:cNvPr id="6" name="Footer Placeholder 5">
-            <a:extLst>
-              <a:ext uri="{FF2B5EF4-FFF2-40B4-BE49-F238E27FC236}">
-                <a16:creationId xmlns:a16="http://schemas.microsoft.com/office/drawing/2014/main" id="{90ADECC3-E95B-E926-F818-A23A5EF1BC51}"/>
-              </a:ext>
-            </a:extLst>
-          </p:cNvPr>
+          <p:cNvPr id="6" name="Footer Placeholder 5"/>
           <p:cNvSpPr>
             <a:spLocks noGrp="1"/>
           </p:cNvSpPr>
@@ -2436,13 +4815,7 @@
       </p:sp>
       <p:sp>
         <p:nvSpPr>
-          <p:cNvPr id="7" name="Slide Number Placeholder 6">
-            <a:extLst>
-              <a:ext uri="{FF2B5EF4-FFF2-40B4-BE49-F238E27FC236}">
-                <a16:creationId xmlns:a16="http://schemas.microsoft.com/office/drawing/2014/main" id="{CD51BF17-F242-DF12-7522-E18F18ED5BCF}"/>
-              </a:ext>
-            </a:extLst>
-          </p:cNvPr>
+          <p:cNvPr id="7" name="Slide Number Placeholder 6"/>
           <p:cNvSpPr>
             <a:spLocks noGrp="1"/>
           </p:cNvSpPr>
@@ -2466,7 +4839,7 @@
     </p:spTree>
     <p:extLst>
       <p:ext uri="{BB962C8B-B14F-4D97-AF65-F5344CB8AC3E}">
-        <p14:creationId xmlns:p14="http://schemas.microsoft.com/office/powerpoint/2010/main" val="1071183265"/>
+        <p14:creationId xmlns:p14="http://schemas.microsoft.com/office/powerpoint/2010/main" val="1027947899"/>
       </p:ext>
     </p:extLst>
   </p:cSld>
@@ -2493,15 +4866,39 @@
           <a:chExt cx="0" cy="0"/>
         </a:xfrm>
       </p:grpSpPr>
-      <p:sp>
-        <p:nvSpPr>
-          <p:cNvPr id="2" name="Title 1">
+      <p:pic>
+        <p:nvPicPr>
+          <p:cNvPr id="8" name="Picture 7" descr="Celestia-R1---OverlayContentHD.png"/>
+          <p:cNvPicPr>
+            <a:picLocks noChangeAspect="1"/>
+          </p:cNvPicPr>
+          <p:nvPr/>
+        </p:nvPicPr>
+        <p:blipFill>
+          <a:blip r:embed="rId2">
             <a:extLst>
-              <a:ext uri="{FF2B5EF4-FFF2-40B4-BE49-F238E27FC236}">
-                <a16:creationId xmlns:a16="http://schemas.microsoft.com/office/drawing/2014/main" id="{21EE861D-68B5-B856-11FA-2D24F7678989}"/>
+              <a:ext uri="{28A0092B-C50C-407E-A947-70E740481C1C}">
+                <a14:useLocalDpi xmlns:a14="http://schemas.microsoft.com/office/drawing/2010/main" val="0"/>
               </a:ext>
             </a:extLst>
-          </p:cNvPr>
+          </a:blip>
+          <a:stretch>
+            <a:fillRect/>
+          </a:stretch>
+        </p:blipFill>
+        <p:spPr>
+          <a:xfrm>
+            <a:off x="0" y="0"/>
+            <a:ext cx="12188825" cy="6856214"/>
+          </a:xfrm>
+          <a:prstGeom prst="rect">
+            <a:avLst/>
+          </a:prstGeom>
+        </p:spPr>
+      </p:pic>
+      <p:sp>
+        <p:nvSpPr>
+          <p:cNvPr id="2" name="Title 1"/>
           <p:cNvSpPr>
             <a:spLocks noGrp="1"/>
           </p:cNvSpPr>
@@ -2511,15 +4908,17 @@
         </p:nvSpPr>
         <p:spPr>
           <a:xfrm>
-            <a:off x="839788" y="457200"/>
-            <a:ext cx="3932237" cy="1600200"/>
-          </a:xfrm>
-        </p:spPr>
-        <p:txBody>
-          <a:bodyPr anchor="b"/>
+            <a:off x="685800" y="1600200"/>
+            <a:ext cx="6164653" cy="1371600"/>
+          </a:xfrm>
+        </p:spPr>
+        <p:txBody>
+          <a:bodyPr anchor="b">
+            <a:normAutofit/>
+          </a:bodyPr>
           <a:lstStyle>
-            <a:lvl1pPr>
-              <a:defRPr sz="3200"/>
+            <a:lvl1pPr algn="l">
+              <a:defRPr sz="2800" b="0"/>
             </a:lvl1pPr>
           </a:lstStyle>
           <a:p>
@@ -2527,21 +4926,15 @@
               <a:rPr lang="en-GB"/>
               <a:t>Click to edit Master title style</a:t>
             </a:r>
-            <a:endParaRPr lang="en-US"/>
-          </a:p>
-        </p:txBody>
-      </p:sp>
-      <p:sp>
-        <p:nvSpPr>
-          <p:cNvPr id="3" name="Picture Placeholder 2">
-            <a:extLst>
-              <a:ext uri="{FF2B5EF4-FFF2-40B4-BE49-F238E27FC236}">
-                <a16:creationId xmlns:a16="http://schemas.microsoft.com/office/drawing/2014/main" id="{EF1305ED-7CEA-C7C4-12F8-8B26B55BE18C}"/>
-              </a:ext>
-            </a:extLst>
-          </p:cNvPr>
-          <p:cNvSpPr>
-            <a:spLocks noGrp="1"/>
+            <a:endParaRPr lang="en-US" dirty="0"/>
+          </a:p>
+        </p:txBody>
+      </p:sp>
+      <p:sp>
+        <p:nvSpPr>
+          <p:cNvPr id="14" name="Picture Placeholder 2"/>
+          <p:cNvSpPr>
+            <a:spLocks noGrp="1" noChangeAspect="1"/>
           </p:cNvSpPr>
           <p:nvPr>
             <p:ph type="pic" idx="1"/>
@@ -2549,118 +4942,151 @@
         </p:nvSpPr>
         <p:spPr>
           <a:xfrm>
-            <a:off x="5183188" y="987425"/>
-            <a:ext cx="6172200" cy="4873625"/>
-          </a:xfrm>
-        </p:spPr>
-        <p:txBody>
-          <a:bodyPr/>
+            <a:off x="7536253" y="914400"/>
+            <a:ext cx="3280974" cy="4572000"/>
+          </a:xfrm>
+          <a:prstGeom prst="roundRect">
+            <a:avLst>
+              <a:gd name="adj" fmla="val 4280"/>
+            </a:avLst>
+          </a:prstGeom>
+          <a:ln w="50800" cap="sq" cmpd="dbl">
+            <a:gradFill flip="none" rotWithShape="1">
+              <a:gsLst>
+                <a:gs pos="0">
+                  <a:srgbClr val="FFFFFF"/>
+                </a:gs>
+                <a:gs pos="100000">
+                  <a:schemeClr val="tx1">
+                    <a:alpha val="0"/>
+                  </a:schemeClr>
+                </a:gs>
+              </a:gsLst>
+              <a:path path="circle">
+                <a:fillToRect l="50000" t="50000" r="50000" b="50000"/>
+              </a:path>
+              <a:tileRect/>
+            </a:gradFill>
+            <a:miter lim="800000"/>
+          </a:ln>
+          <a:effectLst>
+            <a:outerShdw blurRad="254000" algn="tl" rotWithShape="0">
+              <a:srgbClr val="000000">
+                <a:alpha val="43000"/>
+              </a:srgbClr>
+            </a:outerShdw>
+          </a:effectLst>
+        </p:spPr>
+        <p:txBody>
+          <a:bodyPr anchor="t">
+            <a:normAutofit/>
+          </a:bodyPr>
           <a:lstStyle>
-            <a:lvl1pPr marL="0" indent="0">
-              <a:buNone/>
-              <a:defRPr sz="3200"/>
-            </a:lvl1pPr>
-            <a:lvl2pPr marL="457200" indent="0">
-              <a:buNone/>
-              <a:defRPr sz="2800"/>
-            </a:lvl2pPr>
-            <a:lvl3pPr marL="914400" indent="0">
-              <a:buNone/>
-              <a:defRPr sz="2400"/>
-            </a:lvl3pPr>
-            <a:lvl4pPr marL="1371600" indent="0">
-              <a:buNone/>
-              <a:defRPr sz="2000"/>
-            </a:lvl4pPr>
-            <a:lvl5pPr marL="1828800" indent="0">
-              <a:buNone/>
-              <a:defRPr sz="2000"/>
-            </a:lvl5pPr>
-            <a:lvl6pPr marL="2286000" indent="0">
-              <a:buNone/>
-              <a:defRPr sz="2000"/>
-            </a:lvl6pPr>
-            <a:lvl7pPr marL="2743200" indent="0">
-              <a:buNone/>
-              <a:defRPr sz="2000"/>
-            </a:lvl7pPr>
-            <a:lvl8pPr marL="3200400" indent="0">
-              <a:buNone/>
-              <a:defRPr sz="2000"/>
-            </a:lvl8pPr>
-            <a:lvl9pPr marL="3657600" indent="0">
-              <a:buNone/>
-              <a:defRPr sz="2000"/>
-            </a:lvl9pPr>
-          </a:lstStyle>
-          <a:p>
-            <a:endParaRPr lang="en-US"/>
-          </a:p>
-        </p:txBody>
-      </p:sp>
-      <p:sp>
-        <p:nvSpPr>
-          <p:cNvPr id="4" name="Text Placeholder 3">
-            <a:extLst>
-              <a:ext uri="{FF2B5EF4-FFF2-40B4-BE49-F238E27FC236}">
-                <a16:creationId xmlns:a16="http://schemas.microsoft.com/office/drawing/2014/main" id="{0CAB6959-AB8D-66E1-3636-2ACC85C92F9B}"/>
-              </a:ext>
-            </a:extLst>
-          </p:cNvPr>
-          <p:cNvSpPr>
-            <a:spLocks noGrp="1"/>
-          </p:cNvSpPr>
-          <p:nvPr>
-            <p:ph type="body" sz="half" idx="2"/>
-          </p:nvPr>
-        </p:nvSpPr>
-        <p:spPr>
-          <a:xfrm>
-            <a:off x="839788" y="2057400"/>
-            <a:ext cx="3932237" cy="3811588"/>
-          </a:xfrm>
-        </p:spPr>
-        <p:txBody>
-          <a:bodyPr/>
-          <a:lstStyle>
-            <a:lvl1pPr marL="0" indent="0">
+            <a:lvl1pPr marL="0" indent="0" algn="ctr">
               <a:buNone/>
               <a:defRPr sz="1600"/>
             </a:lvl1pPr>
             <a:lvl2pPr marL="457200" indent="0">
               <a:buNone/>
-              <a:defRPr sz="1400"/>
+              <a:defRPr sz="1600"/>
             </a:lvl2pPr>
             <a:lvl3pPr marL="914400" indent="0">
               <a:buNone/>
-              <a:defRPr sz="1200"/>
+              <a:defRPr sz="1600"/>
             </a:lvl3pPr>
             <a:lvl4pPr marL="1371600" indent="0">
               <a:buNone/>
-              <a:defRPr sz="1000"/>
+              <a:defRPr sz="1600"/>
             </a:lvl4pPr>
             <a:lvl5pPr marL="1828800" indent="0">
               <a:buNone/>
-              <a:defRPr sz="1000"/>
+              <a:defRPr sz="1600"/>
             </a:lvl5pPr>
             <a:lvl6pPr marL="2286000" indent="0">
               <a:buNone/>
-              <a:defRPr sz="1000"/>
+              <a:defRPr sz="1600"/>
             </a:lvl6pPr>
             <a:lvl7pPr marL="2743200" indent="0">
               <a:buNone/>
-              <a:defRPr sz="1000"/>
+              <a:defRPr sz="1600"/>
             </a:lvl7pPr>
             <a:lvl8pPr marL="3200400" indent="0">
               <a:buNone/>
-              <a:defRPr sz="1000"/>
+              <a:defRPr sz="1600"/>
             </a:lvl8pPr>
             <a:lvl9pPr marL="3657600" indent="0">
               <a:buNone/>
-              <a:defRPr sz="1000"/>
+              <a:defRPr sz="1600"/>
             </a:lvl9pPr>
           </a:lstStyle>
           <a:p>
+            <a:r>
+              <a:rPr lang="en-GB"/>
+              <a:t>Click icon to add picture</a:t>
+            </a:r>
+            <a:endParaRPr lang="en-US" dirty="0"/>
+          </a:p>
+        </p:txBody>
+      </p:sp>
+      <p:sp>
+        <p:nvSpPr>
+          <p:cNvPr id="4" name="Text Placeholder 3"/>
+          <p:cNvSpPr>
+            <a:spLocks noGrp="1"/>
+          </p:cNvSpPr>
+          <p:nvPr>
+            <p:ph type="body" sz="half" idx="2"/>
+          </p:nvPr>
+        </p:nvSpPr>
+        <p:spPr>
+          <a:xfrm>
+            <a:off x="685800" y="2971800"/>
+            <a:ext cx="6164653" cy="1828800"/>
+          </a:xfrm>
+        </p:spPr>
+        <p:txBody>
+          <a:bodyPr anchor="t">
+            <a:normAutofit/>
+          </a:bodyPr>
+          <a:lstStyle>
+            <a:lvl1pPr marL="0" indent="0">
+              <a:buNone/>
+              <a:defRPr sz="1800"/>
+            </a:lvl1pPr>
+            <a:lvl2pPr marL="457200" indent="0">
+              <a:buNone/>
+              <a:defRPr sz="1200"/>
+            </a:lvl2pPr>
+            <a:lvl3pPr marL="914400" indent="0">
+              <a:buNone/>
+              <a:defRPr sz="1000"/>
+            </a:lvl3pPr>
+            <a:lvl4pPr marL="1371600" indent="0">
+              <a:buNone/>
+              <a:defRPr sz="900"/>
+            </a:lvl4pPr>
+            <a:lvl5pPr marL="1828800" indent="0">
+              <a:buNone/>
+              <a:defRPr sz="900"/>
+            </a:lvl5pPr>
+            <a:lvl6pPr marL="2286000" indent="0">
+              <a:buNone/>
+              <a:defRPr sz="900"/>
+            </a:lvl6pPr>
+            <a:lvl7pPr marL="2743200" indent="0">
+              <a:buNone/>
+              <a:defRPr sz="900"/>
+            </a:lvl7pPr>
+            <a:lvl8pPr marL="3200400" indent="0">
+              <a:buNone/>
+              <a:defRPr sz="900"/>
+            </a:lvl8pPr>
+            <a:lvl9pPr marL="3657600" indent="0">
+              <a:buNone/>
+              <a:defRPr sz="900"/>
+            </a:lvl9pPr>
+          </a:lstStyle>
+          <a:p>
             <a:pPr lvl="0"/>
             <a:r>
               <a:rPr lang="en-GB"/>
@@ -2671,13 +5097,7 @@
       </p:sp>
       <p:sp>
         <p:nvSpPr>
-          <p:cNvPr id="5" name="Date Placeholder 4">
-            <a:extLst>
-              <a:ext uri="{FF2B5EF4-FFF2-40B4-BE49-F238E27FC236}">
-                <a16:creationId xmlns:a16="http://schemas.microsoft.com/office/drawing/2014/main" id="{9F6EF939-2C4E-8626-4010-4AC4D83CC642}"/>
-              </a:ext>
-            </a:extLst>
-          </p:cNvPr>
+          <p:cNvPr id="5" name="Date Placeholder 4"/>
           <p:cNvSpPr>
             <a:spLocks noGrp="1"/>
           </p:cNvSpPr>
@@ -2692,7 +5112,7 @@
           <a:p>
             <a:fld id="{6E31F35A-E116-9941-8BCB-58EC54DB536B}" type="datetimeFigureOut">
               <a:rPr lang="en-US" smtClean="0"/>
-              <a:t>12/26/25</a:t>
+              <a:t>12/27/25</a:t>
             </a:fld>
             <a:endParaRPr lang="en-US"/>
           </a:p>
@@ -2700,13 +5120,7 @@
       </p:sp>
       <p:sp>
         <p:nvSpPr>
-          <p:cNvPr id="6" name="Footer Placeholder 5">
-            <a:extLst>
-              <a:ext uri="{FF2B5EF4-FFF2-40B4-BE49-F238E27FC236}">
-                <a16:creationId xmlns:a16="http://schemas.microsoft.com/office/drawing/2014/main" id="{6E77B62A-306F-97D6-2425-61F9434CAC79}"/>
-              </a:ext>
-            </a:extLst>
-          </p:cNvPr>
+          <p:cNvPr id="6" name="Footer Placeholder 5"/>
           <p:cNvSpPr>
             <a:spLocks noGrp="1"/>
           </p:cNvSpPr>
@@ -2719,19 +5133,13 @@
           <a:bodyPr/>
           <a:lstStyle/>
           <a:p>
-            <a:endParaRPr lang="en-US"/>
-          </a:p>
-        </p:txBody>
-      </p:sp>
-      <p:sp>
-        <p:nvSpPr>
-          <p:cNvPr id="7" name="Slide Number Placeholder 6">
-            <a:extLst>
-              <a:ext uri="{FF2B5EF4-FFF2-40B4-BE49-F238E27FC236}">
-                <a16:creationId xmlns:a16="http://schemas.microsoft.com/office/drawing/2014/main" id="{E7415C97-F0D1-66E8-E11B-0505B699F3AB}"/>
-              </a:ext>
-            </a:extLst>
-          </p:cNvPr>
+            <a:endParaRPr lang="en-US" dirty="0"/>
+          </a:p>
+        </p:txBody>
+      </p:sp>
+      <p:sp>
+        <p:nvSpPr>
+          <p:cNvPr id="7" name="Slide Number Placeholder 6"/>
           <p:cNvSpPr>
             <a:spLocks noGrp="1"/>
           </p:cNvSpPr>
@@ -2755,7 +5163,7 @@
     </p:spTree>
     <p:extLst>
       <p:ext uri="{BB962C8B-B14F-4D97-AF65-F5344CB8AC3E}">
-        <p14:creationId xmlns:p14="http://schemas.microsoft.com/office/powerpoint/2010/main" val="2980194390"/>
+        <p14:creationId xmlns:p14="http://schemas.microsoft.com/office/powerpoint/2010/main" val="1442038134"/>
       </p:ext>
     </p:extLst>
   </p:cSld>
@@ -2769,8 +5177,8 @@
 <p:sldMaster xmlns:a="http://schemas.openxmlformats.org/drawingml/2006/main" xmlns:r="http://schemas.openxmlformats.org/officeDocument/2006/relationships" xmlns:p="http://schemas.openxmlformats.org/presentationml/2006/main">
   <p:cSld>
     <p:bg>
-      <p:bgRef idx="1001">
-        <a:schemeClr val="bg1"/>
+      <p:bgRef idx="1003">
+        <a:schemeClr val="bg2"/>
       </p:bgRef>
     </p:bg>
     <p:spTree>
@@ -2789,13 +5197,7 @@
       </p:grpSpPr>
       <p:sp>
         <p:nvSpPr>
-          <p:cNvPr id="2" name="Title Placeholder 1">
-            <a:extLst>
-              <a:ext uri="{FF2B5EF4-FFF2-40B4-BE49-F238E27FC236}">
-                <a16:creationId xmlns:a16="http://schemas.microsoft.com/office/drawing/2014/main" id="{8A009AE3-95F6-3504-F92F-BC0E456480FA}"/>
-              </a:ext>
-            </a:extLst>
-          </p:cNvPr>
+          <p:cNvPr id="2" name="Title Placeholder 1"/>
           <p:cNvSpPr>
             <a:spLocks noGrp="1"/>
           </p:cNvSpPr>
@@ -2805,12 +5207,13 @@
         </p:nvSpPr>
         <p:spPr>
           <a:xfrm>
-            <a:off x="838200" y="365125"/>
-            <a:ext cx="10515600" cy="1325563"/>
+            <a:off x="685801" y="609600"/>
+            <a:ext cx="10131425" cy="1456267"/>
           </a:xfrm>
           <a:prstGeom prst="rect">
             <a:avLst/>
           </a:prstGeom>
+          <a:effectLst/>
         </p:spPr>
         <p:txBody>
           <a:bodyPr vert="horz" lIns="91440" tIns="45720" rIns="91440" bIns="45720" rtlCol="0" anchor="ctr">
@@ -2822,19 +5225,13 @@
               <a:rPr lang="en-GB"/>
               <a:t>Click to edit Master title style</a:t>
             </a:r>
-            <a:endParaRPr lang="en-US"/>
-          </a:p>
-        </p:txBody>
-      </p:sp>
-      <p:sp>
-        <p:nvSpPr>
-          <p:cNvPr id="3" name="Text Placeholder 2">
-            <a:extLst>
-              <a:ext uri="{FF2B5EF4-FFF2-40B4-BE49-F238E27FC236}">
-                <a16:creationId xmlns:a16="http://schemas.microsoft.com/office/drawing/2014/main" id="{E680B505-C31B-8595-11A4-53180A162C85}"/>
-              </a:ext>
-            </a:extLst>
-          </p:cNvPr>
+            <a:endParaRPr lang="en-US" dirty="0"/>
+          </a:p>
+        </p:txBody>
+      </p:sp>
+      <p:sp>
+        <p:nvSpPr>
+          <p:cNvPr id="3" name="Text Placeholder 2"/>
           <p:cNvSpPr>
             <a:spLocks noGrp="1"/>
           </p:cNvSpPr>
@@ -2844,15 +5241,15 @@
         </p:nvSpPr>
         <p:spPr>
           <a:xfrm>
-            <a:off x="838200" y="1825625"/>
-            <a:ext cx="10515600" cy="4351338"/>
+            <a:off x="685801" y="2142067"/>
+            <a:ext cx="10131425" cy="3649133"/>
           </a:xfrm>
           <a:prstGeom prst="rect">
             <a:avLst/>
           </a:prstGeom>
         </p:spPr>
         <p:txBody>
-          <a:bodyPr vert="horz" lIns="91440" tIns="45720" rIns="91440" bIns="45720" rtlCol="0">
+          <a:bodyPr vert="horz" lIns="91440" tIns="45720" rIns="91440" bIns="45720" rtlCol="0" anchor="ctr">
             <a:normAutofit/>
           </a:bodyPr>
           <a:lstStyle/>
@@ -2890,19 +5287,13 @@
               <a:rPr lang="en-GB"/>
               <a:t>Fifth level</a:t>
             </a:r>
-            <a:endParaRPr lang="en-US"/>
-          </a:p>
-        </p:txBody>
-      </p:sp>
-      <p:sp>
-        <p:nvSpPr>
-          <p:cNvPr id="4" name="Date Placeholder 3">
-            <a:extLst>
-              <a:ext uri="{FF2B5EF4-FFF2-40B4-BE49-F238E27FC236}">
-                <a16:creationId xmlns:a16="http://schemas.microsoft.com/office/drawing/2014/main" id="{B2DDF6A0-6B3F-313A-17F8-F9AA3BBC0B10}"/>
-              </a:ext>
-            </a:extLst>
-          </p:cNvPr>
+            <a:endParaRPr lang="en-US" dirty="0"/>
+          </a:p>
+        </p:txBody>
+      </p:sp>
+      <p:sp>
+        <p:nvSpPr>
+          <p:cNvPr id="4" name="Date Placeholder 3"/>
           <p:cNvSpPr>
             <a:spLocks noGrp="1"/>
           </p:cNvSpPr>
@@ -2912,8 +5303,8 @@
         </p:nvSpPr>
         <p:spPr>
           <a:xfrm>
-            <a:off x="838200" y="6356350"/>
-            <a:ext cx="2743200" cy="365125"/>
+            <a:off x="8589660" y="5870575"/>
+            <a:ext cx="1600200" cy="377825"/>
           </a:xfrm>
           <a:prstGeom prst="rect">
             <a:avLst/>
@@ -2922,20 +5313,20 @@
         <p:txBody>
           <a:bodyPr vert="horz" lIns="91440" tIns="45720" rIns="91440" bIns="45720" rtlCol="0" anchor="ctr"/>
           <a:lstStyle>
-            <a:lvl1pPr algn="l">
-              <a:defRPr sz="1200">
-                <a:solidFill>
-                  <a:schemeClr val="tx1">
-                    <a:tint val="82000"/>
-                  </a:schemeClr>
-                </a:solidFill>
+            <a:lvl1pPr algn="r">
+              <a:defRPr sz="1000" b="0" i="0">
+                <a:solidFill>
+                  <a:schemeClr val="tx1"/>
+                </a:solidFill>
+                <a:effectLst/>
+                <a:latin typeface="+mn-lt"/>
               </a:defRPr>
             </a:lvl1pPr>
           </a:lstStyle>
           <a:p>
             <a:fld id="{6E31F35A-E116-9941-8BCB-58EC54DB536B}" type="datetimeFigureOut">
               <a:rPr lang="en-US" smtClean="0"/>
-              <a:t>12/26/25</a:t>
+              <a:t>12/27/25</a:t>
             </a:fld>
             <a:endParaRPr lang="en-US"/>
           </a:p>
@@ -2943,13 +5334,7 @@
       </p:sp>
       <p:sp>
         <p:nvSpPr>
-          <p:cNvPr id="5" name="Footer Placeholder 4">
-            <a:extLst>
-              <a:ext uri="{FF2B5EF4-FFF2-40B4-BE49-F238E27FC236}">
-                <a16:creationId xmlns:a16="http://schemas.microsoft.com/office/drawing/2014/main" id="{CE1AE0C1-7756-C253-6494-F26BB81C6352}"/>
-              </a:ext>
-            </a:extLst>
-          </p:cNvPr>
+          <p:cNvPr id="5" name="Footer Placeholder 4"/>
           <p:cNvSpPr>
             <a:spLocks noGrp="1"/>
           </p:cNvSpPr>
@@ -2959,8 +5344,8 @@
         </p:nvSpPr>
         <p:spPr>
           <a:xfrm>
-            <a:off x="4038600" y="6356350"/>
-            <a:ext cx="4114800" cy="365125"/>
+            <a:off x="685800" y="5870575"/>
+            <a:ext cx="7827659" cy="377825"/>
           </a:xfrm>
           <a:prstGeom prst="rect">
             <a:avLst/>
@@ -2969,13 +5354,13 @@
         <p:txBody>
           <a:bodyPr vert="horz" lIns="91440" tIns="45720" rIns="91440" bIns="45720" rtlCol="0" anchor="ctr"/>
           <a:lstStyle>
-            <a:lvl1pPr algn="ctr">
-              <a:defRPr sz="1200">
-                <a:solidFill>
-                  <a:schemeClr val="tx1">
-                    <a:tint val="82000"/>
-                  </a:schemeClr>
-                </a:solidFill>
+            <a:lvl1pPr algn="l">
+              <a:defRPr sz="1000" b="0" i="0">
+                <a:solidFill>
+                  <a:schemeClr val="tx1"/>
+                </a:solidFill>
+                <a:effectLst/>
+                <a:latin typeface="+mn-lt"/>
               </a:defRPr>
             </a:lvl1pPr>
           </a:lstStyle>
@@ -2986,13 +5371,7 @@
       </p:sp>
       <p:sp>
         <p:nvSpPr>
-          <p:cNvPr id="6" name="Slide Number Placeholder 5">
-            <a:extLst>
-              <a:ext uri="{FF2B5EF4-FFF2-40B4-BE49-F238E27FC236}">
-                <a16:creationId xmlns:a16="http://schemas.microsoft.com/office/drawing/2014/main" id="{773002A9-4724-ABAC-116A-6B34E12E7CBE}"/>
-              </a:ext>
-            </a:extLst>
-          </p:cNvPr>
+          <p:cNvPr id="6" name="Slide Number Placeholder 5"/>
           <p:cNvSpPr>
             <a:spLocks noGrp="1"/>
           </p:cNvSpPr>
@@ -3002,8 +5381,8 @@
         </p:nvSpPr>
         <p:spPr>
           <a:xfrm>
-            <a:off x="8610600" y="6356350"/>
-            <a:ext cx="2743200" cy="365125"/>
+            <a:off x="10266060" y="5870575"/>
+            <a:ext cx="551167" cy="377825"/>
           </a:xfrm>
           <a:prstGeom prst="rect">
             <a:avLst/>
@@ -3013,12 +5392,12 @@
           <a:bodyPr vert="horz" lIns="91440" tIns="45720" rIns="91440" bIns="45720" rtlCol="0" anchor="ctr"/>
           <a:lstStyle>
             <a:lvl1pPr algn="r">
-              <a:defRPr sz="1200">
-                <a:solidFill>
-                  <a:schemeClr val="tx1">
-                    <a:tint val="82000"/>
-                  </a:schemeClr>
-                </a:solidFill>
+              <a:defRPr sz="1000" b="0" i="0">
+                <a:solidFill>
+                  <a:schemeClr val="tx1"/>
+                </a:solidFill>
+                <a:effectLst/>
+                <a:latin typeface="+mn-lt"/>
               </a:defRPr>
             </a:lvl1pPr>
           </a:lstStyle>
@@ -3034,202 +5413,310 @@
     </p:spTree>
     <p:extLst>
       <p:ext uri="{BB962C8B-B14F-4D97-AF65-F5344CB8AC3E}">
-        <p14:creationId xmlns:p14="http://schemas.microsoft.com/office/powerpoint/2010/main" val="3406656421"/>
+        <p14:creationId xmlns:p14="http://schemas.microsoft.com/office/powerpoint/2010/main" val="266163187"/>
       </p:ext>
     </p:extLst>
   </p:cSld>
-  <p:clrMap bg1="lt1" tx1="dk1" bg2="lt2" tx2="dk2" accent1="accent1" accent2="accent2" accent3="accent3" accent4="accent4" accent5="accent5" accent6="accent6" hlink="hlink" folHlink="folHlink"/>
+  <p:clrMap bg1="dk1" tx1="lt1" bg2="dk2" tx2="lt2" accent1="accent1" accent2="accent2" accent3="accent3" accent4="accent4" accent5="accent5" accent6="accent6" hlink="hlink" folHlink="folHlink"/>
   <p:sldLayoutIdLst>
-    <p:sldLayoutId id="2147483715" r:id="rId1"/>
-    <p:sldLayoutId id="2147483716" r:id="rId2"/>
-    <p:sldLayoutId id="2147483717" r:id="rId3"/>
-    <p:sldLayoutId id="2147483718" r:id="rId4"/>
-    <p:sldLayoutId id="2147483719" r:id="rId5"/>
-    <p:sldLayoutId id="2147483720" r:id="rId6"/>
-    <p:sldLayoutId id="2147483721" r:id="rId7"/>
-    <p:sldLayoutId id="2147483722" r:id="rId8"/>
-    <p:sldLayoutId id="2147483723" r:id="rId9"/>
-    <p:sldLayoutId id="2147483724" r:id="rId10"/>
-    <p:sldLayoutId id="2147483725" r:id="rId11"/>
+    <p:sldLayoutId id="2147483871" r:id="rId1"/>
+    <p:sldLayoutId id="2147483872" r:id="rId2"/>
+    <p:sldLayoutId id="2147483873" r:id="rId3"/>
+    <p:sldLayoutId id="2147483874" r:id="rId4"/>
+    <p:sldLayoutId id="2147483875" r:id="rId5"/>
+    <p:sldLayoutId id="2147483876" r:id="rId6"/>
+    <p:sldLayoutId id="2147483877" r:id="rId7"/>
+    <p:sldLayoutId id="2147483878" r:id="rId8"/>
+    <p:sldLayoutId id="2147483879" r:id="rId9"/>
+    <p:sldLayoutId id="2147483880" r:id="rId10"/>
+    <p:sldLayoutId id="2147483881" r:id="rId11"/>
+    <p:sldLayoutId id="2147483882" r:id="rId12"/>
+    <p:sldLayoutId id="2147483883" r:id="rId13"/>
+    <p:sldLayoutId id="2147483884" r:id="rId14"/>
+    <p:sldLayoutId id="2147483885" r:id="rId15"/>
+    <p:sldLayoutId id="2147483886" r:id="rId16"/>
+    <p:sldLayoutId id="2147483887" r:id="rId17"/>
   </p:sldLayoutIdLst>
   <p:txStyles>
     <p:titleStyle>
-      <a:lvl1pPr algn="l" defTabSz="914400" rtl="0" eaLnBrk="1" latinLnBrk="0" hangingPunct="1">
-        <a:lnSpc>
-          <a:spcPct val="90000"/>
-        </a:lnSpc>
+      <a:lvl1pPr algn="l" defTabSz="457200" rtl="0" eaLnBrk="1" latinLnBrk="0" hangingPunct="1">
         <a:spcBef>
           <a:spcPct val="0"/>
         </a:spcBef>
         <a:buNone/>
-        <a:defRPr sz="4400" kern="1200">
+        <a:defRPr sz="3600" kern="1200" cap="all">
+          <a:ln w="3175" cmpd="sng">
+            <a:noFill/>
+          </a:ln>
           <a:solidFill>
             <a:schemeClr val="tx1"/>
           </a:solidFill>
+          <a:effectLst/>
           <a:latin typeface="+mj-lt"/>
           <a:ea typeface="+mj-ea"/>
           <a:cs typeface="+mj-cs"/>
         </a:defRPr>
       </a:lvl1pPr>
+      <a:lvl2pPr eaLnBrk="1" hangingPunct="1">
+        <a:defRPr>
+          <a:solidFill>
+            <a:schemeClr val="tx2"/>
+          </a:solidFill>
+        </a:defRPr>
+      </a:lvl2pPr>
+      <a:lvl3pPr eaLnBrk="1" hangingPunct="1">
+        <a:defRPr>
+          <a:solidFill>
+            <a:schemeClr val="tx2"/>
+          </a:solidFill>
+        </a:defRPr>
+      </a:lvl3pPr>
+      <a:lvl4pPr eaLnBrk="1" hangingPunct="1">
+        <a:defRPr>
+          <a:solidFill>
+            <a:schemeClr val="tx2"/>
+          </a:solidFill>
+        </a:defRPr>
+      </a:lvl4pPr>
+      <a:lvl5pPr eaLnBrk="1" hangingPunct="1">
+        <a:defRPr>
+          <a:solidFill>
+            <a:schemeClr val="tx2"/>
+          </a:solidFill>
+        </a:defRPr>
+      </a:lvl5pPr>
+      <a:lvl6pPr eaLnBrk="1" hangingPunct="1">
+        <a:defRPr>
+          <a:solidFill>
+            <a:schemeClr val="tx2"/>
+          </a:solidFill>
+        </a:defRPr>
+      </a:lvl6pPr>
+      <a:lvl7pPr eaLnBrk="1" hangingPunct="1">
+        <a:defRPr>
+          <a:solidFill>
+            <a:schemeClr val="tx2"/>
+          </a:solidFill>
+        </a:defRPr>
+      </a:lvl7pPr>
+      <a:lvl8pPr eaLnBrk="1" hangingPunct="1">
+        <a:defRPr>
+          <a:solidFill>
+            <a:schemeClr val="tx2"/>
+          </a:solidFill>
+        </a:defRPr>
+      </a:lvl8pPr>
+      <a:lvl9pPr eaLnBrk="1" hangingPunct="1">
+        <a:defRPr>
+          <a:solidFill>
+            <a:schemeClr val="tx2"/>
+          </a:solidFill>
+        </a:defRPr>
+      </a:lvl9pPr>
     </p:titleStyle>
     <p:bodyStyle>
-      <a:lvl1pPr marL="228600" indent="-228600" algn="l" defTabSz="914400" rtl="0" eaLnBrk="1" latinLnBrk="0" hangingPunct="1">
-        <a:lnSpc>
-          <a:spcPct val="90000"/>
-        </a:lnSpc>
+      <a:lvl1pPr marL="285750" indent="-285750" algn="l" defTabSz="457200" rtl="0" eaLnBrk="1" latinLnBrk="0" hangingPunct="1">
         <a:spcBef>
+          <a:spcPts val="0"/>
+        </a:spcBef>
+        <a:spcAft>
           <a:spcPts val="1000"/>
-        </a:spcBef>
-        <a:buFont typeface="Arial" panose="020B0604020202020204" pitchFamily="34" charset="0"/>
+        </a:spcAft>
+        <a:buClr>
+          <a:schemeClr val="tx1"/>
+        </a:buClr>
+        <a:buSzPct val="100000"/>
+        <a:buFont typeface="Arial"/>
         <a:buChar char="•"/>
-        <a:defRPr sz="2800" kern="1200">
+        <a:defRPr sz="1800" kern="1200" cap="none">
           <a:solidFill>
             <a:schemeClr val="tx1"/>
           </a:solidFill>
+          <a:effectLst/>
           <a:latin typeface="+mn-lt"/>
           <a:ea typeface="+mn-ea"/>
           <a:cs typeface="+mn-cs"/>
         </a:defRPr>
       </a:lvl1pPr>
-      <a:lvl2pPr marL="685800" indent="-228600" algn="l" defTabSz="914400" rtl="0" eaLnBrk="1" latinLnBrk="0" hangingPunct="1">
-        <a:lnSpc>
-          <a:spcPct val="90000"/>
-        </a:lnSpc>
+      <a:lvl2pPr marL="742950" indent="-285750" algn="l" defTabSz="457200" rtl="0" eaLnBrk="1" latinLnBrk="0" hangingPunct="1">
         <a:spcBef>
-          <a:spcPts val="500"/>
+          <a:spcPts val="0"/>
         </a:spcBef>
-        <a:buFont typeface="Arial" panose="020B0604020202020204" pitchFamily="34" charset="0"/>
+        <a:spcAft>
+          <a:spcPts val="1000"/>
+        </a:spcAft>
+        <a:buClr>
+          <a:schemeClr val="tx1"/>
+        </a:buClr>
+        <a:buSzPct val="100000"/>
+        <a:buFont typeface="Arial"/>
         <a:buChar char="•"/>
-        <a:defRPr sz="2400" kern="1200">
+        <a:defRPr sz="1600" kern="1200" cap="none">
           <a:solidFill>
             <a:schemeClr val="tx1"/>
           </a:solidFill>
+          <a:effectLst/>
           <a:latin typeface="+mn-lt"/>
           <a:ea typeface="+mn-ea"/>
           <a:cs typeface="+mn-cs"/>
         </a:defRPr>
       </a:lvl2pPr>
-      <a:lvl3pPr marL="1143000" indent="-228600" algn="l" defTabSz="914400" rtl="0" eaLnBrk="1" latinLnBrk="0" hangingPunct="1">
-        <a:lnSpc>
-          <a:spcPct val="90000"/>
-        </a:lnSpc>
+      <a:lvl3pPr marL="1200150" indent="-285750" algn="l" defTabSz="457200" rtl="0" eaLnBrk="1" latinLnBrk="0" hangingPunct="1">
         <a:spcBef>
-          <a:spcPts val="500"/>
+          <a:spcPts val="0"/>
         </a:spcBef>
-        <a:buFont typeface="Arial" panose="020B0604020202020204" pitchFamily="34" charset="0"/>
+        <a:spcAft>
+          <a:spcPts val="1000"/>
+        </a:spcAft>
+        <a:buClr>
+          <a:schemeClr val="tx1"/>
+        </a:buClr>
+        <a:buSzPct val="100000"/>
+        <a:buFont typeface="Arial"/>
         <a:buChar char="•"/>
-        <a:defRPr sz="2000" kern="1200">
+        <a:defRPr sz="1400" kern="1200" cap="none">
           <a:solidFill>
             <a:schemeClr val="tx1"/>
           </a:solidFill>
+          <a:effectLst/>
           <a:latin typeface="+mn-lt"/>
           <a:ea typeface="+mn-ea"/>
           <a:cs typeface="+mn-cs"/>
         </a:defRPr>
       </a:lvl3pPr>
-      <a:lvl4pPr marL="1600200" indent="-228600" algn="l" defTabSz="914400" rtl="0" eaLnBrk="1" latinLnBrk="0" hangingPunct="1">
-        <a:lnSpc>
-          <a:spcPct val="90000"/>
-        </a:lnSpc>
+      <a:lvl4pPr marL="1543050" indent="-171450" algn="l" defTabSz="457200" rtl="0" eaLnBrk="1" latinLnBrk="0" hangingPunct="1">
         <a:spcBef>
-          <a:spcPts val="500"/>
+          <a:spcPts val="0"/>
         </a:spcBef>
-        <a:buFont typeface="Arial" panose="020B0604020202020204" pitchFamily="34" charset="0"/>
+        <a:spcAft>
+          <a:spcPts val="1000"/>
+        </a:spcAft>
+        <a:buClr>
+          <a:schemeClr val="tx1"/>
+        </a:buClr>
+        <a:buSzPct val="100000"/>
+        <a:buFont typeface="Arial"/>
         <a:buChar char="•"/>
-        <a:defRPr sz="1800" kern="1200">
+        <a:defRPr sz="1200" kern="1200" cap="none">
           <a:solidFill>
             <a:schemeClr val="tx1"/>
           </a:solidFill>
+          <a:effectLst/>
           <a:latin typeface="+mn-lt"/>
           <a:ea typeface="+mn-ea"/>
           <a:cs typeface="+mn-cs"/>
         </a:defRPr>
       </a:lvl4pPr>
-      <a:lvl5pPr marL="2057400" indent="-228600" algn="l" defTabSz="914400" rtl="0" eaLnBrk="1" latinLnBrk="0" hangingPunct="1">
-        <a:lnSpc>
-          <a:spcPct val="90000"/>
-        </a:lnSpc>
+      <a:lvl5pPr marL="2000250" indent="-171450" algn="l" defTabSz="457200" rtl="0" eaLnBrk="1" latinLnBrk="0" hangingPunct="1">
         <a:spcBef>
-          <a:spcPts val="500"/>
+          <a:spcPts val="0"/>
         </a:spcBef>
-        <a:buFont typeface="Arial" panose="020B0604020202020204" pitchFamily="34" charset="0"/>
+        <a:spcAft>
+          <a:spcPts val="1000"/>
+        </a:spcAft>
+        <a:buClr>
+          <a:schemeClr val="tx1"/>
+        </a:buClr>
+        <a:buSzPct val="100000"/>
+        <a:buFont typeface="Arial"/>
         <a:buChar char="•"/>
-        <a:defRPr sz="1800" kern="1200">
+        <a:defRPr sz="1200" kern="1200" cap="none">
           <a:solidFill>
             <a:schemeClr val="tx1"/>
           </a:solidFill>
+          <a:effectLst/>
           <a:latin typeface="+mn-lt"/>
           <a:ea typeface="+mn-ea"/>
           <a:cs typeface="+mn-cs"/>
         </a:defRPr>
       </a:lvl5pPr>
-      <a:lvl6pPr marL="2514600" indent="-228600" algn="l" defTabSz="914400" rtl="0" eaLnBrk="1" latinLnBrk="0" hangingPunct="1">
-        <a:lnSpc>
-          <a:spcPct val="90000"/>
-        </a:lnSpc>
+      <a:lvl6pPr marL="2514600" indent="-228600" algn="l" defTabSz="457200" rtl="0" eaLnBrk="1" latinLnBrk="0" hangingPunct="1">
         <a:spcBef>
-          <a:spcPts val="500"/>
+          <a:spcPts val="0"/>
         </a:spcBef>
-        <a:buFont typeface="Arial" panose="020B0604020202020204" pitchFamily="34" charset="0"/>
+        <a:spcAft>
+          <a:spcPts val="1000"/>
+        </a:spcAft>
+        <a:buClr>
+          <a:schemeClr val="tx1"/>
+        </a:buClr>
+        <a:buSzPct val="100000"/>
+        <a:buFont typeface="Arial"/>
         <a:buChar char="•"/>
-        <a:defRPr sz="1800" kern="1200">
+        <a:defRPr sz="1200" kern="1200" cap="none">
           <a:solidFill>
             <a:schemeClr val="tx1"/>
           </a:solidFill>
+          <a:effectLst/>
           <a:latin typeface="+mn-lt"/>
           <a:ea typeface="+mn-ea"/>
           <a:cs typeface="+mn-cs"/>
         </a:defRPr>
       </a:lvl6pPr>
-      <a:lvl7pPr marL="2971800" indent="-228600" algn="l" defTabSz="914400" rtl="0" eaLnBrk="1" latinLnBrk="0" hangingPunct="1">
-        <a:lnSpc>
-          <a:spcPct val="90000"/>
-        </a:lnSpc>
+      <a:lvl7pPr marL="2971800" indent="-228600" algn="l" defTabSz="457200" rtl="0" eaLnBrk="1" latinLnBrk="0" hangingPunct="1">
         <a:spcBef>
-          <a:spcPts val="500"/>
+          <a:spcPts val="0"/>
         </a:spcBef>
-        <a:buFont typeface="Arial" panose="020B0604020202020204" pitchFamily="34" charset="0"/>
+        <a:spcAft>
+          <a:spcPts val="1000"/>
+        </a:spcAft>
+        <a:buClr>
+          <a:schemeClr val="tx1"/>
+        </a:buClr>
+        <a:buSzPct val="100000"/>
+        <a:buFont typeface="Arial"/>
         <a:buChar char="•"/>
-        <a:defRPr sz="1800" kern="1200">
+        <a:defRPr sz="1200" kern="1200" cap="none">
           <a:solidFill>
             <a:schemeClr val="tx1"/>
           </a:solidFill>
+          <a:effectLst/>
           <a:latin typeface="+mn-lt"/>
           <a:ea typeface="+mn-ea"/>
           <a:cs typeface="+mn-cs"/>
         </a:defRPr>
       </a:lvl7pPr>
-      <a:lvl8pPr marL="3429000" indent="-228600" algn="l" defTabSz="914400" rtl="0" eaLnBrk="1" latinLnBrk="0" hangingPunct="1">
-        <a:lnSpc>
-          <a:spcPct val="90000"/>
-        </a:lnSpc>
+      <a:lvl8pPr marL="3429000" indent="-228600" algn="l" defTabSz="457200" rtl="0" eaLnBrk="1" latinLnBrk="0" hangingPunct="1">
         <a:spcBef>
-          <a:spcPts val="500"/>
+          <a:spcPts val="0"/>
         </a:spcBef>
-        <a:buFont typeface="Arial" panose="020B0604020202020204" pitchFamily="34" charset="0"/>
+        <a:spcAft>
+          <a:spcPts val="1000"/>
+        </a:spcAft>
+        <a:buClr>
+          <a:schemeClr val="tx1"/>
+        </a:buClr>
+        <a:buSzPct val="100000"/>
+        <a:buFont typeface="Arial"/>
         <a:buChar char="•"/>
-        <a:defRPr sz="1800" kern="1200">
+        <a:defRPr sz="1200" kern="1200" cap="none">
           <a:solidFill>
             <a:schemeClr val="tx1"/>
           </a:solidFill>
+          <a:effectLst/>
           <a:latin typeface="+mn-lt"/>
           <a:ea typeface="+mn-ea"/>
           <a:cs typeface="+mn-cs"/>
         </a:defRPr>
       </a:lvl8pPr>
-      <a:lvl9pPr marL="3886200" indent="-228600" algn="l" defTabSz="914400" rtl="0" eaLnBrk="1" latinLnBrk="0" hangingPunct="1">
-        <a:lnSpc>
-          <a:spcPct val="90000"/>
-        </a:lnSpc>
+      <a:lvl9pPr marL="3886200" indent="-228600" algn="l" defTabSz="457200" rtl="0" eaLnBrk="1" latinLnBrk="0" hangingPunct="1">
         <a:spcBef>
-          <a:spcPts val="500"/>
+          <a:spcPts val="0"/>
         </a:spcBef>
-        <a:buFont typeface="Arial" panose="020B0604020202020204" pitchFamily="34" charset="0"/>
+        <a:spcAft>
+          <a:spcPts val="1000"/>
+        </a:spcAft>
+        <a:buClr>
+          <a:schemeClr val="tx1"/>
+        </a:buClr>
+        <a:buSzPct val="100000"/>
+        <a:buFont typeface="Arial"/>
         <a:buChar char="•"/>
-        <a:defRPr sz="1800" kern="1200">
+        <a:defRPr sz="1200" kern="1200" cap="none">
           <a:solidFill>
             <a:schemeClr val="tx1"/>
           </a:solidFill>
+          <a:effectLst/>
           <a:latin typeface="+mn-lt"/>
           <a:ea typeface="+mn-ea"/>
           <a:cs typeface="+mn-cs"/>
@@ -3240,7 +5727,7 @@
       <a:defPPr>
         <a:defRPr lang="en-US"/>
       </a:defPPr>
-      <a:lvl1pPr marL="0" algn="l" defTabSz="914400" rtl="0" eaLnBrk="1" latinLnBrk="0" hangingPunct="1">
+      <a:lvl1pPr marL="0" algn="l" defTabSz="457200" rtl="0" eaLnBrk="1" latinLnBrk="0" hangingPunct="1">
         <a:defRPr sz="1800" kern="1200">
           <a:solidFill>
             <a:schemeClr val="tx1"/>
@@ -3250,7 +5737,7 @@
           <a:cs typeface="+mn-cs"/>
         </a:defRPr>
       </a:lvl1pPr>
-      <a:lvl2pPr marL="457200" algn="l" defTabSz="914400" rtl="0" eaLnBrk="1" latinLnBrk="0" hangingPunct="1">
+      <a:lvl2pPr marL="457200" algn="l" defTabSz="457200" rtl="0" eaLnBrk="1" latinLnBrk="0" hangingPunct="1">
         <a:defRPr sz="1800" kern="1200">
           <a:solidFill>
             <a:schemeClr val="tx1"/>
@@ -3260,7 +5747,7 @@
           <a:cs typeface="+mn-cs"/>
         </a:defRPr>
       </a:lvl2pPr>
-      <a:lvl3pPr marL="914400" algn="l" defTabSz="914400" rtl="0" eaLnBrk="1" latinLnBrk="0" hangingPunct="1">
+      <a:lvl3pPr marL="914400" algn="l" defTabSz="457200" rtl="0" eaLnBrk="1" latinLnBrk="0" hangingPunct="1">
         <a:defRPr sz="1800" kern="1200">
           <a:solidFill>
             <a:schemeClr val="tx1"/>
@@ -3270,7 +5757,7 @@
           <a:cs typeface="+mn-cs"/>
         </a:defRPr>
       </a:lvl3pPr>
-      <a:lvl4pPr marL="1371600" algn="l" defTabSz="914400" rtl="0" eaLnBrk="1" latinLnBrk="0" hangingPunct="1">
+      <a:lvl4pPr marL="1371600" algn="l" defTabSz="457200" rtl="0" eaLnBrk="1" latinLnBrk="0" hangingPunct="1">
         <a:defRPr sz="1800" kern="1200">
           <a:solidFill>
             <a:schemeClr val="tx1"/>
@@ -3280,7 +5767,7 @@
           <a:cs typeface="+mn-cs"/>
         </a:defRPr>
       </a:lvl4pPr>
-      <a:lvl5pPr marL="1828800" algn="l" defTabSz="914400" rtl="0" eaLnBrk="1" latinLnBrk="0" hangingPunct="1">
+      <a:lvl5pPr marL="1828800" algn="l" defTabSz="457200" rtl="0" eaLnBrk="1" latinLnBrk="0" hangingPunct="1">
         <a:defRPr sz="1800" kern="1200">
           <a:solidFill>
             <a:schemeClr val="tx1"/>
@@ -3290,7 +5777,7 @@
           <a:cs typeface="+mn-cs"/>
         </a:defRPr>
       </a:lvl5pPr>
-      <a:lvl6pPr marL="2286000" algn="l" defTabSz="914400" rtl="0" eaLnBrk="1" latinLnBrk="0" hangingPunct="1">
+      <a:lvl6pPr marL="2286000" algn="l" defTabSz="457200" rtl="0" eaLnBrk="1" latinLnBrk="0" hangingPunct="1">
         <a:defRPr sz="1800" kern="1200">
           <a:solidFill>
             <a:schemeClr val="tx1"/>
@@ -3300,7 +5787,7 @@
           <a:cs typeface="+mn-cs"/>
         </a:defRPr>
       </a:lvl6pPr>
-      <a:lvl7pPr marL="2743200" algn="l" defTabSz="914400" rtl="0" eaLnBrk="1" latinLnBrk="0" hangingPunct="1">
+      <a:lvl7pPr marL="2743200" algn="l" defTabSz="457200" rtl="0" eaLnBrk="1" latinLnBrk="0" hangingPunct="1">
         <a:defRPr sz="1800" kern="1200">
           <a:solidFill>
             <a:schemeClr val="tx1"/>
@@ -3310,7 +5797,7 @@
           <a:cs typeface="+mn-cs"/>
         </a:defRPr>
       </a:lvl7pPr>
-      <a:lvl8pPr marL="3200400" algn="l" defTabSz="914400" rtl="0" eaLnBrk="1" latinLnBrk="0" hangingPunct="1">
+      <a:lvl8pPr marL="3200400" algn="l" defTabSz="457200" rtl="0" eaLnBrk="1" latinLnBrk="0" hangingPunct="1">
         <a:defRPr sz="1800" kern="1200">
           <a:solidFill>
             <a:schemeClr val="tx1"/>
@@ -3320,7 +5807,7 @@
           <a:cs typeface="+mn-cs"/>
         </a:defRPr>
       </a:lvl8pPr>
-      <a:lvl9pPr marL="3657600" algn="l" defTabSz="914400" rtl="0" eaLnBrk="1" latinLnBrk="0" hangingPunct="1">
+      <a:lvl9pPr marL="3657600" algn="l" defTabSz="457200" rtl="0" eaLnBrk="1" latinLnBrk="0" hangingPunct="1">
         <a:defRPr sz="1800" kern="1200">
           <a:solidFill>
             <a:schemeClr val="tx1"/>
@@ -3484,15 +5971,146 @@
             <p:ph idx="1"/>
           </p:nvPr>
         </p:nvSpPr>
-        <p:spPr/>
-        <p:txBody>
-          <a:bodyPr/>
-          <a:lstStyle/>
-          <a:p>
-            <a:endParaRPr lang="en-US"/>
-          </a:p>
-        </p:txBody>
-      </p:sp>
+        <p:spPr>
+          <a:xfrm>
+            <a:off x="565608" y="1838227"/>
+            <a:ext cx="5328754" cy="4751108"/>
+          </a:xfrm>
+        </p:spPr>
+        <p:txBody>
+          <a:bodyPr>
+            <a:normAutofit/>
+          </a:bodyPr>
+          <a:lstStyle/>
+          <a:p>
+            <a:r>
+              <a:rPr lang="en-US" sz="2000" dirty="0"/>
+              <a:t>Cross validation was performed with 5 folds</a:t>
+            </a:r>
+          </a:p>
+          <a:p>
+            <a:r>
+              <a:rPr lang="en-US" sz="2000" dirty="0"/>
+              <a:t>Model performance was consistent with an average validation accuracy of 83.5%</a:t>
+            </a:r>
+          </a:p>
+          <a:p>
+            <a:r>
+              <a:rPr lang="en-US" sz="2000" dirty="0"/>
+              <a:t>Grid search with various dropout rates were performed as well</a:t>
+            </a:r>
+          </a:p>
+          <a:p>
+            <a:r>
+              <a:rPr lang="en-US" sz="2000" dirty="0"/>
+              <a:t>Our RNN model and hyperparameter choice was proven solid</a:t>
+            </a:r>
+          </a:p>
+          <a:p>
+            <a:r>
+              <a:rPr lang="en-US" sz="2000" dirty="0"/>
+              <a:t>External benchmarking was performed with NLTK twitter dataset</a:t>
+            </a:r>
+          </a:p>
+          <a:p>
+            <a:r>
+              <a:rPr lang="en-US" sz="2000" dirty="0"/>
+              <a:t>Results were moderate at best, indicating the need to use a global vocabulary for embeddings generation</a:t>
+            </a:r>
+          </a:p>
+        </p:txBody>
+      </p:sp>
+      <p:pic>
+        <p:nvPicPr>
+          <p:cNvPr id="4" name="Picture 3">
+            <a:extLst>
+              <a:ext uri="{FF2B5EF4-FFF2-40B4-BE49-F238E27FC236}">
+                <a16:creationId xmlns:a16="http://schemas.microsoft.com/office/drawing/2014/main" id="{7670C085-CE77-B237-AD68-11D22C6D8E97}"/>
+              </a:ext>
+            </a:extLst>
+          </p:cNvPr>
+          <p:cNvPicPr>
+            <a:picLocks noChangeAspect="1"/>
+          </p:cNvPicPr>
+          <p:nvPr/>
+        </p:nvPicPr>
+        <p:blipFill>
+          <a:blip r:embed="rId2"/>
+          <a:stretch>
+            <a:fillRect/>
+          </a:stretch>
+        </p:blipFill>
+        <p:spPr>
+          <a:xfrm>
+            <a:off x="6297639" y="2032010"/>
+            <a:ext cx="5083123" cy="1231747"/>
+          </a:xfrm>
+          <a:prstGeom prst="rect">
+            <a:avLst/>
+          </a:prstGeom>
+        </p:spPr>
+      </p:pic>
+      <p:pic>
+        <p:nvPicPr>
+          <p:cNvPr id="5" name="Picture 4">
+            <a:extLst>
+              <a:ext uri="{FF2B5EF4-FFF2-40B4-BE49-F238E27FC236}">
+                <a16:creationId xmlns:a16="http://schemas.microsoft.com/office/drawing/2014/main" id="{7AA6948D-3EB6-E7C6-A604-4A1548A35B79}"/>
+              </a:ext>
+            </a:extLst>
+          </p:cNvPr>
+          <p:cNvPicPr>
+            <a:picLocks noChangeAspect="1"/>
+          </p:cNvPicPr>
+          <p:nvPr/>
+        </p:nvPicPr>
+        <p:blipFill>
+          <a:blip r:embed="rId3"/>
+          <a:srcRect b="34768"/>
+          <a:stretch>
+            <a:fillRect/>
+          </a:stretch>
+        </p:blipFill>
+        <p:spPr>
+          <a:xfrm>
+            <a:off x="6202245" y="3320081"/>
+            <a:ext cx="5839519" cy="691172"/>
+          </a:xfrm>
+          <a:prstGeom prst="rect">
+            <a:avLst/>
+          </a:prstGeom>
+        </p:spPr>
+      </p:pic>
+      <p:pic>
+        <p:nvPicPr>
+          <p:cNvPr id="6" name="Picture 5">
+            <a:extLst>
+              <a:ext uri="{FF2B5EF4-FFF2-40B4-BE49-F238E27FC236}">
+                <a16:creationId xmlns:a16="http://schemas.microsoft.com/office/drawing/2014/main" id="{125EC6E1-5413-51B9-EDD9-7058898851DC}"/>
+              </a:ext>
+            </a:extLst>
+          </p:cNvPr>
+          <p:cNvPicPr>
+            <a:picLocks noChangeAspect="1"/>
+          </p:cNvPicPr>
+          <p:nvPr/>
+        </p:nvPicPr>
+        <p:blipFill>
+          <a:blip r:embed="rId4"/>
+          <a:stretch>
+            <a:fillRect/>
+          </a:stretch>
+        </p:blipFill>
+        <p:spPr>
+          <a:xfrm>
+            <a:off x="6505374" y="4119350"/>
+            <a:ext cx="3662615" cy="2469985"/>
+          </a:xfrm>
+          <a:prstGeom prst="rect">
+            <a:avLst/>
+          </a:prstGeom>
+        </p:spPr>
+      </p:pic>
     </p:spTree>
     <p:extLst>
       <p:ext uri="{BB962C8B-B14F-4D97-AF65-F5344CB8AC3E}">
@@ -3567,19 +6185,89 @@
             <p:ph idx="1"/>
           </p:nvPr>
         </p:nvSpPr>
-        <p:spPr/>
-        <p:txBody>
-          <a:bodyPr/>
-          <a:lstStyle/>
-          <a:p>
-            <a:endParaRPr lang="en-US"/>
-          </a:p>
-        </p:txBody>
-      </p:sp>
+        <p:spPr>
+          <a:xfrm>
+            <a:off x="838200" y="1835052"/>
+            <a:ext cx="5581454" cy="4351338"/>
+          </a:xfrm>
+        </p:spPr>
+        <p:txBody>
+          <a:bodyPr>
+            <a:normAutofit/>
+          </a:bodyPr>
+          <a:lstStyle/>
+          <a:p>
+            <a:r>
+              <a:rPr lang="en-US" sz="2400" dirty="0"/>
+              <a:t>Model performed very well when tested with sample tweets – accurately predicting all inputs given</a:t>
+            </a:r>
+          </a:p>
+        </p:txBody>
+      </p:sp>
+      <p:pic>
+        <p:nvPicPr>
+          <p:cNvPr id="4" name="Picture 3">
+            <a:extLst>
+              <a:ext uri="{FF2B5EF4-FFF2-40B4-BE49-F238E27FC236}">
+                <a16:creationId xmlns:a16="http://schemas.microsoft.com/office/drawing/2014/main" id="{BA29DD52-8F9E-8EF7-4D4F-8623D8385253}"/>
+              </a:ext>
+            </a:extLst>
+          </p:cNvPr>
+          <p:cNvPicPr>
+            <a:picLocks noChangeAspect="1"/>
+          </p:cNvPicPr>
+          <p:nvPr/>
+        </p:nvPicPr>
+        <p:blipFill>
+          <a:blip r:embed="rId2"/>
+          <a:stretch>
+            <a:fillRect/>
+          </a:stretch>
+        </p:blipFill>
+        <p:spPr>
+          <a:xfrm>
+            <a:off x="7478980" y="1340359"/>
+            <a:ext cx="4360705" cy="5152516"/>
+          </a:xfrm>
+          <a:prstGeom prst="rect">
+            <a:avLst/>
+          </a:prstGeom>
+        </p:spPr>
+      </p:pic>
     </p:spTree>
     <p:extLst>
       <p:ext uri="{BB962C8B-B14F-4D97-AF65-F5344CB8AC3E}">
         <p14:creationId xmlns:p14="http://schemas.microsoft.com/office/powerpoint/2010/main" val="2382638760"/>
+      </p:ext>
+    </p:extLst>
+  </p:cSld>
+  <p:clrMapOvr>
+    <a:masterClrMapping/>
+  </p:clrMapOvr>
+</p:sld>
+</file>
+
+<file path=ppt/slides/slide12.xml><?xml version="1.0" encoding="utf-8"?>
+<p:sld xmlns:a="http://schemas.openxmlformats.org/drawingml/2006/main" xmlns:r="http://schemas.openxmlformats.org/officeDocument/2006/relationships" xmlns:p="http://schemas.openxmlformats.org/presentationml/2006/main">
+  <p:cSld>
+    <p:spTree>
+      <p:nvGrpSpPr>
+        <p:cNvPr id="1" name=""/>
+        <p:cNvGrpSpPr/>
+        <p:nvPr/>
+      </p:nvGrpSpPr>
+      <p:grpSpPr>
+        <a:xfrm>
+          <a:off x="0" y="0"/>
+          <a:ext cx="0" cy="0"/>
+          <a:chOff x="0" y="0"/>
+          <a:chExt cx="0" cy="0"/>
+        </a:xfrm>
+      </p:grpSpPr>
+    </p:spTree>
+    <p:extLst>
+      <p:ext uri="{BB962C8B-B14F-4D97-AF65-F5344CB8AC3E}">
+        <p14:creationId xmlns:p14="http://schemas.microsoft.com/office/powerpoint/2010/main" val="3573784337"/>
       </p:ext>
     </p:extLst>
   </p:cSld>
@@ -3653,42 +6341,42 @@
         <p:spPr/>
         <p:txBody>
           <a:bodyPr>
-            <a:normAutofit/>
+            <a:normAutofit lnSpcReduction="10000"/>
           </a:bodyPr>
           <a:lstStyle/>
           <a:p>
             <a:r>
-              <a:rPr lang="en-US" dirty="0"/>
+              <a:rPr lang="en-US" sz="2800" dirty="0"/>
               <a:t>Understand the structure of the Twitter dataset</a:t>
             </a:r>
           </a:p>
           <a:p>
             <a:r>
-              <a:rPr lang="en-US" dirty="0"/>
+              <a:rPr lang="en-US" sz="2800" dirty="0"/>
               <a:t>Perform data preprocessing and text cleaning</a:t>
             </a:r>
           </a:p>
           <a:p>
             <a:r>
-              <a:rPr lang="en-US" dirty="0"/>
+              <a:rPr lang="en-US" sz="2800" dirty="0"/>
               <a:t>Conduct exploratory data analysis to uncover insights</a:t>
             </a:r>
           </a:p>
           <a:p>
             <a:r>
-              <a:rPr lang="en-US" dirty="0"/>
+              <a:rPr lang="en-US" sz="2800" dirty="0"/>
               <a:t>Build a Recurrent Neural Network (RNN) model for sentiment classification</a:t>
             </a:r>
           </a:p>
           <a:p>
             <a:r>
-              <a:rPr lang="en-US" dirty="0"/>
+              <a:rPr lang="en-US" sz="2800" dirty="0"/>
               <a:t>Evaluate and improve the performance of the model</a:t>
             </a:r>
           </a:p>
           <a:p>
             <a:r>
-              <a:rPr lang="en-US" dirty="0"/>
+              <a:rPr lang="en-US" sz="2800" dirty="0"/>
               <a:t>Present findings and recommendations</a:t>
             </a:r>
           </a:p>
@@ -3768,27 +6456,32 @@
             <p:ph idx="1"/>
           </p:nvPr>
         </p:nvSpPr>
-        <p:spPr/>
+        <p:spPr>
+          <a:xfrm>
+            <a:off x="685801" y="1640265"/>
+            <a:ext cx="10131425" cy="4807670"/>
+          </a:xfrm>
+        </p:spPr>
         <p:txBody>
           <a:bodyPr>
-            <a:normAutofit fontScale="85000" lnSpcReduction="20000"/>
+            <a:normAutofit fontScale="92500" lnSpcReduction="10000"/>
           </a:bodyPr>
           <a:lstStyle/>
           <a:p>
             <a:r>
-              <a:rPr lang="en-US" dirty="0"/>
+              <a:rPr lang="en-US" sz="1600" dirty="0"/>
               <a:t>Standard CSV without headers</a:t>
             </a:r>
           </a:p>
           <a:p>
             <a:r>
-              <a:rPr lang="en-US" dirty="0"/>
+              <a:rPr lang="en-US" sz="1600" dirty="0"/>
               <a:t>Appears to be from multiple sources</a:t>
             </a:r>
           </a:p>
           <a:p>
             <a:r>
-              <a:rPr lang="en-US" dirty="0"/>
+              <a:rPr lang="en-US" sz="1600" dirty="0"/>
               <a:t>Dataset observations</a:t>
             </a:r>
           </a:p>
@@ -3829,7 +6522,7 @@
           </a:p>
           <a:p>
             <a:r>
-              <a:rPr lang="en-IN" dirty="0"/>
+              <a:rPr lang="en-IN" sz="1600" dirty="0"/>
               <a:t>Dataset after post processing</a:t>
             </a:r>
           </a:p>
@@ -3953,8 +6646,8 @@
         </p:blipFill>
         <p:spPr>
           <a:xfrm>
-            <a:off x="2870200" y="1994694"/>
-            <a:ext cx="6451600" cy="4013200"/>
+            <a:off x="2817923" y="2141538"/>
+            <a:ext cx="5867178" cy="3649662"/>
           </a:xfrm>
           <a:prstGeom prst="rect">
             <a:avLst/>
@@ -4049,8 +6742,8 @@
         </p:blipFill>
         <p:spPr>
           <a:xfrm>
-            <a:off x="2813050" y="1880394"/>
-            <a:ext cx="6565900" cy="4241800"/>
+            <a:off x="2926849" y="2141538"/>
+            <a:ext cx="5649327" cy="3649662"/>
           </a:xfrm>
           <a:prstGeom prst="rect">
             <a:avLst/>
@@ -4145,8 +6838,8 @@
         </p:blipFill>
         <p:spPr>
           <a:xfrm>
-            <a:off x="2660650" y="1899444"/>
-            <a:ext cx="6870700" cy="4203700"/>
+            <a:off x="2768934" y="2141538"/>
+            <a:ext cx="5965157" cy="3649662"/>
           </a:xfrm>
           <a:prstGeom prst="rect">
             <a:avLst/>
@@ -4360,14 +7053,55 @@
           </a:xfrm>
         </p:spPr>
         <p:txBody>
-          <a:bodyPr/>
-          <a:lstStyle/>
-          <a:p>
-            <a:r>
-              <a:rPr lang="en-US"/>
-              <a:t>Layers</a:t>
-            </a:r>
-            <a:endParaRPr lang="en-US" dirty="0"/>
+          <a:bodyPr>
+            <a:normAutofit/>
+          </a:bodyPr>
+          <a:lstStyle/>
+          <a:p>
+            <a:r>
+              <a:rPr lang="en-US" sz="2400" dirty="0"/>
+              <a:t>Deep NN was chosen with multiple layers</a:t>
+            </a:r>
+          </a:p>
+          <a:p>
+            <a:r>
+              <a:rPr lang="en-US" sz="2400" dirty="0"/>
+              <a:t>Embedding layer to begin with</a:t>
+            </a:r>
+          </a:p>
+          <a:p>
+            <a:r>
+              <a:rPr lang="en-US" sz="2400" dirty="0"/>
+              <a:t>Bi Directional LSTM</a:t>
+            </a:r>
+          </a:p>
+          <a:p>
+            <a:r>
+              <a:rPr lang="en-US" sz="2400" dirty="0"/>
+              <a:t>Followed by Dense </a:t>
+            </a:r>
+            <a:r>
+              <a:rPr lang="en-US" sz="2400" dirty="0" err="1"/>
+              <a:t>Relu</a:t>
+            </a:r>
+            <a:r>
+              <a:rPr lang="en-US" sz="2400" dirty="0"/>
+              <a:t> </a:t>
+            </a:r>
+          </a:p>
+          <a:p>
+            <a:r>
+              <a:rPr lang="en-US" sz="2400" dirty="0"/>
+              <a:t>Lastly </a:t>
+            </a:r>
+            <a:r>
+              <a:rPr lang="en-US" sz="2400" dirty="0" err="1"/>
+              <a:t>softmax</a:t>
+            </a:r>
+            <a:r>
+              <a:rPr lang="en-US" sz="2400" dirty="0"/>
+              <a:t> with 3 classes for prediction probabilities</a:t>
+            </a:r>
           </a:p>
         </p:txBody>
       </p:sp>
@@ -4393,7 +7127,7 @@
         </p:blipFill>
         <p:spPr>
           <a:xfrm>
-            <a:off x="9680655" y="762126"/>
+            <a:off x="9835653" y="768152"/>
             <a:ext cx="1963145" cy="5503431"/>
           </a:xfrm>
           <a:prstGeom prst="rect">
@@ -4423,7 +7157,7 @@
         </p:blipFill>
         <p:spPr>
           <a:xfrm>
-            <a:off x="5476530" y="2235253"/>
+            <a:off x="5377350" y="2235253"/>
             <a:ext cx="4303305" cy="2557175"/>
           </a:xfrm>
           <a:prstGeom prst="rect">
@@ -4505,15 +7239,100 @@
             <p:ph idx="1"/>
           </p:nvPr>
         </p:nvSpPr>
-        <p:spPr/>
-        <p:txBody>
-          <a:bodyPr/>
-          <a:lstStyle/>
-          <a:p>
-            <a:endParaRPr lang="en-US"/>
-          </a:p>
-        </p:txBody>
-      </p:sp>
+        <p:spPr>
+          <a:xfrm>
+            <a:off x="838199" y="1894789"/>
+            <a:ext cx="7136877" cy="1753384"/>
+          </a:xfrm>
+        </p:spPr>
+        <p:txBody>
+          <a:bodyPr>
+            <a:normAutofit fontScale="85000" lnSpcReduction="20000"/>
+          </a:bodyPr>
+          <a:lstStyle/>
+          <a:p>
+            <a:r>
+              <a:rPr lang="en-US" sz="2400" dirty="0"/>
+              <a:t>10 Epochs were chosen – as per industry standard recommendation for tweet sentiment analysis</a:t>
+            </a:r>
+          </a:p>
+          <a:p>
+            <a:r>
+              <a:rPr lang="en-US" sz="2400" dirty="0"/>
+              <a:t>Obtained ~82% Accuracy</a:t>
+            </a:r>
+          </a:p>
+          <a:p>
+            <a:r>
+              <a:rPr lang="en-US" sz="2400" dirty="0"/>
+              <a:t>Performed what-if analysis to find out impact of not stopping early</a:t>
+            </a:r>
+          </a:p>
+          <a:p>
+            <a:endParaRPr lang="en-US" sz="2400" dirty="0"/>
+          </a:p>
+        </p:txBody>
+      </p:sp>
+      <p:pic>
+        <p:nvPicPr>
+          <p:cNvPr id="5" name="Picture 4">
+            <a:extLst>
+              <a:ext uri="{FF2B5EF4-FFF2-40B4-BE49-F238E27FC236}">
+                <a16:creationId xmlns:a16="http://schemas.microsoft.com/office/drawing/2014/main" id="{CB1270F5-E89A-0B82-7CB1-5F26F8269EA8}"/>
+              </a:ext>
+            </a:extLst>
+          </p:cNvPr>
+          <p:cNvPicPr>
+            <a:picLocks noChangeAspect="1"/>
+          </p:cNvPicPr>
+          <p:nvPr/>
+        </p:nvPicPr>
+        <p:blipFill>
+          <a:blip r:embed="rId2"/>
+          <a:stretch>
+            <a:fillRect/>
+          </a:stretch>
+        </p:blipFill>
+        <p:spPr>
+          <a:xfrm>
+            <a:off x="8117228" y="3047400"/>
+            <a:ext cx="3988470" cy="3319299"/>
+          </a:xfrm>
+          <a:prstGeom prst="rect">
+            <a:avLst/>
+          </a:prstGeom>
+        </p:spPr>
+      </p:pic>
+      <p:pic>
+        <p:nvPicPr>
+          <p:cNvPr id="4" name="Picture 3">
+            <a:extLst>
+              <a:ext uri="{FF2B5EF4-FFF2-40B4-BE49-F238E27FC236}">
+                <a16:creationId xmlns:a16="http://schemas.microsoft.com/office/drawing/2014/main" id="{BDA04BB5-8F34-4594-A4B7-48A77CDACA80}"/>
+              </a:ext>
+            </a:extLst>
+          </p:cNvPr>
+          <p:cNvPicPr>
+            <a:picLocks noChangeAspect="1"/>
+          </p:cNvPicPr>
+          <p:nvPr/>
+        </p:nvPicPr>
+        <p:blipFill>
+          <a:blip r:embed="rId3"/>
+          <a:stretch>
+            <a:fillRect/>
+          </a:stretch>
+        </p:blipFill>
+        <p:spPr>
+          <a:xfrm>
+            <a:off x="696583" y="3843193"/>
+            <a:ext cx="7065818" cy="2523506"/>
+          </a:xfrm>
+          <a:prstGeom prst="rect">
+            <a:avLst/>
+          </a:prstGeom>
+        </p:spPr>
+      </p:pic>
     </p:spTree>
     <p:extLst>
       <p:ext uri="{BB962C8B-B14F-4D97-AF65-F5344CB8AC3E}">
@@ -4528,9 +7347,9 @@
 </file>
 
 <file path=ppt/theme/theme1.xml><?xml version="1.0" encoding="utf-8"?>
-<a:theme xmlns:a="http://schemas.openxmlformats.org/drawingml/2006/main" name="Office Theme">
+<a:theme xmlns:a="http://schemas.openxmlformats.org/drawingml/2006/main" name="Celestial">
   <a:themeElements>
-    <a:clrScheme name="Office">
+    <a:clrScheme name="Celestial">
       <a:dk1>
         <a:sysClr val="windowText" lastClr="000000"/>
       </a:dk1>
@@ -4538,44 +7357,44 @@
         <a:sysClr val="window" lastClr="FFFFFF"/>
       </a:lt1>
       <a:dk2>
-        <a:srgbClr val="0E2841"/>
+        <a:srgbClr val="16476F"/>
       </a:dk2>
       <a:lt2>
-        <a:srgbClr val="E8E8E8"/>
+        <a:srgbClr val="EBEBEB"/>
       </a:lt2>
       <a:accent1>
-        <a:srgbClr val="156082"/>
+        <a:srgbClr val="E5B458"/>
       </a:accent1>
       <a:accent2>
-        <a:srgbClr val="E97132"/>
+        <a:srgbClr val="F77754"/>
       </a:accent2>
       <a:accent3>
-        <a:srgbClr val="196B24"/>
+        <a:srgbClr val="D8507E"/>
       </a:accent3>
       <a:accent4>
-        <a:srgbClr val="0F9ED5"/>
+        <a:srgbClr val="BC70EE"/>
       </a:accent4>
       <a:accent5>
-        <a:srgbClr val="A02B93"/>
+        <a:srgbClr val="3CA2E2"/>
       </a:accent5>
       <a:accent6>
-        <a:srgbClr val="4EA72E"/>
+        <a:srgbClr val="91BF77"/>
       </a:accent6>
       <a:hlink>
-        <a:srgbClr val="467886"/>
+        <a:srgbClr val="71DDAB"/>
       </a:hlink>
       <a:folHlink>
-        <a:srgbClr val="96607D"/>
+        <a:srgbClr val="A6E4C7"/>
       </a:folHlink>
     </a:clrScheme>
-    <a:fontScheme name="Office">
+    <a:fontScheme name="Celestial">
       <a:majorFont>
-        <a:latin typeface="Aptos Display" panose="02110004020202020204"/>
+        <a:latin typeface="Calibri Light" panose="020F0302020204030204"/>
         <a:ea typeface=""/>
         <a:cs typeface=""/>
-        <a:font script="Jpan" typeface="游ゴシック Light"/>
+        <a:font script="Jpan" typeface="ＭＳ Ｐゴシック"/>
         <a:font script="Hang" typeface="맑은 고딕"/>
-        <a:font script="Hans" typeface="等线 Light"/>
+        <a:font script="Hans" typeface="宋体"/>
         <a:font script="Hant" typeface="新細明體"/>
         <a:font script="Arab" typeface="Times New Roman"/>
         <a:font script="Hebr" typeface="Times New Roman"/>
@@ -4603,31 +7422,14 @@
         <a:font script="Viet" typeface="Times New Roman"/>
         <a:font script="Uigh" typeface="Microsoft Uighur"/>
         <a:font script="Geor" typeface="Sylfaen"/>
-        <a:font script="Armn" typeface="Arial"/>
-        <a:font script="Bugi" typeface="Leelawadee UI"/>
-        <a:font script="Bopo" typeface="Microsoft JhengHei"/>
-        <a:font script="Java" typeface="Javanese Text"/>
-        <a:font script="Lisu" typeface="Segoe UI"/>
-        <a:font script="Mymr" typeface="Myanmar Text"/>
-        <a:font script="Nkoo" typeface="Ebrima"/>
-        <a:font script="Olck" typeface="Nirmala UI"/>
-        <a:font script="Osma" typeface="Ebrima"/>
-        <a:font script="Phag" typeface="Phagspa"/>
-        <a:font script="Syrn" typeface="Estrangelo Edessa"/>
-        <a:font script="Syrj" typeface="Estrangelo Edessa"/>
-        <a:font script="Syre" typeface="Estrangelo Edessa"/>
-        <a:font script="Sora" typeface="Nirmala UI"/>
-        <a:font script="Tale" typeface="Microsoft Tai Le"/>
-        <a:font script="Talu" typeface="Microsoft New Tai Lue"/>
-        <a:font script="Tfng" typeface="Ebrima"/>
       </a:majorFont>
       <a:minorFont>
-        <a:latin typeface="Aptos" panose="02110004020202020204"/>
+        <a:latin typeface="Calibri" panose="020F0502020204030204"/>
         <a:ea typeface=""/>
         <a:cs typeface=""/>
-        <a:font script="Jpan" typeface="游ゴシック"/>
+        <a:font script="Jpan" typeface="ＭＳ Ｐゴシック"/>
         <a:font script="Hang" typeface="맑은 고딕"/>
-        <a:font script="Hans" typeface="等线"/>
+        <a:font script="Hans" typeface="宋体"/>
         <a:font script="Hant" typeface="新細明體"/>
         <a:font script="Arab" typeface="Arial"/>
         <a:font script="Hebr" typeface="Arial"/>
@@ -4655,26 +7457,9 @@
         <a:font script="Viet" typeface="Arial"/>
         <a:font script="Uigh" typeface="Microsoft Uighur"/>
         <a:font script="Geor" typeface="Sylfaen"/>
-        <a:font script="Armn" typeface="Arial"/>
-        <a:font script="Bugi" typeface="Leelawadee UI"/>
-        <a:font script="Bopo" typeface="Microsoft JhengHei"/>
-        <a:font script="Java" typeface="Javanese Text"/>
-        <a:font script="Lisu" typeface="Segoe UI"/>
-        <a:font script="Mymr" typeface="Myanmar Text"/>
-        <a:font script="Nkoo" typeface="Ebrima"/>
-        <a:font script="Olck" typeface="Nirmala UI"/>
-        <a:font script="Osma" typeface="Ebrima"/>
-        <a:font script="Phag" typeface="Phagspa"/>
-        <a:font script="Syrn" typeface="Estrangelo Edessa"/>
-        <a:font script="Syrj" typeface="Estrangelo Edessa"/>
-        <a:font script="Syre" typeface="Estrangelo Edessa"/>
-        <a:font script="Sora" typeface="Nirmala UI"/>
-        <a:font script="Tale" typeface="Microsoft Tai Le"/>
-        <a:font script="Talu" typeface="Microsoft New Tai Lue"/>
-        <a:font script="Tfng" typeface="Ebrima"/>
       </a:minorFont>
     </a:fontScheme>
-    <a:fmtScheme name="Office">
+    <a:fmtScheme name="Celestial">
       <a:fillStyleLst>
         <a:solidFill>
           <a:schemeClr val="phClr"/>
@@ -4683,23 +7468,14 @@
           <a:gsLst>
             <a:gs pos="0">
               <a:schemeClr val="phClr">
+                <a:tint val="70000"/>
                 <a:lumMod val="110000"/>
-                <a:satMod val="105000"/>
-                <a:tint val="67000"/>
-              </a:schemeClr>
-            </a:gs>
-            <a:gs pos="50000">
-              <a:schemeClr val="phClr">
-                <a:lumMod val="105000"/>
-                <a:satMod val="103000"/>
-                <a:tint val="73000"/>
               </a:schemeClr>
             </a:gs>
             <a:gs pos="100000">
               <a:schemeClr val="phClr">
-                <a:lumMod val="105000"/>
-                <a:satMod val="109000"/>
-                <a:tint val="81000"/>
+                <a:tint val="82000"/>
+                <a:alpha val="74000"/>
               </a:schemeClr>
             </a:gs>
           </a:gsLst>
@@ -4709,50 +7485,38 @@
           <a:gsLst>
             <a:gs pos="0">
               <a:schemeClr val="phClr">
-                <a:satMod val="103000"/>
-                <a:lumMod val="102000"/>
-                <a:tint val="94000"/>
-              </a:schemeClr>
-            </a:gs>
-            <a:gs pos="50000">
-              <a:schemeClr val="phClr">
-                <a:satMod val="110000"/>
+                <a:tint val="98000"/>
                 <a:lumMod val="100000"/>
-                <a:shade val="100000"/>
               </a:schemeClr>
             </a:gs>
             <a:gs pos="100000">
               <a:schemeClr val="phClr">
-                <a:lumMod val="99000"/>
-                <a:satMod val="120000"/>
-                <a:shade val="78000"/>
+                <a:shade val="88000"/>
+                <a:lumMod val="88000"/>
               </a:schemeClr>
             </a:gs>
           </a:gsLst>
-          <a:lin ang="5400000" scaled="0"/>
+          <a:lin ang="5400000" scaled="1"/>
         </a:gradFill>
       </a:fillStyleLst>
       <a:lnStyleLst>
-        <a:ln w="12700" cap="flat" cmpd="sng" algn="ctr">
+        <a:ln w="9525" cap="rnd" cmpd="sng" algn="ctr">
           <a:solidFill>
             <a:schemeClr val="phClr"/>
           </a:solidFill>
           <a:prstDash val="solid"/>
-          <a:miter lim="800000"/>
         </a:ln>
-        <a:ln w="19050" cap="flat" cmpd="sng" algn="ctr">
+        <a:ln w="19050" cap="rnd" cmpd="sng" algn="ctr">
           <a:solidFill>
             <a:schemeClr val="phClr"/>
           </a:solidFill>
           <a:prstDash val="solid"/>
-          <a:miter lim="800000"/>
         </a:ln>
-        <a:ln w="25400" cap="flat" cmpd="sng" algn="ctr">
+        <a:ln w="25400" cap="rnd" cmpd="sng" algn="ctr">
           <a:solidFill>
             <a:schemeClr val="phClr"/>
           </a:solidFill>
           <a:prstDash val="solid"/>
-          <a:miter lim="800000"/>
         </a:ln>
       </a:lnStyleLst>
       <a:effectStyleLst>
@@ -4760,83 +7524,72 @@
           <a:effectLst/>
         </a:effectStyle>
         <a:effectStyle>
-          <a:effectLst/>
+          <a:effectLst>
+            <a:outerShdw blurRad="50800" dist="38100" dir="5400000" rotWithShape="0">
+              <a:srgbClr val="000000">
+                <a:alpha val="35000"/>
+              </a:srgbClr>
+            </a:outerShdw>
+          </a:effectLst>
         </a:effectStyle>
         <a:effectStyle>
           <a:effectLst>
-            <a:outerShdw blurRad="57150" dist="19050" dir="5400000" algn="ctr" rotWithShape="0">
+            <a:outerShdw blurRad="63500" dist="38100" dir="5400000" rotWithShape="0">
               <a:srgbClr val="000000">
-                <a:alpha val="63000"/>
+                <a:alpha val="65000"/>
               </a:srgbClr>
             </a:outerShdw>
           </a:effectLst>
+          <a:scene3d>
+            <a:camera prst="orthographicFront">
+              <a:rot lat="0" lon="0" rev="0"/>
+            </a:camera>
+            <a:lightRig rig="threePt" dir="tl">
+              <a:rot lat="0" lon="0" rev="1200000"/>
+            </a:lightRig>
+          </a:scene3d>
+          <a:sp3d>
+            <a:bevelT w="38100" h="12700"/>
+          </a:sp3d>
         </a:effectStyle>
       </a:effectStyleLst>
       <a:bgFillStyleLst>
         <a:solidFill>
           <a:schemeClr val="phClr"/>
         </a:solidFill>
-        <a:solidFill>
-          <a:schemeClr val="phClr">
-            <a:tint val="95000"/>
-            <a:satMod val="170000"/>
-          </a:schemeClr>
-        </a:solidFill>
         <a:gradFill rotWithShape="1">
           <a:gsLst>
             <a:gs pos="0">
               <a:schemeClr val="phClr">
-                <a:tint val="93000"/>
-                <a:satMod val="150000"/>
-                <a:shade val="98000"/>
-                <a:lumMod val="102000"/>
-              </a:schemeClr>
-            </a:gs>
-            <a:gs pos="50000">
-              <a:schemeClr val="phClr">
-                <a:tint val="98000"/>
-                <a:satMod val="130000"/>
-                <a:shade val="90000"/>
-                <a:lumMod val="103000"/>
+                <a:tint val="90000"/>
+                <a:shade val="96000"/>
+                <a:hueMod val="100000"/>
+                <a:satMod val="180000"/>
+                <a:lumMod val="110000"/>
               </a:schemeClr>
             </a:gs>
             <a:gs pos="100000">
               <a:schemeClr val="phClr">
-                <a:shade val="63000"/>
-                <a:satMod val="120000"/>
+                <a:shade val="96000"/>
+                <a:satMod val="160000"/>
+                <a:lumMod val="100000"/>
               </a:schemeClr>
             </a:gs>
           </a:gsLst>
-          <a:lin ang="5400000" scaled="0"/>
+          <a:lin ang="4740000" scaled="1"/>
         </a:gradFill>
+        <a:blipFill>
+          <a:blip xmlns:r="http://schemas.openxmlformats.org/officeDocument/2006/relationships" r:embed="rId1"/>
+          <a:stretch/>
+        </a:blipFill>
       </a:bgFillStyleLst>
     </a:fmtScheme>
   </a:themeElements>
-  <a:objectDefaults>
-    <a:lnDef>
-      <a:spPr/>
-      <a:bodyPr/>
-      <a:lstStyle/>
-      <a:style>
-        <a:lnRef idx="2">
-          <a:schemeClr val="accent1"/>
-        </a:lnRef>
-        <a:fillRef idx="0">
-          <a:schemeClr val="accent1"/>
-        </a:fillRef>
-        <a:effectRef idx="1">
-          <a:schemeClr val="accent1"/>
-        </a:effectRef>
-        <a:fontRef idx="minor">
-          <a:schemeClr val="tx1"/>
-        </a:fontRef>
-      </a:style>
-    </a:lnDef>
-  </a:objectDefaults>
+  <a:objectDefaults/>
   <a:extraClrSchemeLst/>
   <a:extLst>
     <a:ext uri="{05A4C25C-085E-4340-85A3-A5531E510DB2}">
-      <thm15:themeFamily xmlns:thm15="http://schemas.microsoft.com/office/thememl/2012/main" name="Office Theme" id="{2E142A2C-CD16-42D6-873A-C26D2A0506FA}" vid="{1BDDFF52-6CD6-40A5-AB3C-68EB2F1E4D0A}"/>
+      <thm15:themeFamily xmlns:thm15="http://schemas.microsoft.com/office/thememl/2012/main" name="Celestial" id="{C4BB2A3D-0E93-4C5F-B0D2-9D3FCE089CC5}" vid="{B36E0D05-787B-4C61-8268-2D6C1FBEDA32}"/>
     </a:ext>
   </a:extLst>
 </a:theme>
